--- a/Material pedagógico/Modulo 2/Clase 3/Clase 3 - Modulo 2.pptx
+++ b/Material pedagógico/Modulo 2/Clase 3/Clase 3 - Modulo 2.pptx
@@ -26,9 +26,6 @@
     <p:sldId id="261" r:id="rId19"/>
     <p:sldId id="262" r:id="rId20"/>
     <p:sldId id="263" r:id="rId21"/>
-    <p:sldId id="264" r:id="rId22"/>
-    <p:sldId id="265" r:id="rId23"/>
-    <p:sldId id="266" r:id="rId24"/>
   </p:sldIdLst>
   <p:sldSz cx="12192000" cy="6858000"/>
   <p:notesSz cx="6858000" cy="9144000"/>
@@ -359,7 +356,7 @@
             <a:pPr indent="0" algn="r">
               <a:buNone/>
             </a:pPr>
-            <a:fld id="{BAB7BA54-8647-4A83-A729-C16C64D8E73D}" type="slidenum">
+            <a:fld id="{44DA557F-BC9A-45D3-A643-70390EF0A95E}" type="slidenum">
               <a:rPr b="0" lang="es-CO" sz="1400" spc="-1" strike="noStrike">
                 <a:solidFill>
                   <a:srgbClr val="000000"/>
@@ -402,7 +399,7 @@
       </p:grpSpPr>
       <p:sp>
         <p:nvSpPr>
-          <p:cNvPr id="180" name="PlaceHolder 1"/>
+          <p:cNvPr id="146" name="PlaceHolder 1"/>
           <p:cNvSpPr>
             <a:spLocks noGrp="1"/>
           </p:cNvSpPr>
@@ -413,19 +410,19 @@
         <p:spPr>
           <a:xfrm>
             <a:off x="685800" y="1143000"/>
-            <a:ext cx="5484960" cy="3084840"/>
-          </a:xfrm>
-          <a:prstGeom prst="rect">
-            <a:avLst/>
-          </a:prstGeom>
-          <a:ln w="0">
-            <a:noFill/>
-          </a:ln>
-        </p:spPr>
-      </p:sp>
-      <p:sp>
-        <p:nvSpPr>
-          <p:cNvPr id="181" name="PlaceHolder 2"/>
+            <a:ext cx="5484600" cy="3084480"/>
+          </a:xfrm>
+          <a:prstGeom prst="rect">
+            <a:avLst/>
+          </a:prstGeom>
+          <a:ln w="0">
+            <a:noFill/>
+          </a:ln>
+        </p:spPr>
+      </p:sp>
+      <p:sp>
+        <p:nvSpPr>
+          <p:cNvPr id="147" name="PlaceHolder 2"/>
           <p:cNvSpPr>
             <a:spLocks noGrp="1"/>
           </p:cNvSpPr>
@@ -436,7 +433,7 @@
         <p:spPr>
           <a:xfrm>
             <a:off x="685800" y="4400640"/>
-            <a:ext cx="5484960" cy="3599280"/>
+            <a:ext cx="5484600" cy="3598920"/>
           </a:xfrm>
           <a:prstGeom prst="rect">
             <a:avLst/>
@@ -465,7 +462,7 @@
       </p:sp>
       <p:sp>
         <p:nvSpPr>
-          <p:cNvPr id="182" name="PlaceHolder 3"/>
+          <p:cNvPr id="148" name="PlaceHolder 3"/>
           <p:cNvSpPr>
             <a:spLocks noGrp="1"/>
           </p:cNvSpPr>
@@ -476,7 +473,7 @@
         <p:spPr>
           <a:xfrm>
             <a:off x="3884760" y="8685360"/>
-            <a:ext cx="2970360" cy="457200"/>
+            <a:ext cx="2970000" cy="456840"/>
           </a:xfrm>
           <a:prstGeom prst="rect">
             <a:avLst/>
@@ -517,321 +514,7 @@
                 <a:tab algn="l" pos="0"/>
               </a:tabLst>
             </a:pPr>
-            <a:fld id="{59BE186A-4885-49BA-8E89-EB87DA2F65AC}" type="slidenum">
-              <a:rPr b="0" lang="es-CO" sz="1400" spc="-1" strike="noStrike">
-                <a:solidFill>
-                  <a:srgbClr val="000000"/>
-                </a:solidFill>
-                <a:latin typeface="Times New Roman"/>
-              </a:rPr>
-              <a:t>&lt;número&gt;</a:t>
-            </a:fld>
-            <a:endParaRPr b="0" lang="es-CO" sz="1400" spc="-1" strike="noStrike">
-              <a:solidFill>
-                <a:srgbClr val="000000"/>
-              </a:solidFill>
-              <a:latin typeface="Times New Roman"/>
-            </a:endParaRPr>
-          </a:p>
-        </p:txBody>
-      </p:sp>
-    </p:spTree>
-  </p:cSld>
-</p:notes>
-</file>
-
-<file path=ppt/notesSlides/notesSlide10.xml><?xml version="1.0" encoding="utf-8"?>
-<p:notes xmlns:a="http://schemas.openxmlformats.org/drawingml/2006/main" xmlns:p="http://schemas.openxmlformats.org/presentationml/2006/main" xmlns:r="http://schemas.openxmlformats.org/officeDocument/2006/relationships" xmlns:p14="http://schemas.microsoft.com/office/powerpoint/2010/main" xmlns:p15="http://schemas.microsoft.com/office/powerpoint/2012/main" xmlns:mc="http://schemas.openxmlformats.org/markup-compatibility/2006">
-  <p:cSld>
-    <p:spTree>
-      <p:nvGrpSpPr>
-        <p:cNvPr id="1" name=""/>
-        <p:cNvGrpSpPr/>
-        <p:nvPr/>
-      </p:nvGrpSpPr>
-      <p:grpSpPr>
-        <a:xfrm>
-          <a:off x="0" y="0"/>
-          <a:ext cx="0" cy="0"/>
-          <a:chOff x="0" y="0"/>
-          <a:chExt cx="0" cy="0"/>
-        </a:xfrm>
-      </p:grpSpPr>
-      <p:sp>
-        <p:nvSpPr>
-          <p:cNvPr id="207" name="PlaceHolder 1"/>
-          <p:cNvSpPr>
-            <a:spLocks noGrp="1"/>
-          </p:cNvSpPr>
-          <p:nvPr>
-            <p:ph type="sldImg"/>
-          </p:nvPr>
-        </p:nvSpPr>
-        <p:spPr>
-          <a:xfrm>
-            <a:off x="685800" y="1143000"/>
-            <a:ext cx="5484960" cy="3084840"/>
-          </a:xfrm>
-          <a:prstGeom prst="rect">
-            <a:avLst/>
-          </a:prstGeom>
-          <a:ln w="0">
-            <a:noFill/>
-          </a:ln>
-        </p:spPr>
-      </p:sp>
-      <p:sp>
-        <p:nvSpPr>
-          <p:cNvPr id="208" name="PlaceHolder 2"/>
-          <p:cNvSpPr>
-            <a:spLocks noGrp="1"/>
-          </p:cNvSpPr>
-          <p:nvPr>
-            <p:ph type="body"/>
-          </p:nvPr>
-        </p:nvSpPr>
-        <p:spPr>
-          <a:xfrm>
-            <a:off x="685800" y="4400640"/>
-            <a:ext cx="5484960" cy="3599280"/>
-          </a:xfrm>
-          <a:prstGeom prst="rect">
-            <a:avLst/>
-          </a:prstGeom>
-          <a:noFill/>
-          <a:ln w="0">
-            <a:noFill/>
-          </a:ln>
-        </p:spPr>
-        <p:txBody>
-          <a:bodyPr lIns="91440" rIns="91440" tIns="45720" bIns="45720" anchor="t">
-            <a:noAutofit/>
-          </a:bodyPr>
-          <a:p>
-            <a:pPr marL="216000" indent="-216000">
-              <a:buNone/>
-            </a:pPr>
-            <a:endParaRPr b="0" lang="es-CO" sz="1800" spc="-1" strike="noStrike">
-              <a:solidFill>
-                <a:srgbClr val="000000"/>
-              </a:solidFill>
-              <a:latin typeface="Arial"/>
-            </a:endParaRPr>
-          </a:p>
-        </p:txBody>
-      </p:sp>
-      <p:sp>
-        <p:nvSpPr>
-          <p:cNvPr id="209" name="PlaceHolder 3"/>
-          <p:cNvSpPr>
-            <a:spLocks noGrp="1"/>
-          </p:cNvSpPr>
-          <p:nvPr>
-            <p:ph type="sldNum" idx="46"/>
-          </p:nvPr>
-        </p:nvSpPr>
-        <p:spPr>
-          <a:xfrm>
-            <a:off x="3884760" y="8685360"/>
-            <a:ext cx="2970360" cy="457200"/>
-          </a:xfrm>
-          <a:prstGeom prst="rect">
-            <a:avLst/>
-          </a:prstGeom>
-          <a:noFill/>
-          <a:ln w="0">
-            <a:noFill/>
-          </a:ln>
-        </p:spPr>
-        <p:txBody>
-          <a:bodyPr lIns="91440" rIns="91440" tIns="45720" bIns="45720" anchor="b">
-            <a:noAutofit/>
-          </a:bodyPr>
-          <a:lstStyle>
-            <a:lvl1pPr indent="0" algn="r">
-              <a:lnSpc>
-                <a:spcPct val="100000"/>
-              </a:lnSpc>
-              <a:buNone/>
-              <a:tabLst>
-                <a:tab algn="l" pos="0"/>
-              </a:tabLst>
-              <a:defRPr b="0" lang="es-CO" sz="1400" spc="-1" strike="noStrike">
-                <a:solidFill>
-                  <a:srgbClr val="000000"/>
-                </a:solidFill>
-                <a:latin typeface="Times New Roman"/>
-              </a:defRPr>
-            </a:lvl1pPr>
-          </a:lstStyle>
-          <a:p>
-            <a:pPr indent="0" algn="r">
-              <a:lnSpc>
-                <a:spcPct val="100000"/>
-              </a:lnSpc>
-              <a:buNone/>
-              <a:tabLst>
-                <a:tab algn="l" pos="0"/>
-              </a:tabLst>
-            </a:pPr>
-            <a:fld id="{2CA2AEFC-4976-4B5A-B368-AA5F55DA086A}" type="slidenum">
-              <a:rPr b="0" lang="es-CO" sz="1400" spc="-1" strike="noStrike">
-                <a:solidFill>
-                  <a:srgbClr val="000000"/>
-                </a:solidFill>
-                <a:latin typeface="Times New Roman"/>
-              </a:rPr>
-              <a:t>&lt;número&gt;</a:t>
-            </a:fld>
-            <a:endParaRPr b="0" lang="es-CO" sz="1400" spc="-1" strike="noStrike">
-              <a:solidFill>
-                <a:srgbClr val="000000"/>
-              </a:solidFill>
-              <a:latin typeface="Times New Roman"/>
-            </a:endParaRPr>
-          </a:p>
-        </p:txBody>
-      </p:sp>
-    </p:spTree>
-  </p:cSld>
-</p:notes>
-</file>
-
-<file path=ppt/notesSlides/notesSlide11.xml><?xml version="1.0" encoding="utf-8"?>
-<p:notes xmlns:a="http://schemas.openxmlformats.org/drawingml/2006/main" xmlns:p="http://schemas.openxmlformats.org/presentationml/2006/main" xmlns:r="http://schemas.openxmlformats.org/officeDocument/2006/relationships" xmlns:p14="http://schemas.microsoft.com/office/powerpoint/2010/main" xmlns:p15="http://schemas.microsoft.com/office/powerpoint/2012/main" xmlns:mc="http://schemas.openxmlformats.org/markup-compatibility/2006">
-  <p:cSld>
-    <p:spTree>
-      <p:nvGrpSpPr>
-        <p:cNvPr id="1" name=""/>
-        <p:cNvGrpSpPr/>
-        <p:nvPr/>
-      </p:nvGrpSpPr>
-      <p:grpSpPr>
-        <a:xfrm>
-          <a:off x="0" y="0"/>
-          <a:ext cx="0" cy="0"/>
-          <a:chOff x="0" y="0"/>
-          <a:chExt cx="0" cy="0"/>
-        </a:xfrm>
-      </p:grpSpPr>
-      <p:sp>
-        <p:nvSpPr>
-          <p:cNvPr id="210" name="PlaceHolder 1"/>
-          <p:cNvSpPr>
-            <a:spLocks noGrp="1"/>
-          </p:cNvSpPr>
-          <p:nvPr>
-            <p:ph type="sldImg"/>
-          </p:nvPr>
-        </p:nvSpPr>
-        <p:spPr>
-          <a:xfrm>
-            <a:off x="685800" y="1143000"/>
-            <a:ext cx="5484960" cy="3084840"/>
-          </a:xfrm>
-          <a:prstGeom prst="rect">
-            <a:avLst/>
-          </a:prstGeom>
-          <a:ln w="0">
-            <a:noFill/>
-          </a:ln>
-        </p:spPr>
-      </p:sp>
-      <p:sp>
-        <p:nvSpPr>
-          <p:cNvPr id="211" name="PlaceHolder 2"/>
-          <p:cNvSpPr>
-            <a:spLocks noGrp="1"/>
-          </p:cNvSpPr>
-          <p:nvPr>
-            <p:ph type="body"/>
-          </p:nvPr>
-        </p:nvSpPr>
-        <p:spPr>
-          <a:xfrm>
-            <a:off x="685800" y="4400640"/>
-            <a:ext cx="5484960" cy="3599280"/>
-          </a:xfrm>
-          <a:prstGeom prst="rect">
-            <a:avLst/>
-          </a:prstGeom>
-          <a:noFill/>
-          <a:ln w="0">
-            <a:noFill/>
-          </a:ln>
-        </p:spPr>
-        <p:txBody>
-          <a:bodyPr lIns="91440" rIns="91440" tIns="45720" bIns="45720" anchor="t">
-            <a:noAutofit/>
-          </a:bodyPr>
-          <a:p>
-            <a:pPr marL="216000" indent="-216000">
-              <a:buNone/>
-            </a:pPr>
-            <a:endParaRPr b="0" lang="es-CO" sz="1800" spc="-1" strike="noStrike">
-              <a:solidFill>
-                <a:srgbClr val="000000"/>
-              </a:solidFill>
-              <a:latin typeface="Arial"/>
-            </a:endParaRPr>
-          </a:p>
-        </p:txBody>
-      </p:sp>
-      <p:sp>
-        <p:nvSpPr>
-          <p:cNvPr id="212" name="PlaceHolder 3"/>
-          <p:cNvSpPr>
-            <a:spLocks noGrp="1"/>
-          </p:cNvSpPr>
-          <p:nvPr>
-            <p:ph type="sldNum" idx="47"/>
-          </p:nvPr>
-        </p:nvSpPr>
-        <p:spPr>
-          <a:xfrm>
-            <a:off x="3884760" y="8685360"/>
-            <a:ext cx="2970360" cy="457200"/>
-          </a:xfrm>
-          <a:prstGeom prst="rect">
-            <a:avLst/>
-          </a:prstGeom>
-          <a:noFill/>
-          <a:ln w="0">
-            <a:noFill/>
-          </a:ln>
-        </p:spPr>
-        <p:txBody>
-          <a:bodyPr lIns="91440" rIns="91440" tIns="45720" bIns="45720" anchor="b">
-            <a:noAutofit/>
-          </a:bodyPr>
-          <a:lstStyle>
-            <a:lvl1pPr indent="0" algn="r">
-              <a:lnSpc>
-                <a:spcPct val="100000"/>
-              </a:lnSpc>
-              <a:buNone/>
-              <a:tabLst>
-                <a:tab algn="l" pos="0"/>
-              </a:tabLst>
-              <a:defRPr b="0" lang="es-CO" sz="1400" spc="-1" strike="noStrike">
-                <a:solidFill>
-                  <a:srgbClr val="000000"/>
-                </a:solidFill>
-                <a:latin typeface="Times New Roman"/>
-              </a:defRPr>
-            </a:lvl1pPr>
-          </a:lstStyle>
-          <a:p>
-            <a:pPr indent="0" algn="r">
-              <a:lnSpc>
-                <a:spcPct val="100000"/>
-              </a:lnSpc>
-              <a:buNone/>
-              <a:tabLst>
-                <a:tab algn="l" pos="0"/>
-              </a:tabLst>
-            </a:pPr>
-            <a:fld id="{5C407108-C750-49A8-AF4C-6D21D1230C23}" type="slidenum">
+            <a:fld id="{61FD5BD6-2DBA-4E9B-83EA-68C5C54C3FAF}" type="slidenum">
               <a:rPr b="0" lang="es-CO" sz="1400" spc="-1" strike="noStrike">
                 <a:solidFill>
                   <a:srgbClr val="000000"/>
@@ -873,7 +556,7 @@
       </p:grpSpPr>
       <p:sp>
         <p:nvSpPr>
-          <p:cNvPr id="183" name="PlaceHolder 1"/>
+          <p:cNvPr id="149" name="PlaceHolder 1"/>
           <p:cNvSpPr>
             <a:spLocks noGrp="1"/>
           </p:cNvSpPr>
@@ -884,19 +567,19 @@
         <p:spPr>
           <a:xfrm>
             <a:off x="685800" y="1143000"/>
-            <a:ext cx="5484960" cy="3084840"/>
-          </a:xfrm>
-          <a:prstGeom prst="rect">
-            <a:avLst/>
-          </a:prstGeom>
-          <a:ln w="0">
-            <a:noFill/>
-          </a:ln>
-        </p:spPr>
-      </p:sp>
-      <p:sp>
-        <p:nvSpPr>
-          <p:cNvPr id="184" name="PlaceHolder 2"/>
+            <a:ext cx="5484600" cy="3084480"/>
+          </a:xfrm>
+          <a:prstGeom prst="rect">
+            <a:avLst/>
+          </a:prstGeom>
+          <a:ln w="0">
+            <a:noFill/>
+          </a:ln>
+        </p:spPr>
+      </p:sp>
+      <p:sp>
+        <p:nvSpPr>
+          <p:cNvPr id="150" name="PlaceHolder 2"/>
           <p:cNvSpPr>
             <a:spLocks noGrp="1"/>
           </p:cNvSpPr>
@@ -907,7 +590,7 @@
         <p:spPr>
           <a:xfrm>
             <a:off x="685800" y="4400640"/>
-            <a:ext cx="5484960" cy="3599280"/>
+            <a:ext cx="5484600" cy="3598920"/>
           </a:xfrm>
           <a:prstGeom prst="rect">
             <a:avLst/>
@@ -936,7 +619,7 @@
       </p:sp>
       <p:sp>
         <p:nvSpPr>
-          <p:cNvPr id="185" name="PlaceHolder 3"/>
+          <p:cNvPr id="151" name="PlaceHolder 3"/>
           <p:cNvSpPr>
             <a:spLocks noGrp="1"/>
           </p:cNvSpPr>
@@ -947,7 +630,7 @@
         <p:spPr>
           <a:xfrm>
             <a:off x="3884760" y="8685360"/>
-            <a:ext cx="2970360" cy="457200"/>
+            <a:ext cx="2970000" cy="456840"/>
           </a:xfrm>
           <a:prstGeom prst="rect">
             <a:avLst/>
@@ -988,7 +671,7 @@
                 <a:tab algn="l" pos="0"/>
               </a:tabLst>
             </a:pPr>
-            <a:fld id="{EBC5062A-3C84-42AB-9740-DC0E46DFA155}" type="slidenum">
+            <a:fld id="{C2EA9E85-5A54-40D9-B129-720BD99DD0E7}" type="slidenum">
               <a:rPr b="0" lang="es-CO" sz="1400" spc="-1" strike="noStrike">
                 <a:solidFill>
                   <a:srgbClr val="000000"/>
@@ -1030,7 +713,7 @@
       </p:grpSpPr>
       <p:sp>
         <p:nvSpPr>
-          <p:cNvPr id="186" name="PlaceHolder 1"/>
+          <p:cNvPr id="152" name="PlaceHolder 1"/>
           <p:cNvSpPr>
             <a:spLocks noGrp="1"/>
           </p:cNvSpPr>
@@ -1041,19 +724,19 @@
         <p:spPr>
           <a:xfrm>
             <a:off x="685800" y="1143000"/>
-            <a:ext cx="5484960" cy="3084840"/>
-          </a:xfrm>
-          <a:prstGeom prst="rect">
-            <a:avLst/>
-          </a:prstGeom>
-          <a:ln w="0">
-            <a:noFill/>
-          </a:ln>
-        </p:spPr>
-      </p:sp>
-      <p:sp>
-        <p:nvSpPr>
-          <p:cNvPr id="187" name="PlaceHolder 2"/>
+            <a:ext cx="5484600" cy="3084480"/>
+          </a:xfrm>
+          <a:prstGeom prst="rect">
+            <a:avLst/>
+          </a:prstGeom>
+          <a:ln w="0">
+            <a:noFill/>
+          </a:ln>
+        </p:spPr>
+      </p:sp>
+      <p:sp>
+        <p:nvSpPr>
+          <p:cNvPr id="153" name="PlaceHolder 2"/>
           <p:cNvSpPr>
             <a:spLocks noGrp="1"/>
           </p:cNvSpPr>
@@ -1064,7 +747,7 @@
         <p:spPr>
           <a:xfrm>
             <a:off x="685800" y="4400640"/>
-            <a:ext cx="5484960" cy="3599280"/>
+            <a:ext cx="5484600" cy="3598920"/>
           </a:xfrm>
           <a:prstGeom prst="rect">
             <a:avLst/>
@@ -1093,7 +776,7 @@
       </p:sp>
       <p:sp>
         <p:nvSpPr>
-          <p:cNvPr id="188" name="PlaceHolder 3"/>
+          <p:cNvPr id="154" name="PlaceHolder 3"/>
           <p:cNvSpPr>
             <a:spLocks noGrp="1"/>
           </p:cNvSpPr>
@@ -1104,7 +787,7 @@
         <p:spPr>
           <a:xfrm>
             <a:off x="3884760" y="8685360"/>
-            <a:ext cx="2970360" cy="457200"/>
+            <a:ext cx="2970000" cy="456840"/>
           </a:xfrm>
           <a:prstGeom prst="rect">
             <a:avLst/>
@@ -1145,7 +828,7 @@
                 <a:tab algn="l" pos="0"/>
               </a:tabLst>
             </a:pPr>
-            <a:fld id="{45C066D3-522D-4B49-A2BF-A96BCD32DC6F}" type="slidenum">
+            <a:fld id="{C2DE4693-A01C-41D5-B88B-2CCE8170DBBA}" type="slidenum">
               <a:rPr b="0" lang="es-CO" sz="1400" spc="-1" strike="noStrike">
                 <a:solidFill>
                   <a:srgbClr val="000000"/>
@@ -1187,7 +870,7 @@
       </p:grpSpPr>
       <p:sp>
         <p:nvSpPr>
-          <p:cNvPr id="189" name="PlaceHolder 1"/>
+          <p:cNvPr id="155" name="PlaceHolder 1"/>
           <p:cNvSpPr>
             <a:spLocks noGrp="1"/>
           </p:cNvSpPr>
@@ -1198,19 +881,19 @@
         <p:spPr>
           <a:xfrm>
             <a:off x="685800" y="1143000"/>
-            <a:ext cx="5484960" cy="3084840"/>
-          </a:xfrm>
-          <a:prstGeom prst="rect">
-            <a:avLst/>
-          </a:prstGeom>
-          <a:ln w="0">
-            <a:noFill/>
-          </a:ln>
-        </p:spPr>
-      </p:sp>
-      <p:sp>
-        <p:nvSpPr>
-          <p:cNvPr id="190" name="PlaceHolder 2"/>
+            <a:ext cx="5484600" cy="3084480"/>
+          </a:xfrm>
+          <a:prstGeom prst="rect">
+            <a:avLst/>
+          </a:prstGeom>
+          <a:ln w="0">
+            <a:noFill/>
+          </a:ln>
+        </p:spPr>
+      </p:sp>
+      <p:sp>
+        <p:nvSpPr>
+          <p:cNvPr id="156" name="PlaceHolder 2"/>
           <p:cNvSpPr>
             <a:spLocks noGrp="1"/>
           </p:cNvSpPr>
@@ -1221,7 +904,7 @@
         <p:spPr>
           <a:xfrm>
             <a:off x="685800" y="4400640"/>
-            <a:ext cx="5484960" cy="3599280"/>
+            <a:ext cx="5484600" cy="3598920"/>
           </a:xfrm>
           <a:prstGeom prst="rect">
             <a:avLst/>
@@ -1250,7 +933,7 @@
       </p:sp>
       <p:sp>
         <p:nvSpPr>
-          <p:cNvPr id="191" name="PlaceHolder 3"/>
+          <p:cNvPr id="157" name="PlaceHolder 3"/>
           <p:cNvSpPr>
             <a:spLocks noGrp="1"/>
           </p:cNvSpPr>
@@ -1261,7 +944,7 @@
         <p:spPr>
           <a:xfrm>
             <a:off x="3884760" y="8685360"/>
-            <a:ext cx="2970360" cy="457200"/>
+            <a:ext cx="2970000" cy="456840"/>
           </a:xfrm>
           <a:prstGeom prst="rect">
             <a:avLst/>
@@ -1302,7 +985,7 @@
                 <a:tab algn="l" pos="0"/>
               </a:tabLst>
             </a:pPr>
-            <a:fld id="{638B6E76-5804-4BF8-A011-7F27058D4225}" type="slidenum">
+            <a:fld id="{249F0231-D01D-494E-92B3-DF46BF90AF16}" type="slidenum">
               <a:rPr b="0" lang="es-CO" sz="1400" spc="-1" strike="noStrike">
                 <a:solidFill>
                   <a:srgbClr val="000000"/>
@@ -1344,7 +1027,7 @@
       </p:grpSpPr>
       <p:sp>
         <p:nvSpPr>
-          <p:cNvPr id="192" name="PlaceHolder 1"/>
+          <p:cNvPr id="158" name="PlaceHolder 1"/>
           <p:cNvSpPr>
             <a:spLocks noGrp="1"/>
           </p:cNvSpPr>
@@ -1355,19 +1038,19 @@
         <p:spPr>
           <a:xfrm>
             <a:off x="685800" y="1143000"/>
-            <a:ext cx="5484960" cy="3084840"/>
-          </a:xfrm>
-          <a:prstGeom prst="rect">
-            <a:avLst/>
-          </a:prstGeom>
-          <a:ln w="0">
-            <a:noFill/>
-          </a:ln>
-        </p:spPr>
-      </p:sp>
-      <p:sp>
-        <p:nvSpPr>
-          <p:cNvPr id="193" name="PlaceHolder 2"/>
+            <a:ext cx="5484600" cy="3084480"/>
+          </a:xfrm>
+          <a:prstGeom prst="rect">
+            <a:avLst/>
+          </a:prstGeom>
+          <a:ln w="0">
+            <a:noFill/>
+          </a:ln>
+        </p:spPr>
+      </p:sp>
+      <p:sp>
+        <p:nvSpPr>
+          <p:cNvPr id="159" name="PlaceHolder 2"/>
           <p:cNvSpPr>
             <a:spLocks noGrp="1"/>
           </p:cNvSpPr>
@@ -1378,7 +1061,7 @@
         <p:spPr>
           <a:xfrm>
             <a:off x="685800" y="4400640"/>
-            <a:ext cx="5484960" cy="3599280"/>
+            <a:ext cx="5484600" cy="3598920"/>
           </a:xfrm>
           <a:prstGeom prst="rect">
             <a:avLst/>
@@ -1407,7 +1090,7 @@
       </p:sp>
       <p:sp>
         <p:nvSpPr>
-          <p:cNvPr id="194" name="PlaceHolder 3"/>
+          <p:cNvPr id="160" name="PlaceHolder 3"/>
           <p:cNvSpPr>
             <a:spLocks noGrp="1"/>
           </p:cNvSpPr>
@@ -1418,7 +1101,7 @@
         <p:spPr>
           <a:xfrm>
             <a:off x="3884760" y="8685360"/>
-            <a:ext cx="2970360" cy="457200"/>
+            <a:ext cx="2970000" cy="456840"/>
           </a:xfrm>
           <a:prstGeom prst="rect">
             <a:avLst/>
@@ -1459,7 +1142,7 @@
                 <a:tab algn="l" pos="0"/>
               </a:tabLst>
             </a:pPr>
-            <a:fld id="{385D916D-0F5A-4114-B15E-0C9678AA6317}" type="slidenum">
+            <a:fld id="{AED5C7C6-7705-47C1-8FDD-430058264BD2}" type="slidenum">
               <a:rPr b="0" lang="es-CO" sz="1400" spc="-1" strike="noStrike">
                 <a:solidFill>
                   <a:srgbClr val="000000"/>
@@ -1501,7 +1184,7 @@
       </p:grpSpPr>
       <p:sp>
         <p:nvSpPr>
-          <p:cNvPr id="195" name="PlaceHolder 1"/>
+          <p:cNvPr id="161" name="PlaceHolder 1"/>
           <p:cNvSpPr>
             <a:spLocks noGrp="1"/>
           </p:cNvSpPr>
@@ -1512,19 +1195,19 @@
         <p:spPr>
           <a:xfrm>
             <a:off x="685800" y="1143000"/>
-            <a:ext cx="5484960" cy="3084840"/>
-          </a:xfrm>
-          <a:prstGeom prst="rect">
-            <a:avLst/>
-          </a:prstGeom>
-          <a:ln w="0">
-            <a:noFill/>
-          </a:ln>
-        </p:spPr>
-      </p:sp>
-      <p:sp>
-        <p:nvSpPr>
-          <p:cNvPr id="196" name="PlaceHolder 2"/>
+            <a:ext cx="5484600" cy="3084480"/>
+          </a:xfrm>
+          <a:prstGeom prst="rect">
+            <a:avLst/>
+          </a:prstGeom>
+          <a:ln w="0">
+            <a:noFill/>
+          </a:ln>
+        </p:spPr>
+      </p:sp>
+      <p:sp>
+        <p:nvSpPr>
+          <p:cNvPr id="162" name="PlaceHolder 2"/>
           <p:cNvSpPr>
             <a:spLocks noGrp="1"/>
           </p:cNvSpPr>
@@ -1535,7 +1218,7 @@
         <p:spPr>
           <a:xfrm>
             <a:off x="685800" y="4400640"/>
-            <a:ext cx="5484960" cy="3599280"/>
+            <a:ext cx="5484600" cy="3598920"/>
           </a:xfrm>
           <a:prstGeom prst="rect">
             <a:avLst/>
@@ -1564,7 +1247,7 @@
       </p:sp>
       <p:sp>
         <p:nvSpPr>
-          <p:cNvPr id="197" name="PlaceHolder 3"/>
+          <p:cNvPr id="163" name="PlaceHolder 3"/>
           <p:cNvSpPr>
             <a:spLocks noGrp="1"/>
           </p:cNvSpPr>
@@ -1575,7 +1258,7 @@
         <p:spPr>
           <a:xfrm>
             <a:off x="3884760" y="8685360"/>
-            <a:ext cx="2970360" cy="457200"/>
+            <a:ext cx="2970000" cy="456840"/>
           </a:xfrm>
           <a:prstGeom prst="rect">
             <a:avLst/>
@@ -1616,7 +1299,7 @@
                 <a:tab algn="l" pos="0"/>
               </a:tabLst>
             </a:pPr>
-            <a:fld id="{6563D1D8-4724-4BD7-BE39-4AB69895B791}" type="slidenum">
+            <a:fld id="{16343E11-0675-4C36-9117-00E20B18AC0B}" type="slidenum">
               <a:rPr b="0" lang="es-CO" sz="1400" spc="-1" strike="noStrike">
                 <a:solidFill>
                   <a:srgbClr val="000000"/>
@@ -1658,7 +1341,7 @@
       </p:grpSpPr>
       <p:sp>
         <p:nvSpPr>
-          <p:cNvPr id="198" name="PlaceHolder 1"/>
+          <p:cNvPr id="164" name="PlaceHolder 1"/>
           <p:cNvSpPr>
             <a:spLocks noGrp="1"/>
           </p:cNvSpPr>
@@ -1669,19 +1352,19 @@
         <p:spPr>
           <a:xfrm>
             <a:off x="685800" y="1143000"/>
-            <a:ext cx="5484960" cy="3084840"/>
-          </a:xfrm>
-          <a:prstGeom prst="rect">
-            <a:avLst/>
-          </a:prstGeom>
-          <a:ln w="0">
-            <a:noFill/>
-          </a:ln>
-        </p:spPr>
-      </p:sp>
-      <p:sp>
-        <p:nvSpPr>
-          <p:cNvPr id="199" name="PlaceHolder 2"/>
+            <a:ext cx="5484600" cy="3084480"/>
+          </a:xfrm>
+          <a:prstGeom prst="rect">
+            <a:avLst/>
+          </a:prstGeom>
+          <a:ln w="0">
+            <a:noFill/>
+          </a:ln>
+        </p:spPr>
+      </p:sp>
+      <p:sp>
+        <p:nvSpPr>
+          <p:cNvPr id="165" name="PlaceHolder 2"/>
           <p:cNvSpPr>
             <a:spLocks noGrp="1"/>
           </p:cNvSpPr>
@@ -1692,7 +1375,7 @@
         <p:spPr>
           <a:xfrm>
             <a:off x="685800" y="4400640"/>
-            <a:ext cx="5484960" cy="3599280"/>
+            <a:ext cx="5484600" cy="3598920"/>
           </a:xfrm>
           <a:prstGeom prst="rect">
             <a:avLst/>
@@ -1721,7 +1404,7 @@
       </p:sp>
       <p:sp>
         <p:nvSpPr>
-          <p:cNvPr id="200" name="PlaceHolder 3"/>
+          <p:cNvPr id="166" name="PlaceHolder 3"/>
           <p:cNvSpPr>
             <a:spLocks noGrp="1"/>
           </p:cNvSpPr>
@@ -1732,7 +1415,7 @@
         <p:spPr>
           <a:xfrm>
             <a:off x="3884760" y="8685360"/>
-            <a:ext cx="2970360" cy="457200"/>
+            <a:ext cx="2970000" cy="456840"/>
           </a:xfrm>
           <a:prstGeom prst="rect">
             <a:avLst/>
@@ -1773,7 +1456,7 @@
                 <a:tab algn="l" pos="0"/>
               </a:tabLst>
             </a:pPr>
-            <a:fld id="{920D8422-AAA9-4D91-B679-ED34E9491BD3}" type="slidenum">
+            <a:fld id="{AA351B3E-239E-43D4-A76F-36D7D8C04A85}" type="slidenum">
               <a:rPr b="0" lang="es-CO" sz="1400" spc="-1" strike="noStrike">
                 <a:solidFill>
                   <a:srgbClr val="000000"/>
@@ -1815,7 +1498,7 @@
       </p:grpSpPr>
       <p:sp>
         <p:nvSpPr>
-          <p:cNvPr id="201" name="PlaceHolder 1"/>
+          <p:cNvPr id="167" name="PlaceHolder 1"/>
           <p:cNvSpPr>
             <a:spLocks noGrp="1"/>
           </p:cNvSpPr>
@@ -1826,19 +1509,19 @@
         <p:spPr>
           <a:xfrm>
             <a:off x="685800" y="1143000"/>
-            <a:ext cx="5484960" cy="3084840"/>
-          </a:xfrm>
-          <a:prstGeom prst="rect">
-            <a:avLst/>
-          </a:prstGeom>
-          <a:ln w="0">
-            <a:noFill/>
-          </a:ln>
-        </p:spPr>
-      </p:sp>
-      <p:sp>
-        <p:nvSpPr>
-          <p:cNvPr id="202" name="PlaceHolder 2"/>
+            <a:ext cx="5484600" cy="3084480"/>
+          </a:xfrm>
+          <a:prstGeom prst="rect">
+            <a:avLst/>
+          </a:prstGeom>
+          <a:ln w="0">
+            <a:noFill/>
+          </a:ln>
+        </p:spPr>
+      </p:sp>
+      <p:sp>
+        <p:nvSpPr>
+          <p:cNvPr id="168" name="PlaceHolder 2"/>
           <p:cNvSpPr>
             <a:spLocks noGrp="1"/>
           </p:cNvSpPr>
@@ -1849,7 +1532,7 @@
         <p:spPr>
           <a:xfrm>
             <a:off x="685800" y="4400640"/>
-            <a:ext cx="5484960" cy="3599280"/>
+            <a:ext cx="5484600" cy="3598920"/>
           </a:xfrm>
           <a:prstGeom prst="rect">
             <a:avLst/>
@@ -1878,7 +1561,7 @@
       </p:sp>
       <p:sp>
         <p:nvSpPr>
-          <p:cNvPr id="203" name="PlaceHolder 3"/>
+          <p:cNvPr id="169" name="PlaceHolder 3"/>
           <p:cNvSpPr>
             <a:spLocks noGrp="1"/>
           </p:cNvSpPr>
@@ -1889,7 +1572,7 @@
         <p:spPr>
           <a:xfrm>
             <a:off x="3884760" y="8685360"/>
-            <a:ext cx="2970360" cy="457200"/>
+            <a:ext cx="2970000" cy="456840"/>
           </a:xfrm>
           <a:prstGeom prst="rect">
             <a:avLst/>
@@ -1930,164 +1613,7 @@
                 <a:tab algn="l" pos="0"/>
               </a:tabLst>
             </a:pPr>
-            <a:fld id="{BCC8619E-47DB-4DE7-BF4C-B3B5E01712F6}" type="slidenum">
-              <a:rPr b="0" lang="es-CO" sz="1400" spc="-1" strike="noStrike">
-                <a:solidFill>
-                  <a:srgbClr val="000000"/>
-                </a:solidFill>
-                <a:latin typeface="Times New Roman"/>
-              </a:rPr>
-              <a:t>&lt;número&gt;</a:t>
-            </a:fld>
-            <a:endParaRPr b="0" lang="es-CO" sz="1400" spc="-1" strike="noStrike">
-              <a:solidFill>
-                <a:srgbClr val="000000"/>
-              </a:solidFill>
-              <a:latin typeface="Times New Roman"/>
-            </a:endParaRPr>
-          </a:p>
-        </p:txBody>
-      </p:sp>
-    </p:spTree>
-  </p:cSld>
-</p:notes>
-</file>
-
-<file path=ppt/notesSlides/notesSlide9.xml><?xml version="1.0" encoding="utf-8"?>
-<p:notes xmlns:a="http://schemas.openxmlformats.org/drawingml/2006/main" xmlns:p="http://schemas.openxmlformats.org/presentationml/2006/main" xmlns:r="http://schemas.openxmlformats.org/officeDocument/2006/relationships" xmlns:p14="http://schemas.microsoft.com/office/powerpoint/2010/main" xmlns:p15="http://schemas.microsoft.com/office/powerpoint/2012/main" xmlns:mc="http://schemas.openxmlformats.org/markup-compatibility/2006">
-  <p:cSld>
-    <p:spTree>
-      <p:nvGrpSpPr>
-        <p:cNvPr id="1" name=""/>
-        <p:cNvGrpSpPr/>
-        <p:nvPr/>
-      </p:nvGrpSpPr>
-      <p:grpSpPr>
-        <a:xfrm>
-          <a:off x="0" y="0"/>
-          <a:ext cx="0" cy="0"/>
-          <a:chOff x="0" y="0"/>
-          <a:chExt cx="0" cy="0"/>
-        </a:xfrm>
-      </p:grpSpPr>
-      <p:sp>
-        <p:nvSpPr>
-          <p:cNvPr id="204" name="PlaceHolder 1"/>
-          <p:cNvSpPr>
-            <a:spLocks noGrp="1"/>
-          </p:cNvSpPr>
-          <p:nvPr>
-            <p:ph type="sldImg"/>
-          </p:nvPr>
-        </p:nvSpPr>
-        <p:spPr>
-          <a:xfrm>
-            <a:off x="685800" y="1143000"/>
-            <a:ext cx="5484960" cy="3084840"/>
-          </a:xfrm>
-          <a:prstGeom prst="rect">
-            <a:avLst/>
-          </a:prstGeom>
-          <a:ln w="0">
-            <a:noFill/>
-          </a:ln>
-        </p:spPr>
-      </p:sp>
-      <p:sp>
-        <p:nvSpPr>
-          <p:cNvPr id="205" name="PlaceHolder 2"/>
-          <p:cNvSpPr>
-            <a:spLocks noGrp="1"/>
-          </p:cNvSpPr>
-          <p:nvPr>
-            <p:ph type="body"/>
-          </p:nvPr>
-        </p:nvSpPr>
-        <p:spPr>
-          <a:xfrm>
-            <a:off x="685800" y="4400640"/>
-            <a:ext cx="5484960" cy="3599280"/>
-          </a:xfrm>
-          <a:prstGeom prst="rect">
-            <a:avLst/>
-          </a:prstGeom>
-          <a:noFill/>
-          <a:ln w="0">
-            <a:noFill/>
-          </a:ln>
-        </p:spPr>
-        <p:txBody>
-          <a:bodyPr lIns="91440" rIns="91440" tIns="45720" bIns="45720" anchor="t">
-            <a:noAutofit/>
-          </a:bodyPr>
-          <a:p>
-            <a:pPr marL="216000" indent="-216000">
-              <a:buNone/>
-            </a:pPr>
-            <a:endParaRPr b="0" lang="es-CO" sz="1800" spc="-1" strike="noStrike">
-              <a:solidFill>
-                <a:srgbClr val="000000"/>
-              </a:solidFill>
-              <a:latin typeface="Arial"/>
-            </a:endParaRPr>
-          </a:p>
-        </p:txBody>
-      </p:sp>
-      <p:sp>
-        <p:nvSpPr>
-          <p:cNvPr id="206" name="PlaceHolder 3"/>
-          <p:cNvSpPr>
-            <a:spLocks noGrp="1"/>
-          </p:cNvSpPr>
-          <p:nvPr>
-            <p:ph type="sldNum" idx="45"/>
-          </p:nvPr>
-        </p:nvSpPr>
-        <p:spPr>
-          <a:xfrm>
-            <a:off x="3884760" y="8685360"/>
-            <a:ext cx="2970360" cy="457200"/>
-          </a:xfrm>
-          <a:prstGeom prst="rect">
-            <a:avLst/>
-          </a:prstGeom>
-          <a:noFill/>
-          <a:ln w="0">
-            <a:noFill/>
-          </a:ln>
-        </p:spPr>
-        <p:txBody>
-          <a:bodyPr lIns="91440" rIns="91440" tIns="45720" bIns="45720" anchor="b">
-            <a:noAutofit/>
-          </a:bodyPr>
-          <a:lstStyle>
-            <a:lvl1pPr indent="0" algn="r">
-              <a:lnSpc>
-                <a:spcPct val="100000"/>
-              </a:lnSpc>
-              <a:buNone/>
-              <a:tabLst>
-                <a:tab algn="l" pos="0"/>
-              </a:tabLst>
-              <a:defRPr b="0" lang="es-CO" sz="1400" spc="-1" strike="noStrike">
-                <a:solidFill>
-                  <a:srgbClr val="000000"/>
-                </a:solidFill>
-                <a:latin typeface="Times New Roman"/>
-              </a:defRPr>
-            </a:lvl1pPr>
-          </a:lstStyle>
-          <a:p>
-            <a:pPr indent="0" algn="r">
-              <a:lnSpc>
-                <a:spcPct val="100000"/>
-              </a:lnSpc>
-              <a:buNone/>
-              <a:tabLst>
-                <a:tab algn="l" pos="0"/>
-              </a:tabLst>
-            </a:pPr>
-            <a:fld id="{01F3139E-C85E-4D3F-A24E-05CDD9631C73}" type="slidenum">
+            <a:fld id="{18DEC43D-EC6F-4D9A-B2D7-1267BEC38C1D}" type="slidenum">
               <a:rPr b="0" lang="es-CO" sz="1400" spc="-1" strike="noStrike">
                 <a:solidFill>
                   <a:srgbClr val="000000"/>
@@ -2161,7 +1687,7 @@
         <p:txBody>
           <a:bodyPr/>
           <a:p>
-            <a:fld id="{E6D4F7F5-AD95-417D-986D-ECAA8549C4BB}" type="slidenum">
+            <a:fld id="{721EAD1E-B93E-4D8C-BA79-C86CCE8CC78E}" type="slidenum">
               <a:t>&lt;#&gt;</a:t>
             </a:fld>
           </a:p>
@@ -2244,7 +1770,7 @@
         <p:txBody>
           <a:bodyPr/>
           <a:p>
-            <a:fld id="{F9484263-0A30-483D-AA33-860E147E4504}" type="slidenum">
+            <a:fld id="{ED3A4995-1844-4B39-A0F4-0EEC8F875645}" type="slidenum">
               <a:t>&lt;#&gt;</a:t>
             </a:fld>
           </a:p>
@@ -2327,7 +1853,7 @@
         <p:txBody>
           <a:bodyPr/>
           <a:p>
-            <a:fld id="{2BFFEF55-8E6A-4CFB-8C47-F2DFD8929A7C}" type="slidenum">
+            <a:fld id="{3D364275-316E-4490-9AFD-7CC24A8DDA23}" type="slidenum">
               <a:t>&lt;#&gt;</a:t>
             </a:fld>
           </a:p>
@@ -2410,7 +1936,7 @@
         <p:txBody>
           <a:bodyPr/>
           <a:p>
-            <a:fld id="{4522F38B-15A1-4918-A3E2-E5159D537CBD}" type="slidenum">
+            <a:fld id="{F003C3BF-343F-4DC3-846F-078B60DD835D}" type="slidenum">
               <a:t>&lt;#&gt;</a:t>
             </a:fld>
           </a:p>
@@ -2493,7 +2019,7 @@
         <p:txBody>
           <a:bodyPr/>
           <a:p>
-            <a:fld id="{8F59D719-27E8-46A9-B143-7E5AD0567EBC}" type="slidenum">
+            <a:fld id="{60014C9E-7444-4D36-8774-3F475D6B1637}" type="slidenum">
               <a:t>&lt;#&gt;</a:t>
             </a:fld>
           </a:p>
@@ -2656,7 +2182,7 @@
         <p:txBody>
           <a:bodyPr/>
           <a:p>
-            <a:fld id="{66826557-5187-4E35-A90B-26239C318A5E}" type="slidenum">
+            <a:fld id="{011485FE-2010-4243-8331-CF5E898D4A62}" type="slidenum">
               <a:t>&lt;#&gt;</a:t>
             </a:fld>
           </a:p>
@@ -2822,7 +2348,7 @@
         <p:txBody>
           <a:bodyPr/>
           <a:p>
-            <a:fld id="{7A824EF0-1F43-486B-98D1-8A95518F0807}" type="slidenum">
+            <a:fld id="{EC17214C-C143-489F-9651-90FFC82BBF4B}" type="slidenum">
               <a:t>&lt;#&gt;</a:t>
             </a:fld>
           </a:p>
@@ -2905,7 +2431,7 @@
         <p:txBody>
           <a:bodyPr/>
           <a:p>
-            <a:fld id="{C7ABBB79-61FD-4BCF-9DC2-CB1287D04173}" type="slidenum">
+            <a:fld id="{DDA20E0B-B9A2-4D23-9CA6-5CC76F98B481}" type="slidenum">
               <a:t>&lt;#&gt;</a:t>
             </a:fld>
           </a:p>
@@ -3114,7 +2640,7 @@
         <p:txBody>
           <a:bodyPr/>
           <a:p>
-            <a:fld id="{6CEF87A2-F195-43B2-8DEE-C320C6DBD859}" type="slidenum">
+            <a:fld id="{DE5DB131-619E-4009-9202-FE8BF22DFF9E}" type="slidenum">
               <a:t>&lt;#&gt;</a:t>
             </a:fld>
           </a:p>
@@ -3197,7 +2723,7 @@
         <p:txBody>
           <a:bodyPr/>
           <a:p>
-            <a:fld id="{C844E19B-0FFF-4323-AA99-6F163B699BB9}" type="slidenum">
+            <a:fld id="{C0C12642-150C-4A96-A440-58E696D995C5}" type="slidenum">
               <a:t>&lt;#&gt;</a:t>
             </a:fld>
           </a:p>
@@ -3320,7 +2846,7 @@
         <p:txBody>
           <a:bodyPr/>
           <a:p>
-            <a:fld id="{A9DE8E18-5346-460C-94A2-281F567A439B}" type="slidenum">
+            <a:fld id="{1731BCF6-6B30-4BF2-BAFF-C63C08DCE3CF}" type="slidenum">
               <a:t>&lt;#&gt;</a:t>
             </a:fld>
           </a:p>
@@ -3389,7 +2915,7 @@
         <p:spPr>
           <a:xfrm>
             <a:off x="4038480" y="6356520"/>
-            <a:ext cx="4113360" cy="363600"/>
+            <a:ext cx="4113000" cy="363240"/>
           </a:xfrm>
           <a:prstGeom prst="rect">
             <a:avLst/>
@@ -3461,7 +2987,7 @@
         <p:spPr>
           <a:xfrm>
             <a:off x="8610480" y="6356520"/>
-            <a:ext cx="2741760" cy="363600"/>
+            <a:ext cx="2741400" cy="363240"/>
           </a:xfrm>
           <a:prstGeom prst="rect">
             <a:avLst/>
@@ -3503,7 +3029,7 @@
                 <a:tab algn="l" pos="0"/>
               </a:tabLst>
             </a:pPr>
-            <a:fld id="{3F09253F-044A-4A88-80F1-4430D359727C}" type="slidenum">
+            <a:fld id="{C654CABA-64FB-4A5F-B8B3-62BC7C3BB229}" type="slidenum">
               <a:rPr b="0" lang="es-CO" sz="1200" spc="-1" strike="noStrike">
                 <a:solidFill>
                   <a:srgbClr val="888888"/>
@@ -3535,7 +3061,7 @@
         <p:spPr>
           <a:xfrm>
             <a:off x="838080" y="6356520"/>
-            <a:ext cx="2741760" cy="363600"/>
+            <a:ext cx="2741400" cy="363240"/>
           </a:xfrm>
           <a:prstGeom prst="rect">
             <a:avLst/>
@@ -3902,7 +3428,7 @@
         <p:spPr>
           <a:xfrm>
             <a:off x="4038480" y="6356520"/>
-            <a:ext cx="4113360" cy="363600"/>
+            <a:ext cx="4113000" cy="363240"/>
           </a:xfrm>
           <a:prstGeom prst="rect">
             <a:avLst/>
@@ -3974,7 +3500,7 @@
         <p:spPr>
           <a:xfrm>
             <a:off x="8610480" y="6356520"/>
-            <a:ext cx="2741760" cy="363600"/>
+            <a:ext cx="2741400" cy="363240"/>
           </a:xfrm>
           <a:prstGeom prst="rect">
             <a:avLst/>
@@ -4016,7 +3542,7 @@
                 <a:tab algn="l" pos="0"/>
               </a:tabLst>
             </a:pPr>
-            <a:fld id="{2126FF0B-883C-43E7-A10A-1D63CA7A063C}" type="slidenum">
+            <a:fld id="{362091D1-ECAB-41DC-967F-FE5176082C92}" type="slidenum">
               <a:rPr b="0" lang="es-CO" sz="1200" spc="-1" strike="noStrike">
                 <a:solidFill>
                   <a:srgbClr val="888888"/>
@@ -4048,7 +3574,7 @@
         <p:spPr>
           <a:xfrm>
             <a:off x="838080" y="6356520"/>
-            <a:ext cx="2741760" cy="363600"/>
+            <a:ext cx="2741400" cy="363240"/>
           </a:xfrm>
           <a:prstGeom prst="rect">
             <a:avLst/>
@@ -4141,7 +3667,7 @@
         <p:spPr>
           <a:xfrm>
             <a:off x="4038480" y="6356520"/>
-            <a:ext cx="4113360" cy="363600"/>
+            <a:ext cx="4113000" cy="363240"/>
           </a:xfrm>
           <a:prstGeom prst="rect">
             <a:avLst/>
@@ -4213,7 +3739,7 @@
         <p:spPr>
           <a:xfrm>
             <a:off x="8610480" y="6356520"/>
-            <a:ext cx="2741760" cy="363600"/>
+            <a:ext cx="2741400" cy="363240"/>
           </a:xfrm>
           <a:prstGeom prst="rect">
             <a:avLst/>
@@ -4255,7 +3781,7 @@
                 <a:tab algn="l" pos="0"/>
               </a:tabLst>
             </a:pPr>
-            <a:fld id="{3373264E-570B-48A2-810A-A9FA63E8FB3C}" type="slidenum">
+            <a:fld id="{8F558EAC-29AA-47AF-A726-AB3EF0B627AB}" type="slidenum">
               <a:rPr b="0" lang="es-CO" sz="1200" spc="-1" strike="noStrike">
                 <a:solidFill>
                   <a:srgbClr val="888888"/>
@@ -4287,7 +3813,7 @@
         <p:spPr>
           <a:xfrm>
             <a:off x="838080" y="6356520"/>
-            <a:ext cx="2741760" cy="363600"/>
+            <a:ext cx="2741400" cy="363240"/>
           </a:xfrm>
           <a:prstGeom prst="rect">
             <a:avLst/>
@@ -4380,7 +3906,7 @@
         <p:spPr>
           <a:xfrm>
             <a:off x="4038480" y="6356520"/>
-            <a:ext cx="4113360" cy="363600"/>
+            <a:ext cx="4113000" cy="363240"/>
           </a:xfrm>
           <a:prstGeom prst="rect">
             <a:avLst/>
@@ -4452,7 +3978,7 @@
         <p:spPr>
           <a:xfrm>
             <a:off x="8610480" y="6356520"/>
-            <a:ext cx="2741760" cy="363600"/>
+            <a:ext cx="2741400" cy="363240"/>
           </a:xfrm>
           <a:prstGeom prst="rect">
             <a:avLst/>
@@ -4494,7 +4020,7 @@
                 <a:tab algn="l" pos="0"/>
               </a:tabLst>
             </a:pPr>
-            <a:fld id="{843AC1B4-C343-47B6-995D-01228E07AA4F}" type="slidenum">
+            <a:fld id="{40315ECD-EB73-404A-BEDB-39AC9ECB9FDC}" type="slidenum">
               <a:rPr b="0" lang="es-CO" sz="1200" spc="-1" strike="noStrike">
                 <a:solidFill>
                   <a:srgbClr val="888888"/>
@@ -4526,7 +4052,7 @@
         <p:spPr>
           <a:xfrm>
             <a:off x="838080" y="6356520"/>
-            <a:ext cx="2741760" cy="363600"/>
+            <a:ext cx="2741400" cy="363240"/>
           </a:xfrm>
           <a:prstGeom prst="rect">
             <a:avLst/>
@@ -4619,7 +4145,7 @@
         <p:spPr>
           <a:xfrm>
             <a:off x="4038480" y="6356520"/>
-            <a:ext cx="4113360" cy="363600"/>
+            <a:ext cx="4113000" cy="363240"/>
           </a:xfrm>
           <a:prstGeom prst="rect">
             <a:avLst/>
@@ -4691,7 +4217,7 @@
         <p:spPr>
           <a:xfrm>
             <a:off x="8610480" y="6356520"/>
-            <a:ext cx="2741760" cy="363600"/>
+            <a:ext cx="2741400" cy="363240"/>
           </a:xfrm>
           <a:prstGeom prst="rect">
             <a:avLst/>
@@ -4733,7 +4259,7 @@
                 <a:tab algn="l" pos="0"/>
               </a:tabLst>
             </a:pPr>
-            <a:fld id="{F5C39CE2-F7E0-4FD0-9CE3-99B3136C6C5E}" type="slidenum">
+            <a:fld id="{F6727436-019F-4DA1-9290-1C1ACC19916B}" type="slidenum">
               <a:rPr b="0" lang="es-CO" sz="1200" spc="-1" strike="noStrike">
                 <a:solidFill>
                   <a:srgbClr val="888888"/>
@@ -4765,7 +4291,7 @@
         <p:spPr>
           <a:xfrm>
             <a:off x="838080" y="6356520"/>
-            <a:ext cx="2741760" cy="363600"/>
+            <a:ext cx="2741400" cy="363240"/>
           </a:xfrm>
           <a:prstGeom prst="rect">
             <a:avLst/>
@@ -4907,7 +4433,7 @@
         <p:spPr>
           <a:xfrm>
             <a:off x="4038480" y="6356520"/>
-            <a:ext cx="4113360" cy="363600"/>
+            <a:ext cx="4113000" cy="363240"/>
           </a:xfrm>
           <a:prstGeom prst="rect">
             <a:avLst/>
@@ -4979,7 +4505,7 @@
         <p:spPr>
           <a:xfrm>
             <a:off x="8610480" y="6356520"/>
-            <a:ext cx="2741760" cy="363600"/>
+            <a:ext cx="2741400" cy="363240"/>
           </a:xfrm>
           <a:prstGeom prst="rect">
             <a:avLst/>
@@ -5021,7 +4547,7 @@
                 <a:tab algn="l" pos="0"/>
               </a:tabLst>
             </a:pPr>
-            <a:fld id="{284B1F1F-DB5A-4443-96CB-0A8300AFE498}" type="slidenum">
+            <a:fld id="{6F8266EC-C580-4480-8F41-1CF969165BBD}" type="slidenum">
               <a:rPr b="0" lang="es-CO" sz="1200" spc="-1" strike="noStrike">
                 <a:solidFill>
                   <a:srgbClr val="888888"/>
@@ -5053,7 +4579,7 @@
         <p:spPr>
           <a:xfrm>
             <a:off x="838080" y="6356520"/>
-            <a:ext cx="2741760" cy="363600"/>
+            <a:ext cx="2741400" cy="363240"/>
           </a:xfrm>
           <a:prstGeom prst="rect">
             <a:avLst/>
@@ -5420,7 +4946,7 @@
         <p:spPr>
           <a:xfrm>
             <a:off x="4038480" y="6356520"/>
-            <a:ext cx="4113360" cy="363600"/>
+            <a:ext cx="4113000" cy="363240"/>
           </a:xfrm>
           <a:prstGeom prst="rect">
             <a:avLst/>
@@ -5492,7 +5018,7 @@
         <p:spPr>
           <a:xfrm>
             <a:off x="8610480" y="6356520"/>
-            <a:ext cx="2741760" cy="363600"/>
+            <a:ext cx="2741400" cy="363240"/>
           </a:xfrm>
           <a:prstGeom prst="rect">
             <a:avLst/>
@@ -5534,7 +5060,7 @@
                 <a:tab algn="l" pos="0"/>
               </a:tabLst>
             </a:pPr>
-            <a:fld id="{5B4B7DCE-BFE0-4059-BBDB-6DDD4E441281}" type="slidenum">
+            <a:fld id="{07BB0828-CBBB-4094-BFF5-7C840D219772}" type="slidenum">
               <a:rPr b="0" lang="es-CO" sz="1200" spc="-1" strike="noStrike">
                 <a:solidFill>
                   <a:srgbClr val="888888"/>
@@ -5566,7 +5092,7 @@
         <p:spPr>
           <a:xfrm>
             <a:off x="838080" y="6356520"/>
-            <a:ext cx="2741760" cy="363600"/>
+            <a:ext cx="2741400" cy="363240"/>
           </a:xfrm>
           <a:prstGeom prst="rect">
             <a:avLst/>
@@ -5659,7 +5185,7 @@
         <p:spPr>
           <a:xfrm>
             <a:off x="4038480" y="6356520"/>
-            <a:ext cx="4113360" cy="363600"/>
+            <a:ext cx="4113000" cy="363240"/>
           </a:xfrm>
           <a:prstGeom prst="rect">
             <a:avLst/>
@@ -5731,7 +5257,7 @@
         <p:spPr>
           <a:xfrm>
             <a:off x="8610480" y="6356520"/>
-            <a:ext cx="2741760" cy="363600"/>
+            <a:ext cx="2741400" cy="363240"/>
           </a:xfrm>
           <a:prstGeom prst="rect">
             <a:avLst/>
@@ -5773,7 +5299,7 @@
                 <a:tab algn="l" pos="0"/>
               </a:tabLst>
             </a:pPr>
-            <a:fld id="{562D8138-3051-4790-93B5-ED15263716C7}" type="slidenum">
+            <a:fld id="{38D54D36-A86E-400B-8E48-0B963CA09BB4}" type="slidenum">
               <a:rPr b="0" lang="es-CO" sz="1200" spc="-1" strike="noStrike">
                 <a:solidFill>
                   <a:srgbClr val="888888"/>
@@ -5805,7 +5331,7 @@
         <p:spPr>
           <a:xfrm>
             <a:off x="838080" y="6356520"/>
-            <a:ext cx="2741760" cy="363600"/>
+            <a:ext cx="2741400" cy="363240"/>
           </a:xfrm>
           <a:prstGeom prst="rect">
             <a:avLst/>
@@ -6397,7 +5923,7 @@
         <p:spPr>
           <a:xfrm>
             <a:off x="4038480" y="6356520"/>
-            <a:ext cx="4113360" cy="363600"/>
+            <a:ext cx="4113000" cy="363240"/>
           </a:xfrm>
           <a:prstGeom prst="rect">
             <a:avLst/>
@@ -6469,7 +5995,7 @@
         <p:spPr>
           <a:xfrm>
             <a:off x="8610480" y="6356520"/>
-            <a:ext cx="2741760" cy="363600"/>
+            <a:ext cx="2741400" cy="363240"/>
           </a:xfrm>
           <a:prstGeom prst="rect">
             <a:avLst/>
@@ -6511,7 +6037,7 @@
                 <a:tab algn="l" pos="0"/>
               </a:tabLst>
             </a:pPr>
-            <a:fld id="{D3784175-1793-4D9C-B645-C0635B524B16}" type="slidenum">
+            <a:fld id="{8ED716AF-4F4A-4787-B5DA-642BEB4E437C}" type="slidenum">
               <a:rPr b="0" lang="es-CO" sz="1200" spc="-1" strike="noStrike">
                 <a:solidFill>
                   <a:srgbClr val="888888"/>
@@ -6543,7 +6069,7 @@
         <p:spPr>
           <a:xfrm>
             <a:off x="838080" y="6356520"/>
-            <a:ext cx="2741760" cy="363600"/>
+            <a:ext cx="2741400" cy="363240"/>
           </a:xfrm>
           <a:prstGeom prst="rect">
             <a:avLst/>
@@ -6636,7 +6162,7 @@
         <p:spPr>
           <a:xfrm>
             <a:off x="4038480" y="6356520"/>
-            <a:ext cx="4113360" cy="363600"/>
+            <a:ext cx="4113000" cy="363240"/>
           </a:xfrm>
           <a:prstGeom prst="rect">
             <a:avLst/>
@@ -6708,7 +6234,7 @@
         <p:spPr>
           <a:xfrm>
             <a:off x="8610480" y="6356520"/>
-            <a:ext cx="2741760" cy="363600"/>
+            <a:ext cx="2741400" cy="363240"/>
           </a:xfrm>
           <a:prstGeom prst="rect">
             <a:avLst/>
@@ -6750,7 +6276,7 @@
                 <a:tab algn="l" pos="0"/>
               </a:tabLst>
             </a:pPr>
-            <a:fld id="{C87DD431-88F7-4744-B871-3D8F334F7C79}" type="slidenum">
+            <a:fld id="{CB25A44E-9A30-4DC5-A153-0673B9C6512F}" type="slidenum">
               <a:rPr b="0" lang="es-CO" sz="1200" spc="-1" strike="noStrike">
                 <a:solidFill>
                   <a:srgbClr val="888888"/>
@@ -6782,7 +6308,7 @@
         <p:spPr>
           <a:xfrm>
             <a:off x="838080" y="6356520"/>
-            <a:ext cx="2741760" cy="363600"/>
+            <a:ext cx="2741400" cy="363240"/>
           </a:xfrm>
           <a:prstGeom prst="rect">
             <a:avLst/>
@@ -6924,7 +6450,7 @@
         <p:spPr>
           <a:xfrm>
             <a:off x="4038480" y="6356520"/>
-            <a:ext cx="4113360" cy="363600"/>
+            <a:ext cx="4113000" cy="363240"/>
           </a:xfrm>
           <a:prstGeom prst="rect">
             <a:avLst/>
@@ -6996,7 +6522,7 @@
         <p:spPr>
           <a:xfrm>
             <a:off x="8610480" y="6356520"/>
-            <a:ext cx="2741760" cy="363600"/>
+            <a:ext cx="2741400" cy="363240"/>
           </a:xfrm>
           <a:prstGeom prst="rect">
             <a:avLst/>
@@ -7038,7 +6564,7 @@
                 <a:tab algn="l" pos="0"/>
               </a:tabLst>
             </a:pPr>
-            <a:fld id="{5E8EC603-4FD9-406D-96C1-5F88623E185B}" type="slidenum">
+            <a:fld id="{96C955D3-4F4F-47F3-AE4B-6D6A6FAB5B40}" type="slidenum">
               <a:rPr b="0" lang="es-CO" sz="1200" spc="-1" strike="noStrike">
                 <a:solidFill>
                   <a:srgbClr val="888888"/>
@@ -7070,7 +6596,7 @@
         <p:spPr>
           <a:xfrm>
             <a:off x="838080" y="6356520"/>
-            <a:ext cx="2741760" cy="363600"/>
+            <a:ext cx="2741400" cy="363240"/>
           </a:xfrm>
           <a:prstGeom prst="rect">
             <a:avLst/>
@@ -7152,9 +6678,9 @@
         <p:grpSpPr>
           <a:xfrm>
             <a:off x="0" y="0"/>
-            <a:ext cx="12190680" cy="6856560"/>
+            <a:ext cx="12190320" cy="6856200"/>
             <a:chOff x="0" y="0"/>
-            <a:chExt cx="12190680" cy="6856560"/>
+            <a:chExt cx="12190320" cy="6856200"/>
           </a:xfrm>
         </p:grpSpPr>
         <p:pic>
@@ -7171,7 +6697,7 @@
           <p:spPr>
             <a:xfrm>
               <a:off x="0" y="0"/>
-              <a:ext cx="12190680" cy="6856560"/>
+              <a:ext cx="12190320" cy="6856200"/>
             </a:xfrm>
             <a:prstGeom prst="rect">
               <a:avLst/>
@@ -7194,7 +6720,7 @@
           <p:spPr>
             <a:xfrm>
               <a:off x="0" y="0"/>
-              <a:ext cx="12190680" cy="6856560"/>
+              <a:ext cx="12190320" cy="6856200"/>
             </a:xfrm>
             <a:prstGeom prst="rect">
               <a:avLst/>
@@ -7218,7 +6744,7 @@
         <p:spPr>
           <a:xfrm>
             <a:off x="4219200" y="647640"/>
-            <a:ext cx="3752640" cy="1797480"/>
+            <a:ext cx="3752280" cy="1797120"/>
           </a:xfrm>
           <a:prstGeom prst="rect">
             <a:avLst/>
@@ -7237,7 +6763,7 @@
         <p:spPr>
           <a:xfrm>
             <a:off x="2158560" y="2392560"/>
-            <a:ext cx="7873200" cy="1156320"/>
+            <a:ext cx="7872840" cy="1156320"/>
           </a:xfrm>
           <a:prstGeom prst="rect">
             <a:avLst/>
@@ -7294,7 +6820,7 @@
         <p:spPr>
           <a:xfrm>
             <a:off x="2185200" y="3582000"/>
-            <a:ext cx="7873200" cy="699120"/>
+            <a:ext cx="7872840" cy="699120"/>
           </a:xfrm>
           <a:prstGeom prst="rect">
             <a:avLst/>
@@ -7365,7 +6891,7 @@
         <p:spPr>
           <a:xfrm>
             <a:off x="9712800" y="5933520"/>
-            <a:ext cx="2163600" cy="668160"/>
+            <a:ext cx="2163240" cy="667800"/>
           </a:xfrm>
           <a:prstGeom prst="rect">
             <a:avLst/>
@@ -7384,9 +6910,9 @@
         <p:grpSpPr>
           <a:xfrm>
             <a:off x="626400" y="254520"/>
-            <a:ext cx="11250000" cy="981720"/>
+            <a:ext cx="11249640" cy="981360"/>
             <a:chOff x="626400" y="254520"/>
-            <a:chExt cx="11250000" cy="981720"/>
+            <a:chExt cx="11249640" cy="981360"/>
           </a:xfrm>
         </p:grpSpPr>
         <p:pic>
@@ -7402,7 +6928,7 @@
           <p:spPr>
             <a:xfrm>
               <a:off x="10059840" y="254520"/>
-              <a:ext cx="1816560" cy="981720"/>
+              <a:ext cx="1816200" cy="981360"/>
             </a:xfrm>
             <a:prstGeom prst="rect">
               <a:avLst/>
@@ -7425,7 +6951,7 @@
           <p:spPr>
             <a:xfrm>
               <a:off x="626400" y="484200"/>
-              <a:ext cx="1504440" cy="523080"/>
+              <a:ext cx="1504080" cy="522720"/>
             </a:xfrm>
             <a:prstGeom prst="rect">
               <a:avLst/>
@@ -7445,7 +6971,7 @@
         <p:spPr>
           <a:xfrm>
             <a:off x="4545360" y="4447800"/>
-            <a:ext cx="2818440" cy="921960"/>
+            <a:ext cx="2818080" cy="921600"/>
           </a:xfrm>
           <a:prstGeom prst="rect">
             <a:avLst/>
@@ -7534,7 +7060,7 @@
                 <a:latin typeface="Arial"/>
                 <a:ea typeface="Arial"/>
               </a:rPr>
-              <a:t>24/06/2024</a:t>
+              <a:t>04/07/2024</a:t>
             </a:r>
             <a:endParaRPr b="0" lang="es-CO" sz="1800" spc="-1" strike="noStrike">
               <a:solidFill>
@@ -7545,454 +7071,6 @@
           </a:p>
         </p:txBody>
       </p:sp>
-    </p:spTree>
-  </p:cSld>
-  <mc:AlternateContent>
-    <mc:Choice Requires="p14">
-      <p:transition spd="slow" p14:dur="2000"/>
-    </mc:Choice>
-    <mc:Fallback>
-      <p:transition spd="slow"/>
-    </mc:Fallback>
-  </mc:AlternateContent>
-</p:sld>
-</file>
-
-<file path=ppt/slides/slide10.xml><?xml version="1.0" encoding="utf-8"?>
-<p:sld xmlns:a="http://schemas.openxmlformats.org/drawingml/2006/main" xmlns:p="http://schemas.openxmlformats.org/presentationml/2006/main" xmlns:r="http://schemas.openxmlformats.org/officeDocument/2006/relationships" xmlns:p14="http://schemas.microsoft.com/office/powerpoint/2010/main" xmlns:p15="http://schemas.microsoft.com/office/powerpoint/2012/main" xmlns:mc="http://schemas.openxmlformats.org/markup-compatibility/2006">
-  <p:cSld>
-    <p:spTree>
-      <p:nvGrpSpPr>
-        <p:cNvPr id="1" name=""/>
-        <p:cNvGrpSpPr/>
-        <p:nvPr/>
-      </p:nvGrpSpPr>
-      <p:grpSpPr>
-        <a:xfrm>
-          <a:off x="0" y="0"/>
-          <a:ext cx="0" cy="0"/>
-          <a:chOff x="0" y="0"/>
-          <a:chExt cx="0" cy="0"/>
-        </a:xfrm>
-      </p:grpSpPr>
-      <p:pic>
-        <p:nvPicPr>
-          <p:cNvPr id="164" name="Google Shape;311;g1f213c8c16b_0_211" descr=""/>
-          <p:cNvPicPr/>
-          <p:nvPr/>
-        </p:nvPicPr>
-        <p:blipFill>
-          <a:blip r:embed="rId1"/>
-          <a:stretch/>
-        </p:blipFill>
-        <p:spPr>
-          <a:xfrm>
-            <a:off x="3965040" y="4641120"/>
-            <a:ext cx="4088520" cy="1335960"/>
-          </a:xfrm>
-          <a:prstGeom prst="rect">
-            <a:avLst/>
-          </a:prstGeom>
-          <a:ln w="0">
-            <a:noFill/>
-          </a:ln>
-        </p:spPr>
-      </p:pic>
-      <p:sp>
-        <p:nvSpPr>
-          <p:cNvPr id="165" name="Google Shape;312;g1f213c8c16b_0_211"/>
-          <p:cNvSpPr/>
-          <p:nvPr/>
-        </p:nvSpPr>
-        <p:spPr>
-          <a:xfrm>
-            <a:off x="1228680" y="585000"/>
-            <a:ext cx="9565200" cy="1186920"/>
-          </a:xfrm>
-          <a:prstGeom prst="rect">
-            <a:avLst/>
-          </a:prstGeom>
-          <a:noFill/>
-          <a:ln w="0">
-            <a:noFill/>
-          </a:ln>
-        </p:spPr>
-        <p:style>
-          <a:lnRef idx="0"/>
-          <a:fillRef idx="0"/>
-          <a:effectRef idx="0"/>
-          <a:fontRef idx="minor"/>
-        </p:style>
-        <p:txBody>
-          <a:bodyPr lIns="90000" rIns="90000" tIns="45000" bIns="45000" anchor="t">
-            <a:spAutoFit/>
-          </a:bodyPr>
-          <a:p>
-            <a:pPr algn="ctr">
-              <a:lnSpc>
-                <a:spcPct val="100000"/>
-              </a:lnSpc>
-              <a:tabLst>
-                <a:tab algn="l" pos="0"/>
-              </a:tabLst>
-            </a:pPr>
-            <a:r>
-              <a:rPr b="0" lang="es-CO" sz="7200" spc="-1" strike="noStrike">
-                <a:solidFill>
-                  <a:srgbClr val="001059"/>
-                </a:solidFill>
-                <a:latin typeface="Nunito Sans Black"/>
-                <a:ea typeface="Nunito Sans Black"/>
-              </a:rPr>
-              <a:t>LOGOS:</a:t>
-            </a:r>
-            <a:endParaRPr b="0" lang="es-CO" sz="7200" spc="-1" strike="noStrike">
-              <a:solidFill>
-                <a:srgbClr val="000000"/>
-              </a:solidFill>
-              <a:latin typeface="Arial"/>
-            </a:endParaRPr>
-          </a:p>
-        </p:txBody>
-      </p:sp>
-      <p:pic>
-        <p:nvPicPr>
-          <p:cNvPr id="166" name="Google Shape;313;g1f213c8c16b_0_211" descr=""/>
-          <p:cNvPicPr/>
-          <p:nvPr/>
-        </p:nvPicPr>
-        <p:blipFill>
-          <a:blip r:embed="rId2"/>
-          <a:srcRect l="8004" t="20494" r="6931" b="16482"/>
-          <a:stretch/>
-        </p:blipFill>
-        <p:spPr>
-          <a:xfrm>
-            <a:off x="4869360" y="2808000"/>
-            <a:ext cx="2451600" cy="870120"/>
-          </a:xfrm>
-          <a:prstGeom prst="rect">
-            <a:avLst/>
-          </a:prstGeom>
-          <a:ln w="0">
-            <a:noFill/>
-          </a:ln>
-        </p:spPr>
-      </p:pic>
-      <p:pic>
-        <p:nvPicPr>
-          <p:cNvPr id="167" name="Google Shape;314;g1f213c8c16b_0_211" descr=""/>
-          <p:cNvPicPr/>
-          <p:nvPr/>
-        </p:nvPicPr>
-        <p:blipFill>
-          <a:blip r:embed="rId3"/>
-          <a:stretch/>
-        </p:blipFill>
-        <p:spPr>
-          <a:xfrm>
-            <a:off x="1228680" y="2808000"/>
-            <a:ext cx="1853640" cy="645120"/>
-          </a:xfrm>
-          <a:prstGeom prst="rect">
-            <a:avLst/>
-          </a:prstGeom>
-          <a:ln w="0">
-            <a:noFill/>
-          </a:ln>
-        </p:spPr>
-      </p:pic>
-      <p:pic>
-        <p:nvPicPr>
-          <p:cNvPr id="168" name="Google Shape;315;g1f213c8c16b_0_211" descr=""/>
-          <p:cNvPicPr/>
-          <p:nvPr/>
-        </p:nvPicPr>
-        <p:blipFill>
-          <a:blip r:embed="rId4"/>
-          <a:stretch/>
-        </p:blipFill>
-        <p:spPr>
-          <a:xfrm>
-            <a:off x="8579880" y="2695680"/>
-            <a:ext cx="2026080" cy="1095120"/>
-          </a:xfrm>
-          <a:prstGeom prst="rect">
-            <a:avLst/>
-          </a:prstGeom>
-          <a:ln w="0">
-            <a:noFill/>
-          </a:ln>
-        </p:spPr>
-      </p:pic>
-      <p:pic>
-        <p:nvPicPr>
-          <p:cNvPr id="169" name="Google Shape;316;g1f213c8c16b_0_211" descr=""/>
-          <p:cNvPicPr/>
-          <p:nvPr/>
-        </p:nvPicPr>
-        <p:blipFill>
-          <a:blip r:embed="rId5"/>
-          <a:stretch/>
-        </p:blipFill>
-        <p:spPr>
-          <a:xfrm>
-            <a:off x="597600" y="398520"/>
-            <a:ext cx="1086480" cy="378000"/>
-          </a:xfrm>
-          <a:prstGeom prst="rect">
-            <a:avLst/>
-          </a:prstGeom>
-          <a:ln w="0">
-            <a:noFill/>
-          </a:ln>
-        </p:spPr>
-      </p:pic>
-      <p:pic>
-        <p:nvPicPr>
-          <p:cNvPr id="170" name="Google Shape;317;g1f213c8c16b_0_211" descr=""/>
-          <p:cNvPicPr/>
-          <p:nvPr/>
-        </p:nvPicPr>
-        <p:blipFill>
-          <a:blip r:embed="rId6"/>
-          <a:stretch/>
-        </p:blipFill>
-        <p:spPr>
-          <a:xfrm>
-            <a:off x="10002240" y="199800"/>
-            <a:ext cx="1422720" cy="768600"/>
-          </a:xfrm>
-          <a:prstGeom prst="rect">
-            <a:avLst/>
-          </a:prstGeom>
-          <a:ln w="0">
-            <a:noFill/>
-          </a:ln>
-        </p:spPr>
-      </p:pic>
-    </p:spTree>
-  </p:cSld>
-  <mc:AlternateContent>
-    <mc:Choice Requires="p14">
-      <p:transition spd="slow" p14:dur="2000"/>
-    </mc:Choice>
-    <mc:Fallback>
-      <p:transition spd="slow"/>
-    </mc:Fallback>
-  </mc:AlternateContent>
-</p:sld>
-</file>
-
-<file path=ppt/slides/slide11.xml><?xml version="1.0" encoding="utf-8"?>
-<p:sld xmlns:a="http://schemas.openxmlformats.org/drawingml/2006/main" xmlns:p="http://schemas.openxmlformats.org/presentationml/2006/main" xmlns:r="http://schemas.openxmlformats.org/officeDocument/2006/relationships" xmlns:p14="http://schemas.microsoft.com/office/powerpoint/2010/main" xmlns:p15="http://schemas.microsoft.com/office/powerpoint/2012/main" xmlns:mc="http://schemas.openxmlformats.org/markup-compatibility/2006">
-  <p:cSld>
-    <p:spTree>
-      <p:nvGrpSpPr>
-        <p:cNvPr id="1" name=""/>
-        <p:cNvGrpSpPr/>
-        <p:nvPr/>
-      </p:nvGrpSpPr>
-      <p:grpSpPr>
-        <a:xfrm>
-          <a:off x="0" y="0"/>
-          <a:ext cx="0" cy="0"/>
-          <a:chOff x="0" y="0"/>
-          <a:chExt cx="0" cy="0"/>
-        </a:xfrm>
-      </p:grpSpPr>
-      <p:grpSp>
-        <p:nvGrpSpPr>
-          <p:cNvPr id="171" name="Google Shape;323;g1f213c8c16b_0_222"/>
-          <p:cNvGrpSpPr/>
-          <p:nvPr/>
-        </p:nvGrpSpPr>
-        <p:grpSpPr>
-          <a:xfrm>
-            <a:off x="0" y="0"/>
-            <a:ext cx="12190680" cy="6856560"/>
-            <a:chOff x="0" y="0"/>
-            <a:chExt cx="12190680" cy="6856560"/>
-          </a:xfrm>
-        </p:grpSpPr>
-        <p:pic>
-          <p:nvPicPr>
-            <p:cNvPr id="172" name="Google Shape;324;g1f213c8c16b_0_222" descr=""/>
-            <p:cNvPicPr/>
-            <p:nvPr/>
-          </p:nvPicPr>
-          <p:blipFill>
-            <a:blip r:embed="rId1"/>
-            <a:srcRect l="7813" t="0" r="7813" b="7535"/>
-            <a:stretch/>
-          </p:blipFill>
-          <p:spPr>
-            <a:xfrm>
-              <a:off x="0" y="0"/>
-              <a:ext cx="12190680" cy="6856560"/>
-            </a:xfrm>
-            <a:prstGeom prst="rect">
-              <a:avLst/>
-            </a:prstGeom>
-            <a:ln w="0">
-              <a:noFill/>
-            </a:ln>
-          </p:spPr>
-        </p:pic>
-        <p:pic>
-          <p:nvPicPr>
-            <p:cNvPr id="173" name="Google Shape;325;g1f213c8c16b_0_222" descr=""/>
-            <p:cNvPicPr/>
-            <p:nvPr/>
-          </p:nvPicPr>
-          <p:blipFill>
-            <a:blip r:embed="rId2"/>
-            <a:stretch/>
-          </p:blipFill>
-          <p:spPr>
-            <a:xfrm>
-              <a:off x="0" y="0"/>
-              <a:ext cx="12190680" cy="6856560"/>
-            </a:xfrm>
-            <a:prstGeom prst="rect">
-              <a:avLst/>
-            </a:prstGeom>
-            <a:ln w="0">
-              <a:noFill/>
-            </a:ln>
-          </p:spPr>
-        </p:pic>
-      </p:grpSp>
-      <p:pic>
-        <p:nvPicPr>
-          <p:cNvPr id="174" name="Google Shape;326;g1f213c8c16b_0_222" descr=""/>
-          <p:cNvPicPr/>
-          <p:nvPr/>
-        </p:nvPicPr>
-        <p:blipFill>
-          <a:blip r:embed="rId3"/>
-          <a:stretch/>
-        </p:blipFill>
-        <p:spPr>
-          <a:xfrm>
-            <a:off x="2340720" y="1970640"/>
-            <a:ext cx="7509600" cy="2914920"/>
-          </a:xfrm>
-          <a:prstGeom prst="rect">
-            <a:avLst/>
-          </a:prstGeom>
-          <a:ln w="0">
-            <a:noFill/>
-          </a:ln>
-        </p:spPr>
-      </p:pic>
-      <p:pic>
-        <p:nvPicPr>
-          <p:cNvPr id="175" name="Google Shape;327;g1f213c8c16b_0_222" descr=""/>
-          <p:cNvPicPr/>
-          <p:nvPr/>
-        </p:nvPicPr>
-        <p:blipFill>
-          <a:blip r:embed="rId4"/>
-          <a:stretch/>
-        </p:blipFill>
-        <p:spPr>
-          <a:xfrm>
-            <a:off x="4592160" y="324000"/>
-            <a:ext cx="3006000" cy="1439640"/>
-          </a:xfrm>
-          <a:prstGeom prst="rect">
-            <a:avLst/>
-          </a:prstGeom>
-          <a:ln w="0">
-            <a:noFill/>
-          </a:ln>
-        </p:spPr>
-      </p:pic>
-      <p:pic>
-        <p:nvPicPr>
-          <p:cNvPr id="176" name="Google Shape;328;g1f213c8c16b_0_222" descr=""/>
-          <p:cNvPicPr/>
-          <p:nvPr/>
-        </p:nvPicPr>
-        <p:blipFill>
-          <a:blip r:embed="rId5"/>
-          <a:stretch/>
-        </p:blipFill>
-        <p:spPr>
-          <a:xfrm>
-            <a:off x="9712800" y="5933520"/>
-            <a:ext cx="2163600" cy="668160"/>
-          </a:xfrm>
-          <a:prstGeom prst="rect">
-            <a:avLst/>
-          </a:prstGeom>
-          <a:ln w="0">
-            <a:noFill/>
-          </a:ln>
-        </p:spPr>
-      </p:pic>
-      <p:grpSp>
-        <p:nvGrpSpPr>
-          <p:cNvPr id="177" name="Google Shape;329;g1f213c8c16b_0_222"/>
-          <p:cNvGrpSpPr/>
-          <p:nvPr/>
-        </p:nvGrpSpPr>
-        <p:grpSpPr>
-          <a:xfrm>
-            <a:off x="626400" y="254520"/>
-            <a:ext cx="11250000" cy="981720"/>
-            <a:chOff x="626400" y="254520"/>
-            <a:chExt cx="11250000" cy="981720"/>
-          </a:xfrm>
-        </p:grpSpPr>
-        <p:pic>
-          <p:nvPicPr>
-            <p:cNvPr id="178" name="Google Shape;330;g1f213c8c16b_0_222" descr=""/>
-            <p:cNvPicPr/>
-            <p:nvPr/>
-          </p:nvPicPr>
-          <p:blipFill>
-            <a:blip r:embed="rId6"/>
-            <a:stretch/>
-          </p:blipFill>
-          <p:spPr>
-            <a:xfrm>
-              <a:off x="10059840" y="254520"/>
-              <a:ext cx="1816560" cy="981720"/>
-            </a:xfrm>
-            <a:prstGeom prst="rect">
-              <a:avLst/>
-            </a:prstGeom>
-            <a:ln w="0">
-              <a:noFill/>
-            </a:ln>
-          </p:spPr>
-        </p:pic>
-        <p:pic>
-          <p:nvPicPr>
-            <p:cNvPr id="179" name="Google Shape;331;g1f213c8c16b_0_222" descr=""/>
-            <p:cNvPicPr/>
-            <p:nvPr/>
-          </p:nvPicPr>
-          <p:blipFill>
-            <a:blip r:embed="rId7"/>
-            <a:stretch/>
-          </p:blipFill>
-          <p:spPr>
-            <a:xfrm>
-              <a:off x="626400" y="484200"/>
-              <a:ext cx="1504440" cy="523080"/>
-            </a:xfrm>
-            <a:prstGeom prst="rect">
-              <a:avLst/>
-            </a:prstGeom>
-            <a:ln w="0">
-              <a:noFill/>
-            </a:ln>
-          </p:spPr>
-        </p:pic>
-      </p:grpSp>
     </p:spTree>
   </p:cSld>
   <mc:AlternateContent>
@@ -8032,9 +7110,9 @@
         <p:grpSpPr>
           <a:xfrm>
             <a:off x="0" y="0"/>
-            <a:ext cx="12190680" cy="6856560"/>
+            <a:ext cx="12190320" cy="6856200"/>
             <a:chOff x="0" y="0"/>
-            <a:chExt cx="12190680" cy="6856560"/>
+            <a:chExt cx="12190320" cy="6856200"/>
           </a:xfrm>
         </p:grpSpPr>
         <p:pic>
@@ -8051,7 +7129,7 @@
           <p:spPr>
             <a:xfrm>
               <a:off x="0" y="0"/>
-              <a:ext cx="12190680" cy="6856560"/>
+              <a:ext cx="12190320" cy="6856200"/>
             </a:xfrm>
             <a:prstGeom prst="rect">
               <a:avLst/>
@@ -8074,7 +7152,7 @@
           <p:spPr>
             <a:xfrm>
               <a:off x="0" y="0"/>
-              <a:ext cx="12190680" cy="6856560"/>
+              <a:ext cx="12190320" cy="6856200"/>
             </a:xfrm>
             <a:prstGeom prst="rect">
               <a:avLst/>
@@ -8098,7 +7176,7 @@
         <p:spPr>
           <a:xfrm>
             <a:off x="4815360" y="165600"/>
-            <a:ext cx="2337840" cy="1119240"/>
+            <a:ext cx="2337480" cy="1118880"/>
           </a:xfrm>
           <a:prstGeom prst="rect">
             <a:avLst/>
@@ -8117,7 +7195,7 @@
         <p:spPr>
           <a:xfrm>
             <a:off x="2753640" y="1352160"/>
-            <a:ext cx="7105680" cy="851760"/>
+            <a:ext cx="7105320" cy="851760"/>
           </a:xfrm>
           <a:prstGeom prst="rect">
             <a:avLst/>
@@ -8174,7 +7252,7 @@
         <p:spPr>
           <a:xfrm>
             <a:off x="3476160" y="2461320"/>
-            <a:ext cx="788760" cy="788760"/>
+            <a:ext cx="788400" cy="788400"/>
           </a:xfrm>
           <a:prstGeom prst="ellipse">
             <a:avLst/>
@@ -8226,7 +7304,7 @@
         <p:spPr>
           <a:xfrm>
             <a:off x="3476160" y="3603960"/>
-            <a:ext cx="788760" cy="788760"/>
+            <a:ext cx="788400" cy="788400"/>
           </a:xfrm>
           <a:prstGeom prst="ellipse">
             <a:avLst/>
@@ -8278,7 +7356,7 @@
         <p:spPr>
           <a:xfrm>
             <a:off x="3476160" y="4757760"/>
-            <a:ext cx="788760" cy="788760"/>
+            <a:ext cx="788400" cy="788400"/>
           </a:xfrm>
           <a:prstGeom prst="ellipse">
             <a:avLst/>
@@ -8330,7 +7408,7 @@
         <p:spPr>
           <a:xfrm>
             <a:off x="4630320" y="2580840"/>
-            <a:ext cx="4189680" cy="659160"/>
+            <a:ext cx="4189320" cy="658800"/>
           </a:xfrm>
           <a:prstGeom prst="roundRect">
             <a:avLst>
@@ -8384,7 +7462,7 @@
         <p:spPr>
           <a:xfrm>
             <a:off x="4630320" y="3668760"/>
-            <a:ext cx="4189680" cy="659160"/>
+            <a:ext cx="4189320" cy="658800"/>
           </a:xfrm>
           <a:prstGeom prst="roundRect">
             <a:avLst>
@@ -8438,7 +7516,7 @@
         <p:spPr>
           <a:xfrm>
             <a:off x="4630320" y="4822560"/>
-            <a:ext cx="4189680" cy="659160"/>
+            <a:ext cx="4189320" cy="658800"/>
           </a:xfrm>
           <a:prstGeom prst="roundRect">
             <a:avLst>
@@ -8492,7 +7570,7 @@
         <p:spPr>
           <a:xfrm>
             <a:off x="3587040" y="2520000"/>
-            <a:ext cx="585360" cy="699120"/>
+            <a:ext cx="585000" cy="699120"/>
           </a:xfrm>
           <a:prstGeom prst="rect">
             <a:avLst/>
@@ -8549,7 +7627,7 @@
         <p:spPr>
           <a:xfrm>
             <a:off x="3594960" y="3687480"/>
-            <a:ext cx="585360" cy="699120"/>
+            <a:ext cx="585000" cy="699120"/>
           </a:xfrm>
           <a:prstGeom prst="rect">
             <a:avLst/>
@@ -8606,7 +7684,7 @@
         <p:spPr>
           <a:xfrm>
             <a:off x="3578040" y="4822560"/>
-            <a:ext cx="585360" cy="699120"/>
+            <a:ext cx="585000" cy="699120"/>
           </a:xfrm>
           <a:prstGeom prst="rect">
             <a:avLst/>
@@ -8663,7 +7741,7 @@
         <p:spPr>
           <a:xfrm>
             <a:off x="4815360" y="2582640"/>
-            <a:ext cx="3793680" cy="699120"/>
+            <a:ext cx="3793320" cy="699120"/>
           </a:xfrm>
           <a:prstGeom prst="rect">
             <a:avLst/>
@@ -8720,7 +7798,7 @@
         <p:spPr>
           <a:xfrm>
             <a:off x="4828320" y="3687480"/>
-            <a:ext cx="3793680" cy="577080"/>
+            <a:ext cx="3793320" cy="1065240"/>
           </a:xfrm>
           <a:prstGeom prst="rect">
             <a:avLst/>
@@ -8777,7 +7855,7 @@
         <p:spPr>
           <a:xfrm>
             <a:off x="4862520" y="4844880"/>
-            <a:ext cx="3793680" cy="515880"/>
+            <a:ext cx="3793320" cy="516600"/>
           </a:xfrm>
           <a:prstGeom prst="rect">
             <a:avLst/>
@@ -8842,8 +7920,8 @@
         </p:nvCxnSpPr>
         <p:spPr>
           <a:xfrm>
-            <a:off x="3870720" y="3250080"/>
-            <a:ext cx="360" cy="354240"/>
+            <a:off x="3870360" y="3249720"/>
+            <a:ext cx="360" cy="354600"/>
           </a:xfrm>
           <a:prstGeom prst="straightConnector1">
             <a:avLst/>
@@ -8866,8 +7944,8 @@
         </p:nvCxnSpPr>
         <p:spPr>
           <a:xfrm>
-            <a:off x="3887640" y="4386600"/>
-            <a:ext cx="2160" cy="354960"/>
+            <a:off x="3887280" y="4386600"/>
+            <a:ext cx="2880" cy="355320"/>
           </a:xfrm>
           <a:prstGeom prst="straightConnector1">
             <a:avLst/>
@@ -8889,9 +7967,9 @@
         <p:grpSpPr>
           <a:xfrm>
             <a:off x="626400" y="254520"/>
-            <a:ext cx="11250000" cy="981720"/>
+            <a:ext cx="11249640" cy="981360"/>
             <a:chOff x="626400" y="254520"/>
-            <a:chExt cx="11250000" cy="981720"/>
+            <a:chExt cx="11249640" cy="981360"/>
           </a:xfrm>
         </p:grpSpPr>
         <p:pic>
@@ -8907,7 +7985,7 @@
           <p:spPr>
             <a:xfrm>
               <a:off x="10059840" y="254520"/>
-              <a:ext cx="1816560" cy="981720"/>
+              <a:ext cx="1816200" cy="981360"/>
             </a:xfrm>
             <a:prstGeom prst="rect">
               <a:avLst/>
@@ -8930,7 +8008,7 @@
           <p:spPr>
             <a:xfrm>
               <a:off x="626400" y="484200"/>
-              <a:ext cx="1504440" cy="523080"/>
+              <a:ext cx="1504080" cy="522720"/>
             </a:xfrm>
             <a:prstGeom prst="rect">
               <a:avLst/>
@@ -8973,21 +8051,21 @@
       </p:grpSpPr>
       <p:grpSp>
         <p:nvGrpSpPr>
-          <p:cNvPr id="89" name="Google Shape;266;g1f213c8c16b_0_ 6"/>
+          <p:cNvPr id="89" name="Google Shape;266;g1f213c8c16b_0_ 5"/>
           <p:cNvGrpSpPr/>
           <p:nvPr/>
         </p:nvGrpSpPr>
         <p:grpSpPr>
           <a:xfrm>
             <a:off x="360" y="-17640"/>
-            <a:ext cx="12190680" cy="6856560"/>
+            <a:ext cx="12190320" cy="6856200"/>
             <a:chOff x="360" y="-17640"/>
-            <a:chExt cx="12190680" cy="6856560"/>
+            <a:chExt cx="12190320" cy="6856200"/>
           </a:xfrm>
         </p:grpSpPr>
         <p:pic>
           <p:nvPicPr>
-            <p:cNvPr id="90" name="Google Shape;267;g1f213c8c16b_0_ 7" descr=""/>
+            <p:cNvPr id="90" name="Google Shape;267;g1f213c8c16b_0_ 5" descr=""/>
             <p:cNvPicPr/>
             <p:nvPr/>
           </p:nvPicPr>
@@ -8999,7 +8077,7 @@
           <p:spPr>
             <a:xfrm>
               <a:off x="360" y="-17640"/>
-              <a:ext cx="12190680" cy="6856560"/>
+              <a:ext cx="12190320" cy="6856200"/>
             </a:xfrm>
             <a:prstGeom prst="rect">
               <a:avLst/>
@@ -9011,7 +8089,7 @@
         </p:pic>
         <p:pic>
           <p:nvPicPr>
-            <p:cNvPr id="91" name="Google Shape;268;g1f213c8c16b_0_ 7" descr=""/>
+            <p:cNvPr id="91" name="Google Shape;268;g1f213c8c16b_0_ 5" descr=""/>
             <p:cNvPicPr/>
             <p:nvPr/>
           </p:nvPicPr>
@@ -9022,7 +8100,7 @@
           <p:spPr>
             <a:xfrm>
               <a:off x="360" y="-17640"/>
-              <a:ext cx="12190680" cy="6856560"/>
+              <a:ext cx="12190320" cy="6856200"/>
             </a:xfrm>
             <a:prstGeom prst="rect">
               <a:avLst/>
@@ -9035,7 +8113,7 @@
       </p:grpSp>
       <p:pic>
         <p:nvPicPr>
-          <p:cNvPr id="92" name="Google Shape;269;g1f213c8c16b_0_ 7" descr=""/>
+          <p:cNvPr id="92" name="Google Shape;269;g1f213c8c16b_0_ 5" descr=""/>
           <p:cNvPicPr/>
           <p:nvPr/>
         </p:nvPicPr>
@@ -9046,7 +8124,7 @@
         <p:spPr>
           <a:xfrm>
             <a:off x="4815360" y="165600"/>
-            <a:ext cx="2337840" cy="1119240"/>
+            <a:ext cx="2337480" cy="1118880"/>
           </a:xfrm>
           <a:prstGeom prst="rect">
             <a:avLst/>
@@ -9058,21 +8136,21 @@
       </p:pic>
       <p:grpSp>
         <p:nvGrpSpPr>
-          <p:cNvPr id="93" name="Google Shape;287;g1f213c8c16b_0_ 7"/>
+          <p:cNvPr id="93" name="Google Shape;287;g1f213c8c16b_0_ 5"/>
           <p:cNvGrpSpPr/>
           <p:nvPr/>
         </p:nvGrpSpPr>
         <p:grpSpPr>
           <a:xfrm>
             <a:off x="626400" y="254520"/>
-            <a:ext cx="11250000" cy="981720"/>
+            <a:ext cx="11249640" cy="981360"/>
             <a:chOff x="626400" y="254520"/>
-            <a:chExt cx="11250000" cy="981720"/>
+            <a:chExt cx="11249640" cy="981360"/>
           </a:xfrm>
         </p:grpSpPr>
         <p:pic>
           <p:nvPicPr>
-            <p:cNvPr id="94" name="Google Shape;288;g1f213c8c16b_0_ 7" descr=""/>
+            <p:cNvPr id="94" name="Google Shape;288;g1f213c8c16b_0_ 5" descr=""/>
             <p:cNvPicPr/>
             <p:nvPr/>
           </p:nvPicPr>
@@ -9083,7 +8161,7 @@
           <p:spPr>
             <a:xfrm>
               <a:off x="10059840" y="254520"/>
-              <a:ext cx="1816560" cy="981720"/>
+              <a:ext cx="1816200" cy="981360"/>
             </a:xfrm>
             <a:prstGeom prst="rect">
               <a:avLst/>
@@ -9095,7 +8173,7 @@
         </p:pic>
         <p:pic>
           <p:nvPicPr>
-            <p:cNvPr id="95" name="Google Shape;289;g1f213c8c16b_0_ 7" descr=""/>
+            <p:cNvPr id="95" name="Google Shape;289;g1f213c8c16b_0_ 5" descr=""/>
             <p:cNvPicPr/>
             <p:nvPr/>
           </p:nvPicPr>
@@ -9106,7 +8184,7 @@
           <p:spPr>
             <a:xfrm>
               <a:off x="626400" y="484200"/>
-              <a:ext cx="1504440" cy="523080"/>
+              <a:ext cx="1504080" cy="522720"/>
             </a:xfrm>
             <a:prstGeom prst="rect">
               <a:avLst/>
@@ -9119,14 +8197,14 @@
       </p:grpSp>
       <p:sp>
         <p:nvSpPr>
-          <p:cNvPr id="96" name="Google Shape;253;g1f213c8c16b_0_ 7"/>
+          <p:cNvPr id="96" name="Google Shape;253;g1f213c8c16b_0_ 5"/>
           <p:cNvSpPr/>
           <p:nvPr/>
         </p:nvSpPr>
         <p:spPr>
           <a:xfrm>
             <a:off x="1440000" y="1080000"/>
-            <a:ext cx="9359640" cy="638280"/>
+            <a:ext cx="9359280" cy="638280"/>
           </a:xfrm>
           <a:prstGeom prst="rect">
             <a:avLst/>
@@ -9169,7 +8247,7 @@
                 <a:latin typeface="Nunito Sans Black"/>
                 <a:ea typeface="Nunito Sans Black"/>
               </a:rPr>
-              <a:t>Arboles</a:t>
+              <a:t>Grafos</a:t>
             </a:r>
             <a:endParaRPr b="0" lang="es-CO" sz="3600" spc="-1" strike="noStrike">
               <a:solidFill>
@@ -9189,7 +8267,7 @@
         <p:spPr>
           <a:xfrm>
             <a:off x="1271880" y="1232280"/>
-            <a:ext cx="3947760" cy="486360"/>
+            <a:ext cx="3947400" cy="486000"/>
           </a:xfrm>
           <a:prstGeom prst="rect">
             <a:avLst/>
@@ -9236,8 +8314,8 @@
         </p:blipFill>
         <p:spPr>
           <a:xfrm>
-            <a:off x="203760" y="2520000"/>
-            <a:ext cx="4476240" cy="2781000"/>
+            <a:off x="6937920" y="3240000"/>
+            <a:ext cx="4761720" cy="1370880"/>
           </a:xfrm>
           <a:prstGeom prst="rect">
             <a:avLst/>
@@ -9255,36 +8333,12 @@
         </p:nvPicPr>
         <p:blipFill>
           <a:blip r:embed="rId7"/>
-          <a:srcRect l="0" t="0" r="51747" b="0"/>
           <a:stretch/>
         </p:blipFill>
         <p:spPr>
           <a:xfrm>
-            <a:off x="4860000" y="1925640"/>
-            <a:ext cx="2879640" cy="4913280"/>
-          </a:xfrm>
-          <a:prstGeom prst="rect">
-            <a:avLst/>
-          </a:prstGeom>
-          <a:ln w="0">
-            <a:noFill/>
-          </a:ln>
-        </p:spPr>
-      </p:pic>
-      <p:pic>
-        <p:nvPicPr>
-          <p:cNvPr id="100" name="" descr=""/>
-          <p:cNvPicPr/>
-          <p:nvPr/>
-        </p:nvPicPr>
-        <p:blipFill>
-          <a:blip r:embed="rId8"/>
-          <a:stretch/>
-        </p:blipFill>
-        <p:spPr>
-          <a:xfrm>
-            <a:off x="7869240" y="2963880"/>
-            <a:ext cx="4190760" cy="2076120"/>
+            <a:off x="651960" y="2840040"/>
+            <a:ext cx="5647680" cy="2199600"/>
           </a:xfrm>
           <a:prstGeom prst="rect">
             <a:avLst/>
@@ -9326,21 +8380,21 @@
       </p:grpSpPr>
       <p:grpSp>
         <p:nvGrpSpPr>
-          <p:cNvPr id="101" name="Google Shape;266;g1f213c8c16b_0_ 3"/>
+          <p:cNvPr id="100" name="Google Shape;266;g1f213c8c16b_0_ 7"/>
           <p:cNvGrpSpPr/>
           <p:nvPr/>
         </p:nvGrpSpPr>
         <p:grpSpPr>
           <a:xfrm>
             <a:off x="360" y="-17640"/>
-            <a:ext cx="12190680" cy="6856560"/>
+            <a:ext cx="12190320" cy="6856200"/>
             <a:chOff x="360" y="-17640"/>
-            <a:chExt cx="12190680" cy="6856560"/>
+            <a:chExt cx="12190320" cy="6856200"/>
           </a:xfrm>
         </p:grpSpPr>
         <p:pic>
           <p:nvPicPr>
-            <p:cNvPr id="102" name="Google Shape;267;g1f213c8c16b_0_ 2" descr=""/>
+            <p:cNvPr id="101" name="Google Shape;267;g1f213c8c16b_0_ 6" descr=""/>
             <p:cNvPicPr/>
             <p:nvPr/>
           </p:nvPicPr>
@@ -9352,7 +8406,7 @@
           <p:spPr>
             <a:xfrm>
               <a:off x="360" y="-17640"/>
-              <a:ext cx="12190680" cy="6856560"/>
+              <a:ext cx="12190320" cy="6856200"/>
             </a:xfrm>
             <a:prstGeom prst="rect">
               <a:avLst/>
@@ -9364,7 +8418,7 @@
         </p:pic>
         <p:pic>
           <p:nvPicPr>
-            <p:cNvPr id="103" name="Google Shape;268;g1f213c8c16b_0_ 2" descr=""/>
+            <p:cNvPr id="102" name="Google Shape;268;g1f213c8c16b_0_ 6" descr=""/>
             <p:cNvPicPr/>
             <p:nvPr/>
           </p:nvPicPr>
@@ -9375,7 +8429,7 @@
           <p:spPr>
             <a:xfrm>
               <a:off x="360" y="-17640"/>
-              <a:ext cx="12190680" cy="6856560"/>
+              <a:ext cx="12190320" cy="6856200"/>
             </a:xfrm>
             <a:prstGeom prst="rect">
               <a:avLst/>
@@ -9388,7 +8442,7 @@
       </p:grpSp>
       <p:pic>
         <p:nvPicPr>
-          <p:cNvPr id="104" name="Google Shape;269;g1f213c8c16b_0_ 2" descr=""/>
+          <p:cNvPr id="103" name="Google Shape;269;g1f213c8c16b_0_ 6" descr=""/>
           <p:cNvPicPr/>
           <p:nvPr/>
         </p:nvPicPr>
@@ -9399,7 +8453,7 @@
         <p:spPr>
           <a:xfrm>
             <a:off x="4815360" y="165600"/>
-            <a:ext cx="2337840" cy="1119240"/>
+            <a:ext cx="2337480" cy="1118880"/>
           </a:xfrm>
           <a:prstGeom prst="rect">
             <a:avLst/>
@@ -9411,21 +8465,21 @@
       </p:pic>
       <p:grpSp>
         <p:nvGrpSpPr>
-          <p:cNvPr id="105" name="Google Shape;287;g1f213c8c16b_0_ 2"/>
+          <p:cNvPr id="104" name="Google Shape;287;g1f213c8c16b_0_ 6"/>
           <p:cNvGrpSpPr/>
           <p:nvPr/>
         </p:nvGrpSpPr>
         <p:grpSpPr>
           <a:xfrm>
             <a:off x="626400" y="254520"/>
-            <a:ext cx="11250000" cy="981720"/>
+            <a:ext cx="11249640" cy="981360"/>
             <a:chOff x="626400" y="254520"/>
-            <a:chExt cx="11250000" cy="981720"/>
+            <a:chExt cx="11249640" cy="981360"/>
           </a:xfrm>
         </p:grpSpPr>
         <p:pic>
           <p:nvPicPr>
-            <p:cNvPr id="106" name="Google Shape;288;g1f213c8c16b_0_ 2" descr=""/>
+            <p:cNvPr id="105" name="Google Shape;288;g1f213c8c16b_0_ 6" descr=""/>
             <p:cNvPicPr/>
             <p:nvPr/>
           </p:nvPicPr>
@@ -9436,7 +8490,7 @@
           <p:spPr>
             <a:xfrm>
               <a:off x="10059840" y="254520"/>
-              <a:ext cx="1816560" cy="981720"/>
+              <a:ext cx="1816200" cy="981360"/>
             </a:xfrm>
             <a:prstGeom prst="rect">
               <a:avLst/>
@@ -9448,7 +8502,7 @@
         </p:pic>
         <p:pic>
           <p:nvPicPr>
-            <p:cNvPr id="107" name="Google Shape;289;g1f213c8c16b_0_ 2" descr=""/>
+            <p:cNvPr id="106" name="Google Shape;289;g1f213c8c16b_0_ 6" descr=""/>
             <p:cNvPicPr/>
             <p:nvPr/>
           </p:nvPicPr>
@@ -9459,7 +8513,7 @@
           <p:spPr>
             <a:xfrm>
               <a:off x="626400" y="484200"/>
-              <a:ext cx="1504440" cy="523080"/>
+              <a:ext cx="1504080" cy="522720"/>
             </a:xfrm>
             <a:prstGeom prst="rect">
               <a:avLst/>
@@ -9472,14 +8526,14 @@
       </p:grpSp>
       <p:sp>
         <p:nvSpPr>
-          <p:cNvPr id="108" name="Google Shape;253;g1f213c8c16b_0_ 2"/>
+          <p:cNvPr id="107" name="Google Shape;253;g1f213c8c16b_0_ 6"/>
           <p:cNvSpPr/>
           <p:nvPr/>
         </p:nvSpPr>
         <p:spPr>
           <a:xfrm>
             <a:off x="1440000" y="1080000"/>
-            <a:ext cx="9359640" cy="638280"/>
+            <a:ext cx="9359280" cy="638280"/>
           </a:xfrm>
           <a:prstGeom prst="rect">
             <a:avLst/>
@@ -9522,7 +8576,7 @@
                 <a:latin typeface="Nunito Sans Black"/>
                 <a:ea typeface="Nunito Sans Black"/>
               </a:rPr>
-              <a:t>Arbol AVL y Rojinegro</a:t>
+              <a:t>Grafos</a:t>
             </a:r>
             <a:endParaRPr b="0" lang="es-CO" sz="3600" spc="-1" strike="noStrike">
               <a:solidFill>
@@ -9535,14 +8589,14 @@
       </p:sp>
       <p:sp>
         <p:nvSpPr>
-          <p:cNvPr id="109" name=""/>
+          <p:cNvPr id="108" name=""/>
           <p:cNvSpPr/>
           <p:nvPr/>
         </p:nvSpPr>
         <p:spPr>
           <a:xfrm>
             <a:off x="1271880" y="1232280"/>
-            <a:ext cx="3947760" cy="486360"/>
+            <a:ext cx="3947400" cy="486000"/>
           </a:xfrm>
           <a:prstGeom prst="rect">
             <a:avLst/>
@@ -9563,6 +8617,11 @@
             <a:noAutofit/>
           </a:bodyPr>
           <a:p>
+            <a:pPr>
+              <a:lnSpc>
+                <a:spcPct val="100000"/>
+              </a:lnSpc>
+            </a:pPr>
             <a:endParaRPr b="0" lang="es-CO" sz="1800" spc="-1" strike="noStrike">
               <a:solidFill>
                 <a:srgbClr val="000000"/>
@@ -9574,7 +8633,7 @@
       </p:sp>
       <p:pic>
         <p:nvPicPr>
-          <p:cNvPr id="110" name="" descr=""/>
+          <p:cNvPr id="109" name="" descr=""/>
           <p:cNvPicPr/>
           <p:nvPr/>
         </p:nvPicPr>
@@ -9584,31 +8643,8 @@
         </p:blipFill>
         <p:spPr>
           <a:xfrm>
-            <a:off x="180000" y="1980000"/>
-            <a:ext cx="5671440" cy="3963240"/>
-          </a:xfrm>
-          <a:prstGeom prst="rect">
-            <a:avLst/>
-          </a:prstGeom>
-          <a:ln w="0">
-            <a:noFill/>
-          </a:ln>
-        </p:spPr>
-      </p:pic>
-      <p:pic>
-        <p:nvPicPr>
-          <p:cNvPr id="111" name="" descr=""/>
-          <p:cNvPicPr/>
-          <p:nvPr/>
-        </p:nvPicPr>
-        <p:blipFill>
-          <a:blip r:embed="rId7"/>
-          <a:stretch/>
-        </p:blipFill>
-        <p:spPr>
-          <a:xfrm>
-            <a:off x="6120000" y="2700000"/>
-            <a:ext cx="5848200" cy="2602800"/>
+            <a:off x="1623960" y="1980000"/>
+            <a:ext cx="8095680" cy="4190400"/>
           </a:xfrm>
           <a:prstGeom prst="rect">
             <a:avLst/>
@@ -9650,21 +8686,21 @@
       </p:grpSpPr>
       <p:grpSp>
         <p:nvGrpSpPr>
-          <p:cNvPr id="112" name="Google Shape;266;g1f213c8c16b_0_ 1"/>
+          <p:cNvPr id="110" name="Google Shape;266;g1f213c8c16b_0_ 2"/>
           <p:cNvGrpSpPr/>
           <p:nvPr/>
         </p:nvGrpSpPr>
         <p:grpSpPr>
           <a:xfrm>
             <a:off x="360" y="-17640"/>
-            <a:ext cx="12190680" cy="6856560"/>
+            <a:ext cx="12190320" cy="6856200"/>
             <a:chOff x="360" y="-17640"/>
-            <a:chExt cx="12190680" cy="6856560"/>
+            <a:chExt cx="12190320" cy="6856200"/>
           </a:xfrm>
         </p:grpSpPr>
         <p:pic>
           <p:nvPicPr>
-            <p:cNvPr id="113" name="Google Shape;267;g1f213c8c16b_0_ 1" descr=""/>
+            <p:cNvPr id="111" name="Google Shape;267;g1f213c8c16b_0_ 3" descr=""/>
             <p:cNvPicPr/>
             <p:nvPr/>
           </p:nvPicPr>
@@ -9676,7 +8712,7 @@
           <p:spPr>
             <a:xfrm>
               <a:off x="360" y="-17640"/>
-              <a:ext cx="12190680" cy="6856560"/>
+              <a:ext cx="12190320" cy="6856200"/>
             </a:xfrm>
             <a:prstGeom prst="rect">
               <a:avLst/>
@@ -9688,7 +8724,7 @@
         </p:pic>
         <p:pic>
           <p:nvPicPr>
-            <p:cNvPr id="114" name="Google Shape;268;g1f213c8c16b_0_ 1" descr=""/>
+            <p:cNvPr id="112" name="Google Shape;268;g1f213c8c16b_0_ 3" descr=""/>
             <p:cNvPicPr/>
             <p:nvPr/>
           </p:nvPicPr>
@@ -9699,7 +8735,7 @@
           <p:spPr>
             <a:xfrm>
               <a:off x="360" y="-17640"/>
-              <a:ext cx="12190680" cy="6856560"/>
+              <a:ext cx="12190320" cy="6856200"/>
             </a:xfrm>
             <a:prstGeom prst="rect">
               <a:avLst/>
@@ -9712,7 +8748,7 @@
       </p:grpSp>
       <p:pic>
         <p:nvPicPr>
-          <p:cNvPr id="115" name="Google Shape;269;g1f213c8c16b_0_ 1" descr=""/>
+          <p:cNvPr id="113" name="Google Shape;269;g1f213c8c16b_0_ 3" descr=""/>
           <p:cNvPicPr/>
           <p:nvPr/>
         </p:nvPicPr>
@@ -9723,7 +8759,7 @@
         <p:spPr>
           <a:xfrm>
             <a:off x="4815360" y="165600"/>
-            <a:ext cx="2337840" cy="1119240"/>
+            <a:ext cx="2337480" cy="1118880"/>
           </a:xfrm>
           <a:prstGeom prst="rect">
             <a:avLst/>
@@ -9735,21 +8771,21 @@
       </p:pic>
       <p:grpSp>
         <p:nvGrpSpPr>
-          <p:cNvPr id="116" name="Google Shape;287;g1f213c8c16b_0_ 1"/>
+          <p:cNvPr id="114" name="Google Shape;287;g1f213c8c16b_0_ 3"/>
           <p:cNvGrpSpPr/>
           <p:nvPr/>
         </p:nvGrpSpPr>
         <p:grpSpPr>
           <a:xfrm>
             <a:off x="626400" y="254520"/>
-            <a:ext cx="11250000" cy="981720"/>
+            <a:ext cx="11249640" cy="981360"/>
             <a:chOff x="626400" y="254520"/>
-            <a:chExt cx="11250000" cy="981720"/>
+            <a:chExt cx="11249640" cy="981360"/>
           </a:xfrm>
         </p:grpSpPr>
         <p:pic>
           <p:nvPicPr>
-            <p:cNvPr id="117" name="Google Shape;288;g1f213c8c16b_0_ 1" descr=""/>
+            <p:cNvPr id="115" name="Google Shape;288;g1f213c8c16b_0_ 3" descr=""/>
             <p:cNvPicPr/>
             <p:nvPr/>
           </p:nvPicPr>
@@ -9760,7 +8796,7 @@
           <p:spPr>
             <a:xfrm>
               <a:off x="10059840" y="254520"/>
-              <a:ext cx="1816560" cy="981720"/>
+              <a:ext cx="1816200" cy="981360"/>
             </a:xfrm>
             <a:prstGeom prst="rect">
               <a:avLst/>
@@ -9772,7 +8808,7 @@
         </p:pic>
         <p:pic>
           <p:nvPicPr>
-            <p:cNvPr id="118" name="Google Shape;289;g1f213c8c16b_0_ 1" descr=""/>
+            <p:cNvPr id="116" name="Google Shape;289;g1f213c8c16b_0_ 3" descr=""/>
             <p:cNvPicPr/>
             <p:nvPr/>
           </p:nvPicPr>
@@ -9783,7 +8819,7 @@
           <p:spPr>
             <a:xfrm>
               <a:off x="626400" y="484200"/>
-              <a:ext cx="1504440" cy="523080"/>
+              <a:ext cx="1504080" cy="522720"/>
             </a:xfrm>
             <a:prstGeom prst="rect">
               <a:avLst/>
@@ -9796,14 +8832,14 @@
       </p:grpSp>
       <p:sp>
         <p:nvSpPr>
-          <p:cNvPr id="119" name="Google Shape;253;g1f213c8c16b_0_ 1"/>
+          <p:cNvPr id="117" name="Google Shape;253;g1f213c8c16b_0_ 3"/>
           <p:cNvSpPr/>
           <p:nvPr/>
         </p:nvSpPr>
         <p:spPr>
           <a:xfrm>
             <a:off x="1440000" y="1080000"/>
-            <a:ext cx="9359640" cy="638280"/>
+            <a:ext cx="9359280" cy="638280"/>
           </a:xfrm>
           <a:prstGeom prst="rect">
             <a:avLst/>
@@ -9846,7 +8882,7 @@
                 <a:latin typeface="Nunito Sans Black"/>
                 <a:ea typeface="Nunito Sans Black"/>
               </a:rPr>
-              <a:t>Arbol B y B+</a:t>
+              <a:t>Representaciones</a:t>
             </a:r>
             <a:endParaRPr b="0" lang="es-CO" sz="3600" spc="-1" strike="noStrike">
               <a:solidFill>
@@ -9859,14 +8895,14 @@
       </p:sp>
       <p:sp>
         <p:nvSpPr>
-          <p:cNvPr id="120" name=""/>
+          <p:cNvPr id="118" name=""/>
           <p:cNvSpPr/>
           <p:nvPr/>
         </p:nvSpPr>
         <p:spPr>
           <a:xfrm>
             <a:off x="1271880" y="1232280"/>
-            <a:ext cx="3947760" cy="486360"/>
+            <a:ext cx="3947400" cy="486000"/>
           </a:xfrm>
           <a:prstGeom prst="rect">
             <a:avLst/>
@@ -9887,6 +8923,11 @@
             <a:noAutofit/>
           </a:bodyPr>
           <a:p>
+            <a:pPr>
+              <a:lnSpc>
+                <a:spcPct val="100000"/>
+              </a:lnSpc>
+            </a:pPr>
             <a:endParaRPr b="0" lang="es-CO" sz="1800" spc="-1" strike="noStrike">
               <a:solidFill>
                 <a:srgbClr val="000000"/>
@@ -9898,7 +8939,7 @@
       </p:sp>
       <p:pic>
         <p:nvPicPr>
-          <p:cNvPr id="121" name="" descr=""/>
+          <p:cNvPr id="119" name="" descr=""/>
           <p:cNvPicPr/>
           <p:nvPr/>
         </p:nvPicPr>
@@ -9908,31 +8949,8 @@
         </p:blipFill>
         <p:spPr>
           <a:xfrm>
-            <a:off x="6344640" y="3240000"/>
-            <a:ext cx="5535360" cy="1942200"/>
-          </a:xfrm>
-          <a:prstGeom prst="rect">
-            <a:avLst/>
-          </a:prstGeom>
-          <a:ln w="0">
-            <a:noFill/>
-          </a:ln>
-        </p:spPr>
-      </p:pic>
-      <p:pic>
-        <p:nvPicPr>
-          <p:cNvPr id="122" name="" descr=""/>
-          <p:cNvPicPr/>
-          <p:nvPr/>
-        </p:nvPicPr>
-        <p:blipFill>
-          <a:blip r:embed="rId7"/>
-          <a:stretch/>
-        </p:blipFill>
-        <p:spPr>
-          <a:xfrm>
-            <a:off x="91080" y="2916000"/>
-            <a:ext cx="6028920" cy="2761920"/>
+            <a:off x="3060000" y="2520000"/>
+            <a:ext cx="5797080" cy="3086280"/>
           </a:xfrm>
           <a:prstGeom prst="rect">
             <a:avLst/>
@@ -9974,21 +8992,21 @@
       </p:grpSpPr>
       <p:grpSp>
         <p:nvGrpSpPr>
-          <p:cNvPr id="123" name="Google Shape;266;g1f213c8c16b_0_ 5"/>
+          <p:cNvPr id="120" name="Google Shape;266;g1f213c8c16b_0_ 4"/>
           <p:cNvGrpSpPr/>
           <p:nvPr/>
         </p:nvGrpSpPr>
         <p:grpSpPr>
           <a:xfrm>
             <a:off x="360" y="-17640"/>
-            <a:ext cx="12190680" cy="6856560"/>
+            <a:ext cx="12190320" cy="6856200"/>
             <a:chOff x="360" y="-17640"/>
-            <a:chExt cx="12190680" cy="6856560"/>
+            <a:chExt cx="12190320" cy="6856200"/>
           </a:xfrm>
         </p:grpSpPr>
         <p:pic>
           <p:nvPicPr>
-            <p:cNvPr id="124" name="Google Shape;267;g1f213c8c16b_0_ 5" descr=""/>
+            <p:cNvPr id="121" name="Google Shape;267;g1f213c8c16b_0_ 4" descr=""/>
             <p:cNvPicPr/>
             <p:nvPr/>
           </p:nvPicPr>
@@ -10000,7 +9018,7 @@
           <p:spPr>
             <a:xfrm>
               <a:off x="360" y="-17640"/>
-              <a:ext cx="12190680" cy="6856560"/>
+              <a:ext cx="12190320" cy="6856200"/>
             </a:xfrm>
             <a:prstGeom prst="rect">
               <a:avLst/>
@@ -10012,7 +9030,7 @@
         </p:pic>
         <p:pic>
           <p:nvPicPr>
-            <p:cNvPr id="125" name="Google Shape;268;g1f213c8c16b_0_ 5" descr=""/>
+            <p:cNvPr id="122" name="Google Shape;268;g1f213c8c16b_0_ 4" descr=""/>
             <p:cNvPicPr/>
             <p:nvPr/>
           </p:nvPicPr>
@@ -10023,7 +9041,7 @@
           <p:spPr>
             <a:xfrm>
               <a:off x="360" y="-17640"/>
-              <a:ext cx="12190680" cy="6856560"/>
+              <a:ext cx="12190320" cy="6856200"/>
             </a:xfrm>
             <a:prstGeom prst="rect">
               <a:avLst/>
@@ -10036,7 +9054,7 @@
       </p:grpSp>
       <p:pic>
         <p:nvPicPr>
-          <p:cNvPr id="126" name="Google Shape;269;g1f213c8c16b_0_ 5" descr=""/>
+          <p:cNvPr id="123" name="Google Shape;269;g1f213c8c16b_0_ 4" descr=""/>
           <p:cNvPicPr/>
           <p:nvPr/>
         </p:nvPicPr>
@@ -10047,7 +9065,7 @@
         <p:spPr>
           <a:xfrm>
             <a:off x="4815360" y="165600"/>
-            <a:ext cx="2337840" cy="1119240"/>
+            <a:ext cx="2337480" cy="1118880"/>
           </a:xfrm>
           <a:prstGeom prst="rect">
             <a:avLst/>
@@ -10059,21 +9077,21 @@
       </p:pic>
       <p:grpSp>
         <p:nvGrpSpPr>
-          <p:cNvPr id="127" name="Google Shape;287;g1f213c8c16b_0_ 5"/>
+          <p:cNvPr id="124" name="Google Shape;287;g1f213c8c16b_0_ 4"/>
           <p:cNvGrpSpPr/>
           <p:nvPr/>
         </p:nvGrpSpPr>
         <p:grpSpPr>
           <a:xfrm>
             <a:off x="626400" y="254520"/>
-            <a:ext cx="11250000" cy="981720"/>
+            <a:ext cx="11249640" cy="981360"/>
             <a:chOff x="626400" y="254520"/>
-            <a:chExt cx="11250000" cy="981720"/>
+            <a:chExt cx="11249640" cy="981360"/>
           </a:xfrm>
         </p:grpSpPr>
         <p:pic>
           <p:nvPicPr>
-            <p:cNvPr id="128" name="Google Shape;288;g1f213c8c16b_0_ 5" descr=""/>
+            <p:cNvPr id="125" name="Google Shape;288;g1f213c8c16b_0_ 4" descr=""/>
             <p:cNvPicPr/>
             <p:nvPr/>
           </p:nvPicPr>
@@ -10084,7 +9102,7 @@
           <p:spPr>
             <a:xfrm>
               <a:off x="10059840" y="254520"/>
-              <a:ext cx="1816560" cy="981720"/>
+              <a:ext cx="1816200" cy="981360"/>
             </a:xfrm>
             <a:prstGeom prst="rect">
               <a:avLst/>
@@ -10096,7 +9114,7 @@
         </p:pic>
         <p:pic>
           <p:nvPicPr>
-            <p:cNvPr id="129" name="Google Shape;289;g1f213c8c16b_0_ 5" descr=""/>
+            <p:cNvPr id="126" name="Google Shape;289;g1f213c8c16b_0_ 4" descr=""/>
             <p:cNvPicPr/>
             <p:nvPr/>
           </p:nvPicPr>
@@ -10107,7 +9125,7 @@
           <p:spPr>
             <a:xfrm>
               <a:off x="626400" y="484200"/>
-              <a:ext cx="1504440" cy="523080"/>
+              <a:ext cx="1504080" cy="522720"/>
             </a:xfrm>
             <a:prstGeom prst="rect">
               <a:avLst/>
@@ -10120,14 +9138,14 @@
       </p:grpSp>
       <p:sp>
         <p:nvSpPr>
-          <p:cNvPr id="130" name="Google Shape;253;g1f213c8c16b_0_ 5"/>
+          <p:cNvPr id="127" name="Google Shape;253;g1f213c8c16b_0_ 4"/>
           <p:cNvSpPr/>
           <p:nvPr/>
         </p:nvSpPr>
         <p:spPr>
           <a:xfrm>
             <a:off x="1440000" y="1080000"/>
-            <a:ext cx="9359640" cy="638280"/>
+            <a:ext cx="9359280" cy="638280"/>
           </a:xfrm>
           <a:prstGeom prst="rect">
             <a:avLst/>
@@ -10170,7 +9188,7 @@
                 <a:latin typeface="Nunito Sans Black"/>
                 <a:ea typeface="Nunito Sans Black"/>
               </a:rPr>
-              <a:t>Grafos</a:t>
+              <a:t>Representaciones</a:t>
             </a:r>
             <a:endParaRPr b="0" lang="es-CO" sz="3600" spc="-1" strike="noStrike">
               <a:solidFill>
@@ -10183,14 +9201,14 @@
       </p:sp>
       <p:sp>
         <p:nvSpPr>
-          <p:cNvPr id="131" name=""/>
+          <p:cNvPr id="128" name=""/>
           <p:cNvSpPr/>
           <p:nvPr/>
         </p:nvSpPr>
         <p:spPr>
           <a:xfrm>
             <a:off x="1271880" y="1232280"/>
-            <a:ext cx="3947760" cy="486360"/>
+            <a:ext cx="3947400" cy="486000"/>
           </a:xfrm>
           <a:prstGeom prst="rect">
             <a:avLst/>
@@ -10211,6 +9229,11 @@
             <a:noAutofit/>
           </a:bodyPr>
           <a:p>
+            <a:pPr>
+              <a:lnSpc>
+                <a:spcPct val="100000"/>
+              </a:lnSpc>
+            </a:pPr>
             <a:endParaRPr b="0" lang="es-CO" sz="1800" spc="-1" strike="noStrike">
               <a:solidFill>
                 <a:srgbClr val="000000"/>
@@ -10222,7 +9245,7 @@
       </p:sp>
       <p:pic>
         <p:nvPicPr>
-          <p:cNvPr id="132" name="" descr=""/>
+          <p:cNvPr id="129" name="" descr=""/>
           <p:cNvPicPr/>
           <p:nvPr/>
         </p:nvPicPr>
@@ -10232,31 +9255,8 @@
         </p:blipFill>
         <p:spPr>
           <a:xfrm>
-            <a:off x="6937920" y="3240000"/>
-            <a:ext cx="4762080" cy="1371240"/>
-          </a:xfrm>
-          <a:prstGeom prst="rect">
-            <a:avLst/>
-          </a:prstGeom>
-          <a:ln w="0">
-            <a:noFill/>
-          </a:ln>
-        </p:spPr>
-      </p:pic>
-      <p:pic>
-        <p:nvPicPr>
-          <p:cNvPr id="133" name="" descr=""/>
-          <p:cNvPicPr/>
-          <p:nvPr/>
-        </p:nvPicPr>
-        <p:blipFill>
-          <a:blip r:embed="rId7"/>
-          <a:stretch/>
-        </p:blipFill>
-        <p:spPr>
-          <a:xfrm>
-            <a:off x="651960" y="2840040"/>
-            <a:ext cx="5648040" cy="2199960"/>
+            <a:off x="1931760" y="2083320"/>
+            <a:ext cx="7967880" cy="4216320"/>
           </a:xfrm>
           <a:prstGeom prst="rect">
             <a:avLst/>
@@ -10296,71 +9296,113 @@
           <a:chExt cx="0" cy="0"/>
         </a:xfrm>
       </p:grpSpPr>
-      <p:grpSp>
-        <p:nvGrpSpPr>
-          <p:cNvPr id="134" name="Google Shape;266;g1f213c8c16b_0_ 7"/>
-          <p:cNvGrpSpPr/>
-          <p:nvPr/>
-        </p:nvGrpSpPr>
-        <p:grpSpPr>
-          <a:xfrm>
-            <a:off x="360" y="-17640"/>
-            <a:ext cx="12190680" cy="6856560"/>
-            <a:chOff x="360" y="-17640"/>
-            <a:chExt cx="12190680" cy="6856560"/>
-          </a:xfrm>
-        </p:grpSpPr>
-        <p:pic>
-          <p:nvPicPr>
-            <p:cNvPr id="135" name="Google Shape;267;g1f213c8c16b_0_ 6" descr=""/>
-            <p:cNvPicPr/>
-            <p:nvPr/>
-          </p:nvPicPr>
-          <p:blipFill>
-            <a:blip r:embed="rId1"/>
-            <a:srcRect l="7813" t="0" r="7813" b="7535"/>
-            <a:stretch/>
-          </p:blipFill>
-          <p:spPr>
-            <a:xfrm>
-              <a:off x="360" y="-17640"/>
-              <a:ext cx="12190680" cy="6856560"/>
-            </a:xfrm>
-            <a:prstGeom prst="rect">
-              <a:avLst/>
-            </a:prstGeom>
-            <a:ln w="0">
-              <a:noFill/>
-            </a:ln>
-          </p:spPr>
-        </p:pic>
-        <p:pic>
-          <p:nvPicPr>
-            <p:cNvPr id="136" name="Google Shape;268;g1f213c8c16b_0_ 6" descr=""/>
-            <p:cNvPicPr/>
-            <p:nvPr/>
-          </p:nvPicPr>
-          <p:blipFill>
-            <a:blip r:embed="rId2"/>
-            <a:stretch/>
-          </p:blipFill>
-          <p:spPr>
-            <a:xfrm>
-              <a:off x="360" y="-17640"/>
-              <a:ext cx="12190680" cy="6856560"/>
-            </a:xfrm>
-            <a:prstGeom prst="rect">
-              <a:avLst/>
-            </a:prstGeom>
-            <a:ln w="0">
-              <a:noFill/>
-            </a:ln>
-          </p:spPr>
-        </p:pic>
-      </p:grpSp>
       <p:pic>
         <p:nvPicPr>
-          <p:cNvPr id="137" name="Google Shape;269;g1f213c8c16b_0_ 6" descr=""/>
+          <p:cNvPr id="130" name="Google Shape;311;g1f213c8c16b_0_211" descr=""/>
+          <p:cNvPicPr/>
+          <p:nvPr/>
+        </p:nvPicPr>
+        <p:blipFill>
+          <a:blip r:embed="rId1"/>
+          <a:stretch/>
+        </p:blipFill>
+        <p:spPr>
+          <a:xfrm>
+            <a:off x="3965040" y="4641120"/>
+            <a:ext cx="4088160" cy="1335600"/>
+          </a:xfrm>
+          <a:prstGeom prst="rect">
+            <a:avLst/>
+          </a:prstGeom>
+          <a:ln w="0">
+            <a:noFill/>
+          </a:ln>
+        </p:spPr>
+      </p:pic>
+      <p:sp>
+        <p:nvSpPr>
+          <p:cNvPr id="131" name="Google Shape;312;g1f213c8c16b_0_211"/>
+          <p:cNvSpPr/>
+          <p:nvPr/>
+        </p:nvSpPr>
+        <p:spPr>
+          <a:xfrm>
+            <a:off x="1228680" y="585000"/>
+            <a:ext cx="9564840" cy="1186920"/>
+          </a:xfrm>
+          <a:prstGeom prst="rect">
+            <a:avLst/>
+          </a:prstGeom>
+          <a:noFill/>
+          <a:ln w="0">
+            <a:noFill/>
+          </a:ln>
+        </p:spPr>
+        <p:style>
+          <a:lnRef idx="0"/>
+          <a:fillRef idx="0"/>
+          <a:effectRef idx="0"/>
+          <a:fontRef idx="minor"/>
+        </p:style>
+        <p:txBody>
+          <a:bodyPr lIns="90000" rIns="90000" tIns="45000" bIns="45000" anchor="t">
+            <a:spAutoFit/>
+          </a:bodyPr>
+          <a:p>
+            <a:pPr algn="ctr">
+              <a:lnSpc>
+                <a:spcPct val="100000"/>
+              </a:lnSpc>
+              <a:tabLst>
+                <a:tab algn="l" pos="0"/>
+              </a:tabLst>
+            </a:pPr>
+            <a:r>
+              <a:rPr b="0" lang="es-CO" sz="7200" spc="-1" strike="noStrike">
+                <a:solidFill>
+                  <a:srgbClr val="001059"/>
+                </a:solidFill>
+                <a:latin typeface="Nunito Sans Black"/>
+                <a:ea typeface="Nunito Sans Black"/>
+              </a:rPr>
+              <a:t>LOGOS:</a:t>
+            </a:r>
+            <a:endParaRPr b="0" lang="es-CO" sz="7200" spc="-1" strike="noStrike">
+              <a:solidFill>
+                <a:srgbClr val="000000"/>
+              </a:solidFill>
+              <a:latin typeface="Arial"/>
+            </a:endParaRPr>
+          </a:p>
+        </p:txBody>
+      </p:sp>
+      <p:pic>
+        <p:nvPicPr>
+          <p:cNvPr id="132" name="Google Shape;313;g1f213c8c16b_0_211" descr=""/>
+          <p:cNvPicPr/>
+          <p:nvPr/>
+        </p:nvPicPr>
+        <p:blipFill>
+          <a:blip r:embed="rId2"/>
+          <a:srcRect l="8004" t="20494" r="6931" b="16482"/>
+          <a:stretch/>
+        </p:blipFill>
+        <p:spPr>
+          <a:xfrm>
+            <a:off x="4869360" y="2808000"/>
+            <a:ext cx="2451240" cy="869760"/>
+          </a:xfrm>
+          <a:prstGeom prst="rect">
+            <a:avLst/>
+          </a:prstGeom>
+          <a:ln w="0">
+            <a:noFill/>
+          </a:ln>
+        </p:spPr>
+      </p:pic>
+      <p:pic>
+        <p:nvPicPr>
+          <p:cNvPr id="133" name="Google Shape;314;g1f213c8c16b_0_211" descr=""/>
           <p:cNvPicPr/>
           <p:nvPr/>
         </p:nvPicPr>
@@ -10370,8 +9412,8 @@
         </p:blipFill>
         <p:spPr>
           <a:xfrm>
-            <a:off x="4815360" y="165600"/>
-            <a:ext cx="2337840" cy="1119240"/>
+            <a:off x="1228680" y="2808000"/>
+            <a:ext cx="1853280" cy="644760"/>
           </a:xfrm>
           <a:prstGeom prst="rect">
             <a:avLst/>
@@ -10381,172 +9423,55 @@
           </a:ln>
         </p:spPr>
       </p:pic>
-      <p:grpSp>
-        <p:nvGrpSpPr>
-          <p:cNvPr id="138" name="Google Shape;287;g1f213c8c16b_0_ 6"/>
-          <p:cNvGrpSpPr/>
-          <p:nvPr/>
-        </p:nvGrpSpPr>
-        <p:grpSpPr>
-          <a:xfrm>
-            <a:off x="626400" y="254520"/>
-            <a:ext cx="11250000" cy="981720"/>
-            <a:chOff x="626400" y="254520"/>
-            <a:chExt cx="11250000" cy="981720"/>
-          </a:xfrm>
-        </p:grpSpPr>
-        <p:pic>
-          <p:nvPicPr>
-            <p:cNvPr id="139" name="Google Shape;288;g1f213c8c16b_0_ 6" descr=""/>
-            <p:cNvPicPr/>
-            <p:nvPr/>
-          </p:nvPicPr>
-          <p:blipFill>
-            <a:blip r:embed="rId4"/>
-            <a:stretch/>
-          </p:blipFill>
-          <p:spPr>
-            <a:xfrm>
-              <a:off x="10059840" y="254520"/>
-              <a:ext cx="1816560" cy="981720"/>
-            </a:xfrm>
-            <a:prstGeom prst="rect">
-              <a:avLst/>
-            </a:prstGeom>
-            <a:ln w="0">
-              <a:noFill/>
-            </a:ln>
-          </p:spPr>
-        </p:pic>
-        <p:pic>
-          <p:nvPicPr>
-            <p:cNvPr id="140" name="Google Shape;289;g1f213c8c16b_0_ 6" descr=""/>
-            <p:cNvPicPr/>
-            <p:nvPr/>
-          </p:nvPicPr>
-          <p:blipFill>
-            <a:blip r:embed="rId5"/>
-            <a:stretch/>
-          </p:blipFill>
-          <p:spPr>
-            <a:xfrm>
-              <a:off x="626400" y="484200"/>
-              <a:ext cx="1504440" cy="523080"/>
-            </a:xfrm>
-            <a:prstGeom prst="rect">
-              <a:avLst/>
-            </a:prstGeom>
-            <a:ln w="0">
-              <a:noFill/>
-            </a:ln>
-          </p:spPr>
-        </p:pic>
-      </p:grpSp>
-      <p:sp>
-        <p:nvSpPr>
-          <p:cNvPr id="141" name="Google Shape;253;g1f213c8c16b_0_ 6"/>
-          <p:cNvSpPr/>
-          <p:nvPr/>
-        </p:nvSpPr>
-        <p:spPr>
-          <a:xfrm>
-            <a:off x="1440000" y="1080000"/>
-            <a:ext cx="9359640" cy="638280"/>
-          </a:xfrm>
-          <a:prstGeom prst="rect">
-            <a:avLst/>
-          </a:prstGeom>
-          <a:noFill/>
-          <a:ln w="0">
-            <a:noFill/>
-          </a:ln>
-        </p:spPr>
-        <p:style>
-          <a:lnRef idx="0"/>
-          <a:fillRef idx="0"/>
-          <a:effectRef idx="0"/>
-          <a:fontRef idx="minor"/>
-        </p:style>
-        <p:txBody>
-          <a:bodyPr lIns="90000" rIns="90000" tIns="45000" bIns="45000" anchor="t">
-            <a:spAutoFit/>
-          </a:bodyPr>
-          <a:p>
-            <a:pPr algn="ctr">
-              <a:lnSpc>
-                <a:spcPct val="100000"/>
-              </a:lnSpc>
-              <a:spcBef>
-                <a:spcPts val="1191"/>
-              </a:spcBef>
-              <a:spcAft>
-                <a:spcPts val="992"/>
-              </a:spcAft>
-              <a:tabLst>
-                <a:tab algn="l" pos="0"/>
-              </a:tabLst>
-            </a:pPr>
-            <a:r>
-              <a:rPr b="0" lang="es-CO" sz="3600" spc="-1" strike="noStrike">
-                <a:solidFill>
-                  <a:schemeClr val="lt1"/>
-                </a:solidFill>
-                <a:latin typeface="Nunito Sans Black"/>
-                <a:ea typeface="Nunito Sans Black"/>
-              </a:rPr>
-              <a:t>Grafos</a:t>
-            </a:r>
-            <a:endParaRPr b="0" lang="es-CO" sz="3600" spc="-1" strike="noStrike">
-              <a:solidFill>
-                <a:srgbClr val="000000"/>
-              </a:solidFill>
-              <a:latin typeface="Arial"/>
-            </a:endParaRPr>
-          </a:p>
-        </p:txBody>
-      </p:sp>
-      <p:sp>
-        <p:nvSpPr>
-          <p:cNvPr id="142" name=""/>
-          <p:cNvSpPr/>
-          <p:nvPr/>
-        </p:nvSpPr>
-        <p:spPr>
-          <a:xfrm>
-            <a:off x="1271880" y="1232280"/>
-            <a:ext cx="3947760" cy="486360"/>
-          </a:xfrm>
-          <a:prstGeom prst="rect">
-            <a:avLst/>
-          </a:prstGeom>
-          <a:noFill/>
-          <a:ln w="0">
-            <a:noFill/>
-          </a:ln>
-        </p:spPr>
-        <p:style>
-          <a:lnRef idx="0"/>
-          <a:fillRef idx="0"/>
-          <a:effectRef idx="0"/>
-          <a:fontRef idx="minor"/>
-        </p:style>
-        <p:txBody>
-          <a:bodyPr wrap="none" lIns="90000" rIns="90000" tIns="45000" bIns="45000" anchor="t">
-            <a:noAutofit/>
-          </a:bodyPr>
-          <a:p>
-            <a:endParaRPr b="0" lang="es-CO" sz="1800" spc="-1" strike="noStrike">
-              <a:solidFill>
-                <a:srgbClr val="000000"/>
-              </a:solidFill>
-              <a:latin typeface="Arial"/>
-            </a:endParaRPr>
-          </a:p>
-        </p:txBody>
-      </p:sp>
       <p:pic>
         <p:nvPicPr>
-          <p:cNvPr id="143" name="" descr=""/>
+          <p:cNvPr id="134" name="Google Shape;315;g1f213c8c16b_0_211" descr=""/>
+          <p:cNvPicPr/>
+          <p:nvPr/>
+        </p:nvPicPr>
+        <p:blipFill>
+          <a:blip r:embed="rId4"/>
+          <a:stretch/>
+        </p:blipFill>
+        <p:spPr>
+          <a:xfrm>
+            <a:off x="8579880" y="2695680"/>
+            <a:ext cx="2025720" cy="1094760"/>
+          </a:xfrm>
+          <a:prstGeom prst="rect">
+            <a:avLst/>
+          </a:prstGeom>
+          <a:ln w="0">
+            <a:noFill/>
+          </a:ln>
+        </p:spPr>
+      </p:pic>
+      <p:pic>
+        <p:nvPicPr>
+          <p:cNvPr id="135" name="Google Shape;316;g1f213c8c16b_0_211" descr=""/>
+          <p:cNvPicPr/>
+          <p:nvPr/>
+        </p:nvPicPr>
+        <p:blipFill>
+          <a:blip r:embed="rId5"/>
+          <a:stretch/>
+        </p:blipFill>
+        <p:spPr>
+          <a:xfrm>
+            <a:off x="597600" y="398520"/>
+            <a:ext cx="1086120" cy="377640"/>
+          </a:xfrm>
+          <a:prstGeom prst="rect">
+            <a:avLst/>
+          </a:prstGeom>
+          <a:ln w="0">
+            <a:noFill/>
+          </a:ln>
+        </p:spPr>
+      </p:pic>
+      <p:pic>
+        <p:nvPicPr>
+          <p:cNvPr id="136" name="Google Shape;317;g1f213c8c16b_0_211" descr=""/>
           <p:cNvPicPr/>
           <p:nvPr/>
         </p:nvPicPr>
@@ -10556,8 +9481,8 @@
         </p:blipFill>
         <p:spPr>
           <a:xfrm>
-            <a:off x="1623960" y="1980000"/>
-            <a:ext cx="8096040" cy="4190760"/>
+            <a:off x="10002240" y="199800"/>
+            <a:ext cx="1422360" cy="768240"/>
           </a:xfrm>
           <a:prstGeom prst="rect">
             <a:avLst/>
@@ -10599,21 +9524,21 @@
       </p:grpSpPr>
       <p:grpSp>
         <p:nvGrpSpPr>
-          <p:cNvPr id="144" name="Google Shape;266;g1f213c8c16b_0_ 2"/>
+          <p:cNvPr id="137" name="Google Shape;323;g1f213c8c16b_0_222"/>
           <p:cNvGrpSpPr/>
           <p:nvPr/>
         </p:nvGrpSpPr>
         <p:grpSpPr>
           <a:xfrm>
-            <a:off x="360" y="-17640"/>
-            <a:ext cx="12190680" cy="6856560"/>
-            <a:chOff x="360" y="-17640"/>
-            <a:chExt cx="12190680" cy="6856560"/>
+            <a:off x="0" y="0"/>
+            <a:ext cx="12190320" cy="6856200"/>
+            <a:chOff x="0" y="0"/>
+            <a:chExt cx="12190320" cy="6856200"/>
           </a:xfrm>
         </p:grpSpPr>
         <p:pic>
           <p:nvPicPr>
-            <p:cNvPr id="145" name="Google Shape;267;g1f213c8c16b_0_ 3" descr=""/>
+            <p:cNvPr id="138" name="Google Shape;324;g1f213c8c16b_0_222" descr=""/>
             <p:cNvPicPr/>
             <p:nvPr/>
           </p:nvPicPr>
@@ -10624,8 +9549,8 @@
           </p:blipFill>
           <p:spPr>
             <a:xfrm>
-              <a:off x="360" y="-17640"/>
-              <a:ext cx="12190680" cy="6856560"/>
+              <a:off x="0" y="0"/>
+              <a:ext cx="12190320" cy="6856200"/>
             </a:xfrm>
             <a:prstGeom prst="rect">
               <a:avLst/>
@@ -10637,7 +9562,7 @@
         </p:pic>
         <p:pic>
           <p:nvPicPr>
-            <p:cNvPr id="146" name="Google Shape;268;g1f213c8c16b_0_ 3" descr=""/>
+            <p:cNvPr id="139" name="Google Shape;325;g1f213c8c16b_0_222" descr=""/>
             <p:cNvPicPr/>
             <p:nvPr/>
           </p:nvPicPr>
@@ -10647,8 +9572,8 @@
           </p:blipFill>
           <p:spPr>
             <a:xfrm>
-              <a:off x="360" y="-17640"/>
-              <a:ext cx="12190680" cy="6856560"/>
+              <a:off x="0" y="0"/>
+              <a:ext cx="12190320" cy="6856200"/>
             </a:xfrm>
             <a:prstGeom prst="rect">
               <a:avLst/>
@@ -10661,7 +9586,7 @@
       </p:grpSp>
       <p:pic>
         <p:nvPicPr>
-          <p:cNvPr id="147" name="Google Shape;269;g1f213c8c16b_0_ 3" descr=""/>
+          <p:cNvPr id="140" name="Google Shape;326;g1f213c8c16b_0_222" descr=""/>
           <p:cNvPicPr/>
           <p:nvPr/>
         </p:nvPicPr>
@@ -10671,8 +9596,54 @@
         </p:blipFill>
         <p:spPr>
           <a:xfrm>
-            <a:off x="4815360" y="165600"/>
-            <a:ext cx="2337840" cy="1119240"/>
+            <a:off x="2340720" y="1970640"/>
+            <a:ext cx="7509240" cy="2914560"/>
+          </a:xfrm>
+          <a:prstGeom prst="rect">
+            <a:avLst/>
+          </a:prstGeom>
+          <a:ln w="0">
+            <a:noFill/>
+          </a:ln>
+        </p:spPr>
+      </p:pic>
+      <p:pic>
+        <p:nvPicPr>
+          <p:cNvPr id="141" name="Google Shape;327;g1f213c8c16b_0_222" descr=""/>
+          <p:cNvPicPr/>
+          <p:nvPr/>
+        </p:nvPicPr>
+        <p:blipFill>
+          <a:blip r:embed="rId4"/>
+          <a:stretch/>
+        </p:blipFill>
+        <p:spPr>
+          <a:xfrm>
+            <a:off x="4592160" y="324000"/>
+            <a:ext cx="3005640" cy="1439280"/>
+          </a:xfrm>
+          <a:prstGeom prst="rect">
+            <a:avLst/>
+          </a:prstGeom>
+          <a:ln w="0">
+            <a:noFill/>
+          </a:ln>
+        </p:spPr>
+      </p:pic>
+      <p:pic>
+        <p:nvPicPr>
+          <p:cNvPr id="142" name="Google Shape;328;g1f213c8c16b_0_222" descr=""/>
+          <p:cNvPicPr/>
+          <p:nvPr/>
+        </p:nvPicPr>
+        <p:blipFill>
+          <a:blip r:embed="rId5"/>
+          <a:stretch/>
+        </p:blipFill>
+        <p:spPr>
+          <a:xfrm>
+            <a:off x="9712800" y="5933520"/>
+            <a:ext cx="2163240" cy="667800"/>
           </a:xfrm>
           <a:prstGeom prst="rect">
             <a:avLst/>
@@ -10684,32 +9655,32 @@
       </p:pic>
       <p:grpSp>
         <p:nvGrpSpPr>
-          <p:cNvPr id="148" name="Google Shape;287;g1f213c8c16b_0_ 3"/>
+          <p:cNvPr id="143" name="Google Shape;329;g1f213c8c16b_0_222"/>
           <p:cNvGrpSpPr/>
           <p:nvPr/>
         </p:nvGrpSpPr>
         <p:grpSpPr>
           <a:xfrm>
             <a:off x="626400" y="254520"/>
-            <a:ext cx="11250000" cy="981720"/>
+            <a:ext cx="11249640" cy="981360"/>
             <a:chOff x="626400" y="254520"/>
-            <a:chExt cx="11250000" cy="981720"/>
+            <a:chExt cx="11249640" cy="981360"/>
           </a:xfrm>
         </p:grpSpPr>
         <p:pic>
           <p:nvPicPr>
-            <p:cNvPr id="149" name="Google Shape;288;g1f213c8c16b_0_ 3" descr=""/>
+            <p:cNvPr id="144" name="Google Shape;330;g1f213c8c16b_0_222" descr=""/>
             <p:cNvPicPr/>
             <p:nvPr/>
           </p:nvPicPr>
           <p:blipFill>
-            <a:blip r:embed="rId4"/>
+            <a:blip r:embed="rId6"/>
             <a:stretch/>
           </p:blipFill>
           <p:spPr>
             <a:xfrm>
               <a:off x="10059840" y="254520"/>
-              <a:ext cx="1816560" cy="981720"/>
+              <a:ext cx="1816200" cy="981360"/>
             </a:xfrm>
             <a:prstGeom prst="rect">
               <a:avLst/>
@@ -10721,18 +9692,18 @@
         </p:pic>
         <p:pic>
           <p:nvPicPr>
-            <p:cNvPr id="150" name="Google Shape;289;g1f213c8c16b_0_ 3" descr=""/>
+            <p:cNvPr id="145" name="Google Shape;331;g1f213c8c16b_0_222" descr=""/>
             <p:cNvPicPr/>
             <p:nvPr/>
           </p:nvPicPr>
           <p:blipFill>
-            <a:blip r:embed="rId5"/>
+            <a:blip r:embed="rId7"/>
             <a:stretch/>
           </p:blipFill>
           <p:spPr>
             <a:xfrm>
               <a:off x="626400" y="484200"/>
-              <a:ext cx="1504440" cy="523080"/>
+              <a:ext cx="1504080" cy="522720"/>
             </a:xfrm>
             <a:prstGeom prst="rect">
               <a:avLst/>
@@ -10743,432 +9714,6 @@
           </p:spPr>
         </p:pic>
       </p:grpSp>
-      <p:sp>
-        <p:nvSpPr>
-          <p:cNvPr id="151" name="Google Shape;253;g1f213c8c16b_0_ 3"/>
-          <p:cNvSpPr/>
-          <p:nvPr/>
-        </p:nvSpPr>
-        <p:spPr>
-          <a:xfrm>
-            <a:off x="1440000" y="1080000"/>
-            <a:ext cx="9359640" cy="638280"/>
-          </a:xfrm>
-          <a:prstGeom prst="rect">
-            <a:avLst/>
-          </a:prstGeom>
-          <a:noFill/>
-          <a:ln w="0">
-            <a:noFill/>
-          </a:ln>
-        </p:spPr>
-        <p:style>
-          <a:lnRef idx="0"/>
-          <a:fillRef idx="0"/>
-          <a:effectRef idx="0"/>
-          <a:fontRef idx="minor"/>
-        </p:style>
-        <p:txBody>
-          <a:bodyPr lIns="90000" rIns="90000" tIns="45000" bIns="45000" anchor="t">
-            <a:spAutoFit/>
-          </a:bodyPr>
-          <a:p>
-            <a:pPr algn="ctr">
-              <a:lnSpc>
-                <a:spcPct val="100000"/>
-              </a:lnSpc>
-              <a:spcBef>
-                <a:spcPts val="1191"/>
-              </a:spcBef>
-              <a:spcAft>
-                <a:spcPts val="992"/>
-              </a:spcAft>
-              <a:tabLst>
-                <a:tab algn="l" pos="0"/>
-              </a:tabLst>
-            </a:pPr>
-            <a:r>
-              <a:rPr b="0" lang="es-CO" sz="3600" spc="-1" strike="noStrike">
-                <a:solidFill>
-                  <a:schemeClr val="lt1"/>
-                </a:solidFill>
-                <a:latin typeface="Nunito Sans Black"/>
-                <a:ea typeface="Nunito Sans Black"/>
-              </a:rPr>
-              <a:t>Representaciones</a:t>
-            </a:r>
-            <a:endParaRPr b="0" lang="es-CO" sz="3600" spc="-1" strike="noStrike">
-              <a:solidFill>
-                <a:srgbClr val="000000"/>
-              </a:solidFill>
-              <a:latin typeface="Arial"/>
-            </a:endParaRPr>
-          </a:p>
-        </p:txBody>
-      </p:sp>
-      <p:sp>
-        <p:nvSpPr>
-          <p:cNvPr id="152" name=""/>
-          <p:cNvSpPr/>
-          <p:nvPr/>
-        </p:nvSpPr>
-        <p:spPr>
-          <a:xfrm>
-            <a:off x="1271880" y="1232280"/>
-            <a:ext cx="3947760" cy="486360"/>
-          </a:xfrm>
-          <a:prstGeom prst="rect">
-            <a:avLst/>
-          </a:prstGeom>
-          <a:noFill/>
-          <a:ln w="0">
-            <a:noFill/>
-          </a:ln>
-        </p:spPr>
-        <p:style>
-          <a:lnRef idx="0"/>
-          <a:fillRef idx="0"/>
-          <a:effectRef idx="0"/>
-          <a:fontRef idx="minor"/>
-        </p:style>
-        <p:txBody>
-          <a:bodyPr wrap="none" lIns="90000" rIns="90000" tIns="45000" bIns="45000" anchor="t">
-            <a:noAutofit/>
-          </a:bodyPr>
-          <a:p>
-            <a:endParaRPr b="0" lang="es-CO" sz="1800" spc="-1" strike="noStrike">
-              <a:solidFill>
-                <a:srgbClr val="000000"/>
-              </a:solidFill>
-              <a:latin typeface="Arial"/>
-            </a:endParaRPr>
-          </a:p>
-        </p:txBody>
-      </p:sp>
-      <p:pic>
-        <p:nvPicPr>
-          <p:cNvPr id="153" name="" descr=""/>
-          <p:cNvPicPr/>
-          <p:nvPr/>
-        </p:nvPicPr>
-        <p:blipFill>
-          <a:blip r:embed="rId6"/>
-          <a:stretch/>
-        </p:blipFill>
-        <p:spPr>
-          <a:xfrm>
-            <a:off x="3060000" y="2520000"/>
-            <a:ext cx="5797440" cy="3086640"/>
-          </a:xfrm>
-          <a:prstGeom prst="rect">
-            <a:avLst/>
-          </a:prstGeom>
-          <a:ln w="0">
-            <a:noFill/>
-          </a:ln>
-        </p:spPr>
-      </p:pic>
-    </p:spTree>
-  </p:cSld>
-  <mc:AlternateContent>
-    <mc:Choice Requires="p14">
-      <p:transition spd="slow" p14:dur="2000"/>
-    </mc:Choice>
-    <mc:Fallback>
-      <p:transition spd="slow"/>
-    </mc:Fallback>
-  </mc:AlternateContent>
-</p:sld>
-</file>
-
-<file path=ppt/slides/slide9.xml><?xml version="1.0" encoding="utf-8"?>
-<p:sld xmlns:a="http://schemas.openxmlformats.org/drawingml/2006/main" xmlns:p="http://schemas.openxmlformats.org/presentationml/2006/main" xmlns:r="http://schemas.openxmlformats.org/officeDocument/2006/relationships" xmlns:p14="http://schemas.microsoft.com/office/powerpoint/2010/main" xmlns:p15="http://schemas.microsoft.com/office/powerpoint/2012/main" xmlns:mc="http://schemas.openxmlformats.org/markup-compatibility/2006">
-  <p:cSld>
-    <p:spTree>
-      <p:nvGrpSpPr>
-        <p:cNvPr id="1" name=""/>
-        <p:cNvGrpSpPr/>
-        <p:nvPr/>
-      </p:nvGrpSpPr>
-      <p:grpSpPr>
-        <a:xfrm>
-          <a:off x="0" y="0"/>
-          <a:ext cx="0" cy="0"/>
-          <a:chOff x="0" y="0"/>
-          <a:chExt cx="0" cy="0"/>
-        </a:xfrm>
-      </p:grpSpPr>
-      <p:grpSp>
-        <p:nvGrpSpPr>
-          <p:cNvPr id="154" name="Google Shape;266;g1f213c8c16b_0_ 4"/>
-          <p:cNvGrpSpPr/>
-          <p:nvPr/>
-        </p:nvGrpSpPr>
-        <p:grpSpPr>
-          <a:xfrm>
-            <a:off x="360" y="-17640"/>
-            <a:ext cx="12190680" cy="6856560"/>
-            <a:chOff x="360" y="-17640"/>
-            <a:chExt cx="12190680" cy="6856560"/>
-          </a:xfrm>
-        </p:grpSpPr>
-        <p:pic>
-          <p:nvPicPr>
-            <p:cNvPr id="155" name="Google Shape;267;g1f213c8c16b_0_ 4" descr=""/>
-            <p:cNvPicPr/>
-            <p:nvPr/>
-          </p:nvPicPr>
-          <p:blipFill>
-            <a:blip r:embed="rId1"/>
-            <a:srcRect l="7813" t="0" r="7813" b="7535"/>
-            <a:stretch/>
-          </p:blipFill>
-          <p:spPr>
-            <a:xfrm>
-              <a:off x="360" y="-17640"/>
-              <a:ext cx="12190680" cy="6856560"/>
-            </a:xfrm>
-            <a:prstGeom prst="rect">
-              <a:avLst/>
-            </a:prstGeom>
-            <a:ln w="0">
-              <a:noFill/>
-            </a:ln>
-          </p:spPr>
-        </p:pic>
-        <p:pic>
-          <p:nvPicPr>
-            <p:cNvPr id="156" name="Google Shape;268;g1f213c8c16b_0_ 4" descr=""/>
-            <p:cNvPicPr/>
-            <p:nvPr/>
-          </p:nvPicPr>
-          <p:blipFill>
-            <a:blip r:embed="rId2"/>
-            <a:stretch/>
-          </p:blipFill>
-          <p:spPr>
-            <a:xfrm>
-              <a:off x="360" y="-17640"/>
-              <a:ext cx="12190680" cy="6856560"/>
-            </a:xfrm>
-            <a:prstGeom prst="rect">
-              <a:avLst/>
-            </a:prstGeom>
-            <a:ln w="0">
-              <a:noFill/>
-            </a:ln>
-          </p:spPr>
-        </p:pic>
-      </p:grpSp>
-      <p:pic>
-        <p:nvPicPr>
-          <p:cNvPr id="157" name="Google Shape;269;g1f213c8c16b_0_ 4" descr=""/>
-          <p:cNvPicPr/>
-          <p:nvPr/>
-        </p:nvPicPr>
-        <p:blipFill>
-          <a:blip r:embed="rId3"/>
-          <a:stretch/>
-        </p:blipFill>
-        <p:spPr>
-          <a:xfrm>
-            <a:off x="4815360" y="165600"/>
-            <a:ext cx="2337840" cy="1119240"/>
-          </a:xfrm>
-          <a:prstGeom prst="rect">
-            <a:avLst/>
-          </a:prstGeom>
-          <a:ln w="0">
-            <a:noFill/>
-          </a:ln>
-        </p:spPr>
-      </p:pic>
-      <p:grpSp>
-        <p:nvGrpSpPr>
-          <p:cNvPr id="158" name="Google Shape;287;g1f213c8c16b_0_ 4"/>
-          <p:cNvGrpSpPr/>
-          <p:nvPr/>
-        </p:nvGrpSpPr>
-        <p:grpSpPr>
-          <a:xfrm>
-            <a:off x="626400" y="254520"/>
-            <a:ext cx="11250000" cy="981720"/>
-            <a:chOff x="626400" y="254520"/>
-            <a:chExt cx="11250000" cy="981720"/>
-          </a:xfrm>
-        </p:grpSpPr>
-        <p:pic>
-          <p:nvPicPr>
-            <p:cNvPr id="159" name="Google Shape;288;g1f213c8c16b_0_ 4" descr=""/>
-            <p:cNvPicPr/>
-            <p:nvPr/>
-          </p:nvPicPr>
-          <p:blipFill>
-            <a:blip r:embed="rId4"/>
-            <a:stretch/>
-          </p:blipFill>
-          <p:spPr>
-            <a:xfrm>
-              <a:off x="10059840" y="254520"/>
-              <a:ext cx="1816560" cy="981720"/>
-            </a:xfrm>
-            <a:prstGeom prst="rect">
-              <a:avLst/>
-            </a:prstGeom>
-            <a:ln w="0">
-              <a:noFill/>
-            </a:ln>
-          </p:spPr>
-        </p:pic>
-        <p:pic>
-          <p:nvPicPr>
-            <p:cNvPr id="160" name="Google Shape;289;g1f213c8c16b_0_ 4" descr=""/>
-            <p:cNvPicPr/>
-            <p:nvPr/>
-          </p:nvPicPr>
-          <p:blipFill>
-            <a:blip r:embed="rId5"/>
-            <a:stretch/>
-          </p:blipFill>
-          <p:spPr>
-            <a:xfrm>
-              <a:off x="626400" y="484200"/>
-              <a:ext cx="1504440" cy="523080"/>
-            </a:xfrm>
-            <a:prstGeom prst="rect">
-              <a:avLst/>
-            </a:prstGeom>
-            <a:ln w="0">
-              <a:noFill/>
-            </a:ln>
-          </p:spPr>
-        </p:pic>
-      </p:grpSp>
-      <p:sp>
-        <p:nvSpPr>
-          <p:cNvPr id="161" name="Google Shape;253;g1f213c8c16b_0_ 4"/>
-          <p:cNvSpPr/>
-          <p:nvPr/>
-        </p:nvSpPr>
-        <p:spPr>
-          <a:xfrm>
-            <a:off x="1440000" y="1080000"/>
-            <a:ext cx="9359640" cy="638280"/>
-          </a:xfrm>
-          <a:prstGeom prst="rect">
-            <a:avLst/>
-          </a:prstGeom>
-          <a:noFill/>
-          <a:ln w="0">
-            <a:noFill/>
-          </a:ln>
-        </p:spPr>
-        <p:style>
-          <a:lnRef idx="0"/>
-          <a:fillRef idx="0"/>
-          <a:effectRef idx="0"/>
-          <a:fontRef idx="minor"/>
-        </p:style>
-        <p:txBody>
-          <a:bodyPr lIns="90000" rIns="90000" tIns="45000" bIns="45000" anchor="t">
-            <a:spAutoFit/>
-          </a:bodyPr>
-          <a:p>
-            <a:pPr algn="ctr">
-              <a:lnSpc>
-                <a:spcPct val="100000"/>
-              </a:lnSpc>
-              <a:spcBef>
-                <a:spcPts val="1191"/>
-              </a:spcBef>
-              <a:spcAft>
-                <a:spcPts val="992"/>
-              </a:spcAft>
-              <a:tabLst>
-                <a:tab algn="l" pos="0"/>
-              </a:tabLst>
-            </a:pPr>
-            <a:r>
-              <a:rPr b="0" lang="es-CO" sz="3600" spc="-1" strike="noStrike">
-                <a:solidFill>
-                  <a:schemeClr val="lt1"/>
-                </a:solidFill>
-                <a:latin typeface="Nunito Sans Black"/>
-                <a:ea typeface="Nunito Sans Black"/>
-              </a:rPr>
-              <a:t>Representaciones</a:t>
-            </a:r>
-            <a:endParaRPr b="0" lang="es-CO" sz="3600" spc="-1" strike="noStrike">
-              <a:solidFill>
-                <a:srgbClr val="000000"/>
-              </a:solidFill>
-              <a:latin typeface="Arial"/>
-            </a:endParaRPr>
-          </a:p>
-        </p:txBody>
-      </p:sp>
-      <p:sp>
-        <p:nvSpPr>
-          <p:cNvPr id="162" name=""/>
-          <p:cNvSpPr/>
-          <p:nvPr/>
-        </p:nvSpPr>
-        <p:spPr>
-          <a:xfrm>
-            <a:off x="1271880" y="1232280"/>
-            <a:ext cx="3947760" cy="486360"/>
-          </a:xfrm>
-          <a:prstGeom prst="rect">
-            <a:avLst/>
-          </a:prstGeom>
-          <a:noFill/>
-          <a:ln w="0">
-            <a:noFill/>
-          </a:ln>
-        </p:spPr>
-        <p:style>
-          <a:lnRef idx="0"/>
-          <a:fillRef idx="0"/>
-          <a:effectRef idx="0"/>
-          <a:fontRef idx="minor"/>
-        </p:style>
-        <p:txBody>
-          <a:bodyPr wrap="none" lIns="90000" rIns="90000" tIns="45000" bIns="45000" anchor="t">
-            <a:noAutofit/>
-          </a:bodyPr>
-          <a:p>
-            <a:endParaRPr b="0" lang="es-CO" sz="1800" spc="-1" strike="noStrike">
-              <a:solidFill>
-                <a:srgbClr val="000000"/>
-              </a:solidFill>
-              <a:latin typeface="Arial"/>
-            </a:endParaRPr>
-          </a:p>
-        </p:txBody>
-      </p:sp>
-      <p:pic>
-        <p:nvPicPr>
-          <p:cNvPr id="163" name="" descr=""/>
-          <p:cNvPicPr/>
-          <p:nvPr/>
-        </p:nvPicPr>
-        <p:blipFill>
-          <a:blip r:embed="rId6"/>
-          <a:stretch/>
-        </p:blipFill>
-        <p:spPr>
-          <a:xfrm>
-            <a:off x="1931760" y="2083320"/>
-            <a:ext cx="7968240" cy="4216680"/>
-          </a:xfrm>
-          <a:prstGeom prst="rect">
-            <a:avLst/>
-          </a:prstGeom>
-          <a:ln w="0">
-            <a:noFill/>
-          </a:ln>
-        </p:spPr>
-      </p:pic>
     </p:spTree>
   </p:cSld>
   <mc:AlternateContent>

--- a/Material pedagógico/Modulo 2/Clase 3/Clase 3 - Modulo 2.pptx
+++ b/Material pedagógico/Modulo 2/Clase 3/Clase 3 - Modulo 2.pptx
@@ -26,6 +26,9 @@
     <p:sldId id="261" r:id="rId19"/>
     <p:sldId id="262" r:id="rId20"/>
     <p:sldId id="263" r:id="rId21"/>
+    <p:sldId id="264" r:id="rId22"/>
+    <p:sldId id="265" r:id="rId23"/>
+    <p:sldId id="266" r:id="rId24"/>
   </p:sldIdLst>
   <p:sldSz cx="12192000" cy="6858000"/>
   <p:notesSz cx="6858000" cy="9144000"/>
@@ -356,7 +359,7 @@
             <a:pPr indent="0" algn="r">
               <a:buNone/>
             </a:pPr>
-            <a:fld id="{44DA557F-BC9A-45D3-A643-70390EF0A95E}" type="slidenum">
+            <a:fld id="{DF5AFF9E-A7B9-493E-ACD2-1C857883F2BA}" type="slidenum">
               <a:rPr b="0" lang="es-CO" sz="1400" spc="-1" strike="noStrike">
                 <a:solidFill>
                   <a:srgbClr val="000000"/>
@@ -399,7 +402,7 @@
       </p:grpSpPr>
       <p:sp>
         <p:nvSpPr>
-          <p:cNvPr id="146" name="PlaceHolder 1"/>
+          <p:cNvPr id="176" name="PlaceHolder 1"/>
           <p:cNvSpPr>
             <a:spLocks noGrp="1"/>
           </p:cNvSpPr>
@@ -422,7 +425,7 @@
       </p:sp>
       <p:sp>
         <p:nvSpPr>
-          <p:cNvPr id="147" name="PlaceHolder 2"/>
+          <p:cNvPr id="177" name="PlaceHolder 2"/>
           <p:cNvSpPr>
             <a:spLocks noGrp="1"/>
           </p:cNvSpPr>
@@ -462,7 +465,7 @@
       </p:sp>
       <p:sp>
         <p:nvSpPr>
-          <p:cNvPr id="148" name="PlaceHolder 3"/>
+          <p:cNvPr id="178" name="PlaceHolder 3"/>
           <p:cNvSpPr>
             <a:spLocks noGrp="1"/>
           </p:cNvSpPr>
@@ -514,7 +517,321 @@
                 <a:tab algn="l" pos="0"/>
               </a:tabLst>
             </a:pPr>
-            <a:fld id="{61FD5BD6-2DBA-4E9B-83EA-68C5C54C3FAF}" type="slidenum">
+            <a:fld id="{D3E20E34-9D2E-4136-9F91-25A6682B154C}" type="slidenum">
+              <a:rPr b="0" lang="es-CO" sz="1400" spc="-1" strike="noStrike">
+                <a:solidFill>
+                  <a:srgbClr val="000000"/>
+                </a:solidFill>
+                <a:latin typeface="Times New Roman"/>
+              </a:rPr>
+              <a:t>&lt;número&gt;</a:t>
+            </a:fld>
+            <a:endParaRPr b="0" lang="es-CO" sz="1400" spc="-1" strike="noStrike">
+              <a:solidFill>
+                <a:srgbClr val="000000"/>
+              </a:solidFill>
+              <a:latin typeface="Times New Roman"/>
+            </a:endParaRPr>
+          </a:p>
+        </p:txBody>
+      </p:sp>
+    </p:spTree>
+  </p:cSld>
+</p:notes>
+</file>
+
+<file path=ppt/notesSlides/notesSlide10.xml><?xml version="1.0" encoding="utf-8"?>
+<p:notes xmlns:a="http://schemas.openxmlformats.org/drawingml/2006/main" xmlns:p="http://schemas.openxmlformats.org/presentationml/2006/main" xmlns:r="http://schemas.openxmlformats.org/officeDocument/2006/relationships" xmlns:p14="http://schemas.microsoft.com/office/powerpoint/2010/main" xmlns:p15="http://schemas.microsoft.com/office/powerpoint/2012/main" xmlns:mc="http://schemas.openxmlformats.org/markup-compatibility/2006">
+  <p:cSld>
+    <p:spTree>
+      <p:nvGrpSpPr>
+        <p:cNvPr id="1" name=""/>
+        <p:cNvGrpSpPr/>
+        <p:nvPr/>
+      </p:nvGrpSpPr>
+      <p:grpSpPr>
+        <a:xfrm>
+          <a:off x="0" y="0"/>
+          <a:ext cx="0" cy="0"/>
+          <a:chOff x="0" y="0"/>
+          <a:chExt cx="0" cy="0"/>
+        </a:xfrm>
+      </p:grpSpPr>
+      <p:sp>
+        <p:nvSpPr>
+          <p:cNvPr id="203" name="PlaceHolder 1"/>
+          <p:cNvSpPr>
+            <a:spLocks noGrp="1"/>
+          </p:cNvSpPr>
+          <p:nvPr>
+            <p:ph type="sldImg"/>
+          </p:nvPr>
+        </p:nvSpPr>
+        <p:spPr>
+          <a:xfrm>
+            <a:off x="685800" y="1143000"/>
+            <a:ext cx="5484600" cy="3084480"/>
+          </a:xfrm>
+          <a:prstGeom prst="rect">
+            <a:avLst/>
+          </a:prstGeom>
+          <a:ln w="0">
+            <a:noFill/>
+          </a:ln>
+        </p:spPr>
+      </p:sp>
+      <p:sp>
+        <p:nvSpPr>
+          <p:cNvPr id="204" name="PlaceHolder 2"/>
+          <p:cNvSpPr>
+            <a:spLocks noGrp="1"/>
+          </p:cNvSpPr>
+          <p:nvPr>
+            <p:ph type="body"/>
+          </p:nvPr>
+        </p:nvSpPr>
+        <p:spPr>
+          <a:xfrm>
+            <a:off x="685800" y="4400640"/>
+            <a:ext cx="5484600" cy="3598920"/>
+          </a:xfrm>
+          <a:prstGeom prst="rect">
+            <a:avLst/>
+          </a:prstGeom>
+          <a:noFill/>
+          <a:ln w="0">
+            <a:noFill/>
+          </a:ln>
+        </p:spPr>
+        <p:txBody>
+          <a:bodyPr lIns="91440" rIns="91440" tIns="45720" bIns="45720" anchor="t">
+            <a:noAutofit/>
+          </a:bodyPr>
+          <a:p>
+            <a:pPr marL="216000" indent="-216000">
+              <a:buNone/>
+            </a:pPr>
+            <a:endParaRPr b="0" lang="es-CO" sz="1800" spc="-1" strike="noStrike">
+              <a:solidFill>
+                <a:srgbClr val="000000"/>
+              </a:solidFill>
+              <a:latin typeface="Arial"/>
+            </a:endParaRPr>
+          </a:p>
+        </p:txBody>
+      </p:sp>
+      <p:sp>
+        <p:nvSpPr>
+          <p:cNvPr id="205" name="PlaceHolder 3"/>
+          <p:cNvSpPr>
+            <a:spLocks noGrp="1"/>
+          </p:cNvSpPr>
+          <p:nvPr>
+            <p:ph type="sldNum" idx="46"/>
+          </p:nvPr>
+        </p:nvSpPr>
+        <p:spPr>
+          <a:xfrm>
+            <a:off x="3884760" y="8685360"/>
+            <a:ext cx="2970000" cy="456840"/>
+          </a:xfrm>
+          <a:prstGeom prst="rect">
+            <a:avLst/>
+          </a:prstGeom>
+          <a:noFill/>
+          <a:ln w="0">
+            <a:noFill/>
+          </a:ln>
+        </p:spPr>
+        <p:txBody>
+          <a:bodyPr lIns="91440" rIns="91440" tIns="45720" bIns="45720" anchor="b">
+            <a:noAutofit/>
+          </a:bodyPr>
+          <a:lstStyle>
+            <a:lvl1pPr indent="0" algn="r">
+              <a:lnSpc>
+                <a:spcPct val="100000"/>
+              </a:lnSpc>
+              <a:buNone/>
+              <a:tabLst>
+                <a:tab algn="l" pos="0"/>
+              </a:tabLst>
+              <a:defRPr b="0" lang="es-CO" sz="1400" spc="-1" strike="noStrike">
+                <a:solidFill>
+                  <a:srgbClr val="000000"/>
+                </a:solidFill>
+                <a:latin typeface="Times New Roman"/>
+              </a:defRPr>
+            </a:lvl1pPr>
+          </a:lstStyle>
+          <a:p>
+            <a:pPr indent="0" algn="r">
+              <a:lnSpc>
+                <a:spcPct val="100000"/>
+              </a:lnSpc>
+              <a:buNone/>
+              <a:tabLst>
+                <a:tab algn="l" pos="0"/>
+              </a:tabLst>
+            </a:pPr>
+            <a:fld id="{D8ACCC9C-4732-4A0F-A6F0-B539A296B621}" type="slidenum">
+              <a:rPr b="0" lang="es-CO" sz="1400" spc="-1" strike="noStrike">
+                <a:solidFill>
+                  <a:srgbClr val="000000"/>
+                </a:solidFill>
+                <a:latin typeface="Times New Roman"/>
+              </a:rPr>
+              <a:t>&lt;número&gt;</a:t>
+            </a:fld>
+            <a:endParaRPr b="0" lang="es-CO" sz="1400" spc="-1" strike="noStrike">
+              <a:solidFill>
+                <a:srgbClr val="000000"/>
+              </a:solidFill>
+              <a:latin typeface="Times New Roman"/>
+            </a:endParaRPr>
+          </a:p>
+        </p:txBody>
+      </p:sp>
+    </p:spTree>
+  </p:cSld>
+</p:notes>
+</file>
+
+<file path=ppt/notesSlides/notesSlide11.xml><?xml version="1.0" encoding="utf-8"?>
+<p:notes xmlns:a="http://schemas.openxmlformats.org/drawingml/2006/main" xmlns:p="http://schemas.openxmlformats.org/presentationml/2006/main" xmlns:r="http://schemas.openxmlformats.org/officeDocument/2006/relationships" xmlns:p14="http://schemas.microsoft.com/office/powerpoint/2010/main" xmlns:p15="http://schemas.microsoft.com/office/powerpoint/2012/main" xmlns:mc="http://schemas.openxmlformats.org/markup-compatibility/2006">
+  <p:cSld>
+    <p:spTree>
+      <p:nvGrpSpPr>
+        <p:cNvPr id="1" name=""/>
+        <p:cNvGrpSpPr/>
+        <p:nvPr/>
+      </p:nvGrpSpPr>
+      <p:grpSpPr>
+        <a:xfrm>
+          <a:off x="0" y="0"/>
+          <a:ext cx="0" cy="0"/>
+          <a:chOff x="0" y="0"/>
+          <a:chExt cx="0" cy="0"/>
+        </a:xfrm>
+      </p:grpSpPr>
+      <p:sp>
+        <p:nvSpPr>
+          <p:cNvPr id="206" name="PlaceHolder 1"/>
+          <p:cNvSpPr>
+            <a:spLocks noGrp="1"/>
+          </p:cNvSpPr>
+          <p:nvPr>
+            <p:ph type="sldImg"/>
+          </p:nvPr>
+        </p:nvSpPr>
+        <p:spPr>
+          <a:xfrm>
+            <a:off x="685800" y="1143000"/>
+            <a:ext cx="5484600" cy="3084480"/>
+          </a:xfrm>
+          <a:prstGeom prst="rect">
+            <a:avLst/>
+          </a:prstGeom>
+          <a:ln w="0">
+            <a:noFill/>
+          </a:ln>
+        </p:spPr>
+      </p:sp>
+      <p:sp>
+        <p:nvSpPr>
+          <p:cNvPr id="207" name="PlaceHolder 2"/>
+          <p:cNvSpPr>
+            <a:spLocks noGrp="1"/>
+          </p:cNvSpPr>
+          <p:nvPr>
+            <p:ph type="body"/>
+          </p:nvPr>
+        </p:nvSpPr>
+        <p:spPr>
+          <a:xfrm>
+            <a:off x="685800" y="4400640"/>
+            <a:ext cx="5484600" cy="3598920"/>
+          </a:xfrm>
+          <a:prstGeom prst="rect">
+            <a:avLst/>
+          </a:prstGeom>
+          <a:noFill/>
+          <a:ln w="0">
+            <a:noFill/>
+          </a:ln>
+        </p:spPr>
+        <p:txBody>
+          <a:bodyPr lIns="91440" rIns="91440" tIns="45720" bIns="45720" anchor="t">
+            <a:noAutofit/>
+          </a:bodyPr>
+          <a:p>
+            <a:pPr marL="216000" indent="-216000">
+              <a:buNone/>
+            </a:pPr>
+            <a:endParaRPr b="0" lang="es-CO" sz="1800" spc="-1" strike="noStrike">
+              <a:solidFill>
+                <a:srgbClr val="000000"/>
+              </a:solidFill>
+              <a:latin typeface="Arial"/>
+            </a:endParaRPr>
+          </a:p>
+        </p:txBody>
+      </p:sp>
+      <p:sp>
+        <p:nvSpPr>
+          <p:cNvPr id="208" name="PlaceHolder 3"/>
+          <p:cNvSpPr>
+            <a:spLocks noGrp="1"/>
+          </p:cNvSpPr>
+          <p:nvPr>
+            <p:ph type="sldNum" idx="47"/>
+          </p:nvPr>
+        </p:nvSpPr>
+        <p:spPr>
+          <a:xfrm>
+            <a:off x="3884760" y="8685360"/>
+            <a:ext cx="2970000" cy="456840"/>
+          </a:xfrm>
+          <a:prstGeom prst="rect">
+            <a:avLst/>
+          </a:prstGeom>
+          <a:noFill/>
+          <a:ln w="0">
+            <a:noFill/>
+          </a:ln>
+        </p:spPr>
+        <p:txBody>
+          <a:bodyPr lIns="91440" rIns="91440" tIns="45720" bIns="45720" anchor="b">
+            <a:noAutofit/>
+          </a:bodyPr>
+          <a:lstStyle>
+            <a:lvl1pPr indent="0" algn="r">
+              <a:lnSpc>
+                <a:spcPct val="100000"/>
+              </a:lnSpc>
+              <a:buNone/>
+              <a:tabLst>
+                <a:tab algn="l" pos="0"/>
+              </a:tabLst>
+              <a:defRPr b="0" lang="es-CO" sz="1400" spc="-1" strike="noStrike">
+                <a:solidFill>
+                  <a:srgbClr val="000000"/>
+                </a:solidFill>
+                <a:latin typeface="Times New Roman"/>
+              </a:defRPr>
+            </a:lvl1pPr>
+          </a:lstStyle>
+          <a:p>
+            <a:pPr indent="0" algn="r">
+              <a:lnSpc>
+                <a:spcPct val="100000"/>
+              </a:lnSpc>
+              <a:buNone/>
+              <a:tabLst>
+                <a:tab algn="l" pos="0"/>
+              </a:tabLst>
+            </a:pPr>
+            <a:fld id="{4AAA903C-B20D-442E-BA50-C240852D53F1}" type="slidenum">
               <a:rPr b="0" lang="es-CO" sz="1400" spc="-1" strike="noStrike">
                 <a:solidFill>
                   <a:srgbClr val="000000"/>
@@ -556,7 +873,7 @@
       </p:grpSpPr>
       <p:sp>
         <p:nvSpPr>
-          <p:cNvPr id="149" name="PlaceHolder 1"/>
+          <p:cNvPr id="179" name="PlaceHolder 1"/>
           <p:cNvSpPr>
             <a:spLocks noGrp="1"/>
           </p:cNvSpPr>
@@ -579,7 +896,7 @@
       </p:sp>
       <p:sp>
         <p:nvSpPr>
-          <p:cNvPr id="150" name="PlaceHolder 2"/>
+          <p:cNvPr id="180" name="PlaceHolder 2"/>
           <p:cNvSpPr>
             <a:spLocks noGrp="1"/>
           </p:cNvSpPr>
@@ -619,7 +936,7 @@
       </p:sp>
       <p:sp>
         <p:nvSpPr>
-          <p:cNvPr id="151" name="PlaceHolder 3"/>
+          <p:cNvPr id="181" name="PlaceHolder 3"/>
           <p:cNvSpPr>
             <a:spLocks noGrp="1"/>
           </p:cNvSpPr>
@@ -671,7 +988,7 @@
                 <a:tab algn="l" pos="0"/>
               </a:tabLst>
             </a:pPr>
-            <a:fld id="{C2EA9E85-5A54-40D9-B129-720BD99DD0E7}" type="slidenum">
+            <a:fld id="{B7030202-6319-492F-AB5C-A8AF6F8FA72B}" type="slidenum">
               <a:rPr b="0" lang="es-CO" sz="1400" spc="-1" strike="noStrike">
                 <a:solidFill>
                   <a:srgbClr val="000000"/>
@@ -713,7 +1030,7 @@
       </p:grpSpPr>
       <p:sp>
         <p:nvSpPr>
-          <p:cNvPr id="152" name="PlaceHolder 1"/>
+          <p:cNvPr id="182" name="PlaceHolder 1"/>
           <p:cNvSpPr>
             <a:spLocks noGrp="1"/>
           </p:cNvSpPr>
@@ -736,7 +1053,7 @@
       </p:sp>
       <p:sp>
         <p:nvSpPr>
-          <p:cNvPr id="153" name="PlaceHolder 2"/>
+          <p:cNvPr id="183" name="PlaceHolder 2"/>
           <p:cNvSpPr>
             <a:spLocks noGrp="1"/>
           </p:cNvSpPr>
@@ -776,7 +1093,7 @@
       </p:sp>
       <p:sp>
         <p:nvSpPr>
-          <p:cNvPr id="154" name="PlaceHolder 3"/>
+          <p:cNvPr id="184" name="PlaceHolder 3"/>
           <p:cNvSpPr>
             <a:spLocks noGrp="1"/>
           </p:cNvSpPr>
@@ -828,7 +1145,7 @@
                 <a:tab algn="l" pos="0"/>
               </a:tabLst>
             </a:pPr>
-            <a:fld id="{C2DE4693-A01C-41D5-B88B-2CCE8170DBBA}" type="slidenum">
+            <a:fld id="{93CDA1E9-F23C-41E9-BC3E-03842486AB51}" type="slidenum">
               <a:rPr b="0" lang="es-CO" sz="1400" spc="-1" strike="noStrike">
                 <a:solidFill>
                   <a:srgbClr val="000000"/>
@@ -870,7 +1187,7 @@
       </p:grpSpPr>
       <p:sp>
         <p:nvSpPr>
-          <p:cNvPr id="155" name="PlaceHolder 1"/>
+          <p:cNvPr id="185" name="PlaceHolder 1"/>
           <p:cNvSpPr>
             <a:spLocks noGrp="1"/>
           </p:cNvSpPr>
@@ -893,7 +1210,7 @@
       </p:sp>
       <p:sp>
         <p:nvSpPr>
-          <p:cNvPr id="156" name="PlaceHolder 2"/>
+          <p:cNvPr id="186" name="PlaceHolder 2"/>
           <p:cNvSpPr>
             <a:spLocks noGrp="1"/>
           </p:cNvSpPr>
@@ -933,7 +1250,7 @@
       </p:sp>
       <p:sp>
         <p:nvSpPr>
-          <p:cNvPr id="157" name="PlaceHolder 3"/>
+          <p:cNvPr id="187" name="PlaceHolder 3"/>
           <p:cNvSpPr>
             <a:spLocks noGrp="1"/>
           </p:cNvSpPr>
@@ -985,7 +1302,7 @@
                 <a:tab algn="l" pos="0"/>
               </a:tabLst>
             </a:pPr>
-            <a:fld id="{249F0231-D01D-494E-92B3-DF46BF90AF16}" type="slidenum">
+            <a:fld id="{7A6E4783-416C-4212-AF25-A84F0BFA8489}" type="slidenum">
               <a:rPr b="0" lang="es-CO" sz="1400" spc="-1" strike="noStrike">
                 <a:solidFill>
                   <a:srgbClr val="000000"/>
@@ -1027,7 +1344,7 @@
       </p:grpSpPr>
       <p:sp>
         <p:nvSpPr>
-          <p:cNvPr id="158" name="PlaceHolder 1"/>
+          <p:cNvPr id="188" name="PlaceHolder 1"/>
           <p:cNvSpPr>
             <a:spLocks noGrp="1"/>
           </p:cNvSpPr>
@@ -1050,7 +1367,7 @@
       </p:sp>
       <p:sp>
         <p:nvSpPr>
-          <p:cNvPr id="159" name="PlaceHolder 2"/>
+          <p:cNvPr id="189" name="PlaceHolder 2"/>
           <p:cNvSpPr>
             <a:spLocks noGrp="1"/>
           </p:cNvSpPr>
@@ -1090,7 +1407,7 @@
       </p:sp>
       <p:sp>
         <p:nvSpPr>
-          <p:cNvPr id="160" name="PlaceHolder 3"/>
+          <p:cNvPr id="190" name="PlaceHolder 3"/>
           <p:cNvSpPr>
             <a:spLocks noGrp="1"/>
           </p:cNvSpPr>
@@ -1142,7 +1459,7 @@
                 <a:tab algn="l" pos="0"/>
               </a:tabLst>
             </a:pPr>
-            <a:fld id="{AED5C7C6-7705-47C1-8FDD-430058264BD2}" type="slidenum">
+            <a:fld id="{D209627C-39F5-44A6-A2BE-573E02A62BBF}" type="slidenum">
               <a:rPr b="0" lang="es-CO" sz="1400" spc="-1" strike="noStrike">
                 <a:solidFill>
                   <a:srgbClr val="000000"/>
@@ -1184,7 +1501,7 @@
       </p:grpSpPr>
       <p:sp>
         <p:nvSpPr>
-          <p:cNvPr id="161" name="PlaceHolder 1"/>
+          <p:cNvPr id="191" name="PlaceHolder 1"/>
           <p:cNvSpPr>
             <a:spLocks noGrp="1"/>
           </p:cNvSpPr>
@@ -1207,7 +1524,7 @@
       </p:sp>
       <p:sp>
         <p:nvSpPr>
-          <p:cNvPr id="162" name="PlaceHolder 2"/>
+          <p:cNvPr id="192" name="PlaceHolder 2"/>
           <p:cNvSpPr>
             <a:spLocks noGrp="1"/>
           </p:cNvSpPr>
@@ -1247,7 +1564,7 @@
       </p:sp>
       <p:sp>
         <p:nvSpPr>
-          <p:cNvPr id="163" name="PlaceHolder 3"/>
+          <p:cNvPr id="193" name="PlaceHolder 3"/>
           <p:cNvSpPr>
             <a:spLocks noGrp="1"/>
           </p:cNvSpPr>
@@ -1299,7 +1616,7 @@
                 <a:tab algn="l" pos="0"/>
               </a:tabLst>
             </a:pPr>
-            <a:fld id="{16343E11-0675-4C36-9117-00E20B18AC0B}" type="slidenum">
+            <a:fld id="{F5AD1218-7303-46DA-9FF8-C82233E80FB4}" type="slidenum">
               <a:rPr b="0" lang="es-CO" sz="1400" spc="-1" strike="noStrike">
                 <a:solidFill>
                   <a:srgbClr val="000000"/>
@@ -1341,7 +1658,7 @@
       </p:grpSpPr>
       <p:sp>
         <p:nvSpPr>
-          <p:cNvPr id="164" name="PlaceHolder 1"/>
+          <p:cNvPr id="194" name="PlaceHolder 1"/>
           <p:cNvSpPr>
             <a:spLocks noGrp="1"/>
           </p:cNvSpPr>
@@ -1364,7 +1681,7 @@
       </p:sp>
       <p:sp>
         <p:nvSpPr>
-          <p:cNvPr id="165" name="PlaceHolder 2"/>
+          <p:cNvPr id="195" name="PlaceHolder 2"/>
           <p:cNvSpPr>
             <a:spLocks noGrp="1"/>
           </p:cNvSpPr>
@@ -1404,7 +1721,7 @@
       </p:sp>
       <p:sp>
         <p:nvSpPr>
-          <p:cNvPr id="166" name="PlaceHolder 3"/>
+          <p:cNvPr id="196" name="PlaceHolder 3"/>
           <p:cNvSpPr>
             <a:spLocks noGrp="1"/>
           </p:cNvSpPr>
@@ -1456,7 +1773,7 @@
                 <a:tab algn="l" pos="0"/>
               </a:tabLst>
             </a:pPr>
-            <a:fld id="{AA351B3E-239E-43D4-A76F-36D7D8C04A85}" type="slidenum">
+            <a:fld id="{6EE8131B-F2AF-4D53-9983-350FB3CEE4E6}" type="slidenum">
               <a:rPr b="0" lang="es-CO" sz="1400" spc="-1" strike="noStrike">
                 <a:solidFill>
                   <a:srgbClr val="000000"/>
@@ -1498,7 +1815,7 @@
       </p:grpSpPr>
       <p:sp>
         <p:nvSpPr>
-          <p:cNvPr id="167" name="PlaceHolder 1"/>
+          <p:cNvPr id="197" name="PlaceHolder 1"/>
           <p:cNvSpPr>
             <a:spLocks noGrp="1"/>
           </p:cNvSpPr>
@@ -1521,7 +1838,7 @@
       </p:sp>
       <p:sp>
         <p:nvSpPr>
-          <p:cNvPr id="168" name="PlaceHolder 2"/>
+          <p:cNvPr id="198" name="PlaceHolder 2"/>
           <p:cNvSpPr>
             <a:spLocks noGrp="1"/>
           </p:cNvSpPr>
@@ -1561,7 +1878,7 @@
       </p:sp>
       <p:sp>
         <p:nvSpPr>
-          <p:cNvPr id="169" name="PlaceHolder 3"/>
+          <p:cNvPr id="199" name="PlaceHolder 3"/>
           <p:cNvSpPr>
             <a:spLocks noGrp="1"/>
           </p:cNvSpPr>
@@ -1613,7 +1930,164 @@
                 <a:tab algn="l" pos="0"/>
               </a:tabLst>
             </a:pPr>
-            <a:fld id="{18DEC43D-EC6F-4D9A-B2D7-1267BEC38C1D}" type="slidenum">
+            <a:fld id="{11DAFE82-68CB-4C2D-853D-853AF9FD2350}" type="slidenum">
+              <a:rPr b="0" lang="es-CO" sz="1400" spc="-1" strike="noStrike">
+                <a:solidFill>
+                  <a:srgbClr val="000000"/>
+                </a:solidFill>
+                <a:latin typeface="Times New Roman"/>
+              </a:rPr>
+              <a:t>&lt;número&gt;</a:t>
+            </a:fld>
+            <a:endParaRPr b="0" lang="es-CO" sz="1400" spc="-1" strike="noStrike">
+              <a:solidFill>
+                <a:srgbClr val="000000"/>
+              </a:solidFill>
+              <a:latin typeface="Times New Roman"/>
+            </a:endParaRPr>
+          </a:p>
+        </p:txBody>
+      </p:sp>
+    </p:spTree>
+  </p:cSld>
+</p:notes>
+</file>
+
+<file path=ppt/notesSlides/notesSlide9.xml><?xml version="1.0" encoding="utf-8"?>
+<p:notes xmlns:a="http://schemas.openxmlformats.org/drawingml/2006/main" xmlns:p="http://schemas.openxmlformats.org/presentationml/2006/main" xmlns:r="http://schemas.openxmlformats.org/officeDocument/2006/relationships" xmlns:p14="http://schemas.microsoft.com/office/powerpoint/2010/main" xmlns:p15="http://schemas.microsoft.com/office/powerpoint/2012/main" xmlns:mc="http://schemas.openxmlformats.org/markup-compatibility/2006">
+  <p:cSld>
+    <p:spTree>
+      <p:nvGrpSpPr>
+        <p:cNvPr id="1" name=""/>
+        <p:cNvGrpSpPr/>
+        <p:nvPr/>
+      </p:nvGrpSpPr>
+      <p:grpSpPr>
+        <a:xfrm>
+          <a:off x="0" y="0"/>
+          <a:ext cx="0" cy="0"/>
+          <a:chOff x="0" y="0"/>
+          <a:chExt cx="0" cy="0"/>
+        </a:xfrm>
+      </p:grpSpPr>
+      <p:sp>
+        <p:nvSpPr>
+          <p:cNvPr id="200" name="PlaceHolder 1"/>
+          <p:cNvSpPr>
+            <a:spLocks noGrp="1"/>
+          </p:cNvSpPr>
+          <p:nvPr>
+            <p:ph type="sldImg"/>
+          </p:nvPr>
+        </p:nvSpPr>
+        <p:spPr>
+          <a:xfrm>
+            <a:off x="685800" y="1143000"/>
+            <a:ext cx="5484600" cy="3084480"/>
+          </a:xfrm>
+          <a:prstGeom prst="rect">
+            <a:avLst/>
+          </a:prstGeom>
+          <a:ln w="0">
+            <a:noFill/>
+          </a:ln>
+        </p:spPr>
+      </p:sp>
+      <p:sp>
+        <p:nvSpPr>
+          <p:cNvPr id="201" name="PlaceHolder 2"/>
+          <p:cNvSpPr>
+            <a:spLocks noGrp="1"/>
+          </p:cNvSpPr>
+          <p:nvPr>
+            <p:ph type="body"/>
+          </p:nvPr>
+        </p:nvSpPr>
+        <p:spPr>
+          <a:xfrm>
+            <a:off x="685800" y="4400640"/>
+            <a:ext cx="5484600" cy="3598920"/>
+          </a:xfrm>
+          <a:prstGeom prst="rect">
+            <a:avLst/>
+          </a:prstGeom>
+          <a:noFill/>
+          <a:ln w="0">
+            <a:noFill/>
+          </a:ln>
+        </p:spPr>
+        <p:txBody>
+          <a:bodyPr lIns="91440" rIns="91440" tIns="45720" bIns="45720" anchor="t">
+            <a:noAutofit/>
+          </a:bodyPr>
+          <a:p>
+            <a:pPr marL="216000" indent="-216000">
+              <a:buNone/>
+            </a:pPr>
+            <a:endParaRPr b="0" lang="es-CO" sz="1800" spc="-1" strike="noStrike">
+              <a:solidFill>
+                <a:srgbClr val="000000"/>
+              </a:solidFill>
+              <a:latin typeface="Arial"/>
+            </a:endParaRPr>
+          </a:p>
+        </p:txBody>
+      </p:sp>
+      <p:sp>
+        <p:nvSpPr>
+          <p:cNvPr id="202" name="PlaceHolder 3"/>
+          <p:cNvSpPr>
+            <a:spLocks noGrp="1"/>
+          </p:cNvSpPr>
+          <p:nvPr>
+            <p:ph type="sldNum" idx="45"/>
+          </p:nvPr>
+        </p:nvSpPr>
+        <p:spPr>
+          <a:xfrm>
+            <a:off x="3884760" y="8685360"/>
+            <a:ext cx="2970000" cy="456840"/>
+          </a:xfrm>
+          <a:prstGeom prst="rect">
+            <a:avLst/>
+          </a:prstGeom>
+          <a:noFill/>
+          <a:ln w="0">
+            <a:noFill/>
+          </a:ln>
+        </p:spPr>
+        <p:txBody>
+          <a:bodyPr lIns="91440" rIns="91440" tIns="45720" bIns="45720" anchor="b">
+            <a:noAutofit/>
+          </a:bodyPr>
+          <a:lstStyle>
+            <a:lvl1pPr indent="0" algn="r">
+              <a:lnSpc>
+                <a:spcPct val="100000"/>
+              </a:lnSpc>
+              <a:buNone/>
+              <a:tabLst>
+                <a:tab algn="l" pos="0"/>
+              </a:tabLst>
+              <a:defRPr b="0" lang="es-CO" sz="1400" spc="-1" strike="noStrike">
+                <a:solidFill>
+                  <a:srgbClr val="000000"/>
+                </a:solidFill>
+                <a:latin typeface="Times New Roman"/>
+              </a:defRPr>
+            </a:lvl1pPr>
+          </a:lstStyle>
+          <a:p>
+            <a:pPr indent="0" algn="r">
+              <a:lnSpc>
+                <a:spcPct val="100000"/>
+              </a:lnSpc>
+              <a:buNone/>
+              <a:tabLst>
+                <a:tab algn="l" pos="0"/>
+              </a:tabLst>
+            </a:pPr>
+            <a:fld id="{792F793B-CCA8-4026-9555-A6ED43E29879}" type="slidenum">
               <a:rPr b="0" lang="es-CO" sz="1400" spc="-1" strike="noStrike">
                 <a:solidFill>
                   <a:srgbClr val="000000"/>
@@ -1687,7 +2161,7 @@
         <p:txBody>
           <a:bodyPr/>
           <a:p>
-            <a:fld id="{721EAD1E-B93E-4D8C-BA79-C86CCE8CC78E}" type="slidenum">
+            <a:fld id="{4B953995-D81B-4BCF-A180-5839B9375BD0}" type="slidenum">
               <a:t>&lt;#&gt;</a:t>
             </a:fld>
           </a:p>
@@ -1770,7 +2244,7 @@
         <p:txBody>
           <a:bodyPr/>
           <a:p>
-            <a:fld id="{ED3A4995-1844-4B39-A0F4-0EEC8F875645}" type="slidenum">
+            <a:fld id="{8DEB5AC1-AD47-4F71-A856-6DC298B69AFB}" type="slidenum">
               <a:t>&lt;#&gt;</a:t>
             </a:fld>
           </a:p>
@@ -1853,7 +2327,7 @@
         <p:txBody>
           <a:bodyPr/>
           <a:p>
-            <a:fld id="{3D364275-316E-4490-9AFD-7CC24A8DDA23}" type="slidenum">
+            <a:fld id="{875796D0-D7F1-41A0-8699-F2C6A8E2823A}" type="slidenum">
               <a:t>&lt;#&gt;</a:t>
             </a:fld>
           </a:p>
@@ -1936,7 +2410,7 @@
         <p:txBody>
           <a:bodyPr/>
           <a:p>
-            <a:fld id="{F003C3BF-343F-4DC3-846F-078B60DD835D}" type="slidenum">
+            <a:fld id="{8D72971A-7EC0-4430-9B66-640D698789FF}" type="slidenum">
               <a:t>&lt;#&gt;</a:t>
             </a:fld>
           </a:p>
@@ -2019,7 +2493,7 @@
         <p:txBody>
           <a:bodyPr/>
           <a:p>
-            <a:fld id="{60014C9E-7444-4D36-8774-3F475D6B1637}" type="slidenum">
+            <a:fld id="{393424EE-7FF8-4074-97F3-12093397ED75}" type="slidenum">
               <a:t>&lt;#&gt;</a:t>
             </a:fld>
           </a:p>
@@ -2182,7 +2656,7 @@
         <p:txBody>
           <a:bodyPr/>
           <a:p>
-            <a:fld id="{011485FE-2010-4243-8331-CF5E898D4A62}" type="slidenum">
+            <a:fld id="{0D3AA306-0AB7-4F31-89E7-29A321DEF2A2}" type="slidenum">
               <a:t>&lt;#&gt;</a:t>
             </a:fld>
           </a:p>
@@ -2348,7 +2822,7 @@
         <p:txBody>
           <a:bodyPr/>
           <a:p>
-            <a:fld id="{EC17214C-C143-489F-9651-90FFC82BBF4B}" type="slidenum">
+            <a:fld id="{9DCCC129-4EE9-431B-B4FA-CD7168081A21}" type="slidenum">
               <a:t>&lt;#&gt;</a:t>
             </a:fld>
           </a:p>
@@ -2431,7 +2905,7 @@
         <p:txBody>
           <a:bodyPr/>
           <a:p>
-            <a:fld id="{DDA20E0B-B9A2-4D23-9CA6-5CC76F98B481}" type="slidenum">
+            <a:fld id="{485CBD4F-CF5C-40C0-A174-FEA8DF852D18}" type="slidenum">
               <a:t>&lt;#&gt;</a:t>
             </a:fld>
           </a:p>
@@ -2640,7 +3114,7 @@
         <p:txBody>
           <a:bodyPr/>
           <a:p>
-            <a:fld id="{DE5DB131-619E-4009-9202-FE8BF22DFF9E}" type="slidenum">
+            <a:fld id="{4B7E527D-5744-41AE-A72E-1D9D3A9EB1AE}" type="slidenum">
               <a:t>&lt;#&gt;</a:t>
             </a:fld>
           </a:p>
@@ -2723,7 +3197,7 @@
         <p:txBody>
           <a:bodyPr/>
           <a:p>
-            <a:fld id="{C0C12642-150C-4A96-A440-58E696D995C5}" type="slidenum">
+            <a:fld id="{4D0BF987-8AEC-42AC-8B6C-3ACD930EFDE0}" type="slidenum">
               <a:t>&lt;#&gt;</a:t>
             </a:fld>
           </a:p>
@@ -2846,7 +3320,7 @@
         <p:txBody>
           <a:bodyPr/>
           <a:p>
-            <a:fld id="{1731BCF6-6B30-4BF2-BAFF-C63C08DCE3CF}" type="slidenum">
+            <a:fld id="{42595238-C232-43B3-A18E-45BD2AE5D743}" type="slidenum">
               <a:t>&lt;#&gt;</a:t>
             </a:fld>
           </a:p>
@@ -3029,7 +3503,7 @@
                 <a:tab algn="l" pos="0"/>
               </a:tabLst>
             </a:pPr>
-            <a:fld id="{C654CABA-64FB-4A5F-B8B3-62BC7C3BB229}" type="slidenum">
+            <a:fld id="{20AB2A53-AF79-40AB-AF0D-7200995E77DE}" type="slidenum">
               <a:rPr b="0" lang="es-CO" sz="1200" spc="-1" strike="noStrike">
                 <a:solidFill>
                   <a:srgbClr val="888888"/>
@@ -3542,7 +4016,7 @@
                 <a:tab algn="l" pos="0"/>
               </a:tabLst>
             </a:pPr>
-            <a:fld id="{362091D1-ECAB-41DC-967F-FE5176082C92}" type="slidenum">
+            <a:fld id="{DECDD381-0F62-4701-B526-40B5434F7350}" type="slidenum">
               <a:rPr b="0" lang="es-CO" sz="1200" spc="-1" strike="noStrike">
                 <a:solidFill>
                   <a:srgbClr val="888888"/>
@@ -3781,7 +4255,7 @@
                 <a:tab algn="l" pos="0"/>
               </a:tabLst>
             </a:pPr>
-            <a:fld id="{8F558EAC-29AA-47AF-A726-AB3EF0B627AB}" type="slidenum">
+            <a:fld id="{6EF4F26F-37D0-493D-8757-2A631CEB9C01}" type="slidenum">
               <a:rPr b="0" lang="es-CO" sz="1200" spc="-1" strike="noStrike">
                 <a:solidFill>
                   <a:srgbClr val="888888"/>
@@ -4020,7 +4494,7 @@
                 <a:tab algn="l" pos="0"/>
               </a:tabLst>
             </a:pPr>
-            <a:fld id="{40315ECD-EB73-404A-BEDB-39AC9ECB9FDC}" type="slidenum">
+            <a:fld id="{FFC99C83-62BF-43C2-934F-838CC7240EAD}" type="slidenum">
               <a:rPr b="0" lang="es-CO" sz="1200" spc="-1" strike="noStrike">
                 <a:solidFill>
                   <a:srgbClr val="888888"/>
@@ -4259,7 +4733,7 @@
                 <a:tab algn="l" pos="0"/>
               </a:tabLst>
             </a:pPr>
-            <a:fld id="{F6727436-019F-4DA1-9290-1C1ACC19916B}" type="slidenum">
+            <a:fld id="{3BDC9CFE-E13F-4311-898A-304D77A14E23}" type="slidenum">
               <a:rPr b="0" lang="es-CO" sz="1200" spc="-1" strike="noStrike">
                 <a:solidFill>
                   <a:srgbClr val="888888"/>
@@ -4547,7 +5021,7 @@
                 <a:tab algn="l" pos="0"/>
               </a:tabLst>
             </a:pPr>
-            <a:fld id="{6F8266EC-C580-4480-8F41-1CF969165BBD}" type="slidenum">
+            <a:fld id="{A737ACE5-C6B1-4924-BC3D-075EF9CB106F}" type="slidenum">
               <a:rPr b="0" lang="es-CO" sz="1200" spc="-1" strike="noStrike">
                 <a:solidFill>
                   <a:srgbClr val="888888"/>
@@ -5060,7 +5534,7 @@
                 <a:tab algn="l" pos="0"/>
               </a:tabLst>
             </a:pPr>
-            <a:fld id="{07BB0828-CBBB-4094-BFF5-7C840D219772}" type="slidenum">
+            <a:fld id="{2659D5C8-62BD-46EF-BEA7-30EC3FAB08AF}" type="slidenum">
               <a:rPr b="0" lang="es-CO" sz="1200" spc="-1" strike="noStrike">
                 <a:solidFill>
                   <a:srgbClr val="888888"/>
@@ -5299,7 +5773,7 @@
                 <a:tab algn="l" pos="0"/>
               </a:tabLst>
             </a:pPr>
-            <a:fld id="{38D54D36-A86E-400B-8E48-0B963CA09BB4}" type="slidenum">
+            <a:fld id="{337E6B8A-B589-404E-97CE-6A0C6AE7ADEC}" type="slidenum">
               <a:rPr b="0" lang="es-CO" sz="1200" spc="-1" strike="noStrike">
                 <a:solidFill>
                   <a:srgbClr val="888888"/>
@@ -6037,7 +6511,7 @@
                 <a:tab algn="l" pos="0"/>
               </a:tabLst>
             </a:pPr>
-            <a:fld id="{8ED716AF-4F4A-4787-B5DA-642BEB4E437C}" type="slidenum">
+            <a:fld id="{103DDE3A-81DE-44F8-A01A-5B44153B2596}" type="slidenum">
               <a:rPr b="0" lang="es-CO" sz="1200" spc="-1" strike="noStrike">
                 <a:solidFill>
                   <a:srgbClr val="888888"/>
@@ -6276,7 +6750,7 @@
                 <a:tab algn="l" pos="0"/>
               </a:tabLst>
             </a:pPr>
-            <a:fld id="{CB25A44E-9A30-4DC5-A153-0673B9C6512F}" type="slidenum">
+            <a:fld id="{CFD792C4-20DF-4325-B272-E1080A359397}" type="slidenum">
               <a:rPr b="0" lang="es-CO" sz="1200" spc="-1" strike="noStrike">
                 <a:solidFill>
                   <a:srgbClr val="888888"/>
@@ -6564,7 +7038,7 @@
                 <a:tab algn="l" pos="0"/>
               </a:tabLst>
             </a:pPr>
-            <a:fld id="{96C955D3-4F4F-47F3-AE4B-6D6A6FAB5B40}" type="slidenum">
+            <a:fld id="{DE4FD034-CD70-4BED-94A3-D209ADA93016}" type="slidenum">
               <a:rPr b="0" lang="es-CO" sz="1200" spc="-1" strike="noStrike">
                 <a:solidFill>
                   <a:srgbClr val="888888"/>
@@ -7071,6 +7545,454 @@
           </a:p>
         </p:txBody>
       </p:sp>
+    </p:spTree>
+  </p:cSld>
+  <mc:AlternateContent>
+    <mc:Choice Requires="p14">
+      <p:transition spd="slow" p14:dur="2000"/>
+    </mc:Choice>
+    <mc:Fallback>
+      <p:transition spd="slow"/>
+    </mc:Fallback>
+  </mc:AlternateContent>
+</p:sld>
+</file>
+
+<file path=ppt/slides/slide10.xml><?xml version="1.0" encoding="utf-8"?>
+<p:sld xmlns:a="http://schemas.openxmlformats.org/drawingml/2006/main" xmlns:p="http://schemas.openxmlformats.org/presentationml/2006/main" xmlns:r="http://schemas.openxmlformats.org/officeDocument/2006/relationships" xmlns:p14="http://schemas.microsoft.com/office/powerpoint/2010/main" xmlns:p15="http://schemas.microsoft.com/office/powerpoint/2012/main" xmlns:mc="http://schemas.openxmlformats.org/markup-compatibility/2006">
+  <p:cSld>
+    <p:spTree>
+      <p:nvGrpSpPr>
+        <p:cNvPr id="1" name=""/>
+        <p:cNvGrpSpPr/>
+        <p:nvPr/>
+      </p:nvGrpSpPr>
+      <p:grpSpPr>
+        <a:xfrm>
+          <a:off x="0" y="0"/>
+          <a:ext cx="0" cy="0"/>
+          <a:chOff x="0" y="0"/>
+          <a:chExt cx="0" cy="0"/>
+        </a:xfrm>
+      </p:grpSpPr>
+      <p:pic>
+        <p:nvPicPr>
+          <p:cNvPr id="160" name="Google Shape;311;g1f213c8c16b_0_211" descr=""/>
+          <p:cNvPicPr/>
+          <p:nvPr/>
+        </p:nvPicPr>
+        <p:blipFill>
+          <a:blip r:embed="rId1"/>
+          <a:stretch/>
+        </p:blipFill>
+        <p:spPr>
+          <a:xfrm>
+            <a:off x="3965040" y="4641120"/>
+            <a:ext cx="4088160" cy="1335600"/>
+          </a:xfrm>
+          <a:prstGeom prst="rect">
+            <a:avLst/>
+          </a:prstGeom>
+          <a:ln w="0">
+            <a:noFill/>
+          </a:ln>
+        </p:spPr>
+      </p:pic>
+      <p:sp>
+        <p:nvSpPr>
+          <p:cNvPr id="161" name="Google Shape;312;g1f213c8c16b_0_211"/>
+          <p:cNvSpPr/>
+          <p:nvPr/>
+        </p:nvSpPr>
+        <p:spPr>
+          <a:xfrm>
+            <a:off x="1228680" y="585000"/>
+            <a:ext cx="9564840" cy="1186920"/>
+          </a:xfrm>
+          <a:prstGeom prst="rect">
+            <a:avLst/>
+          </a:prstGeom>
+          <a:noFill/>
+          <a:ln w="0">
+            <a:noFill/>
+          </a:ln>
+        </p:spPr>
+        <p:style>
+          <a:lnRef idx="0"/>
+          <a:fillRef idx="0"/>
+          <a:effectRef idx="0"/>
+          <a:fontRef idx="minor"/>
+        </p:style>
+        <p:txBody>
+          <a:bodyPr lIns="90000" rIns="90000" tIns="45000" bIns="45000" anchor="t">
+            <a:spAutoFit/>
+          </a:bodyPr>
+          <a:p>
+            <a:pPr algn="ctr">
+              <a:lnSpc>
+                <a:spcPct val="100000"/>
+              </a:lnSpc>
+              <a:tabLst>
+                <a:tab algn="l" pos="0"/>
+              </a:tabLst>
+            </a:pPr>
+            <a:r>
+              <a:rPr b="0" lang="es-CO" sz="7200" spc="-1" strike="noStrike">
+                <a:solidFill>
+                  <a:srgbClr val="001059"/>
+                </a:solidFill>
+                <a:latin typeface="Nunito Sans Black"/>
+                <a:ea typeface="Nunito Sans Black"/>
+              </a:rPr>
+              <a:t>LOGOS:</a:t>
+            </a:r>
+            <a:endParaRPr b="0" lang="es-CO" sz="7200" spc="-1" strike="noStrike">
+              <a:solidFill>
+                <a:srgbClr val="000000"/>
+              </a:solidFill>
+              <a:latin typeface="Arial"/>
+            </a:endParaRPr>
+          </a:p>
+        </p:txBody>
+      </p:sp>
+      <p:pic>
+        <p:nvPicPr>
+          <p:cNvPr id="162" name="Google Shape;313;g1f213c8c16b_0_211" descr=""/>
+          <p:cNvPicPr/>
+          <p:nvPr/>
+        </p:nvPicPr>
+        <p:blipFill>
+          <a:blip r:embed="rId2"/>
+          <a:srcRect l="8004" t="20494" r="6931" b="16482"/>
+          <a:stretch/>
+        </p:blipFill>
+        <p:spPr>
+          <a:xfrm>
+            <a:off x="4869360" y="2808000"/>
+            <a:ext cx="2451240" cy="869760"/>
+          </a:xfrm>
+          <a:prstGeom prst="rect">
+            <a:avLst/>
+          </a:prstGeom>
+          <a:ln w="0">
+            <a:noFill/>
+          </a:ln>
+        </p:spPr>
+      </p:pic>
+      <p:pic>
+        <p:nvPicPr>
+          <p:cNvPr id="163" name="Google Shape;314;g1f213c8c16b_0_211" descr=""/>
+          <p:cNvPicPr/>
+          <p:nvPr/>
+        </p:nvPicPr>
+        <p:blipFill>
+          <a:blip r:embed="rId3"/>
+          <a:stretch/>
+        </p:blipFill>
+        <p:spPr>
+          <a:xfrm>
+            <a:off x="1228680" y="2808000"/>
+            <a:ext cx="1853280" cy="644760"/>
+          </a:xfrm>
+          <a:prstGeom prst="rect">
+            <a:avLst/>
+          </a:prstGeom>
+          <a:ln w="0">
+            <a:noFill/>
+          </a:ln>
+        </p:spPr>
+      </p:pic>
+      <p:pic>
+        <p:nvPicPr>
+          <p:cNvPr id="164" name="Google Shape;315;g1f213c8c16b_0_211" descr=""/>
+          <p:cNvPicPr/>
+          <p:nvPr/>
+        </p:nvPicPr>
+        <p:blipFill>
+          <a:blip r:embed="rId4"/>
+          <a:stretch/>
+        </p:blipFill>
+        <p:spPr>
+          <a:xfrm>
+            <a:off x="8579880" y="2695680"/>
+            <a:ext cx="2025720" cy="1094760"/>
+          </a:xfrm>
+          <a:prstGeom prst="rect">
+            <a:avLst/>
+          </a:prstGeom>
+          <a:ln w="0">
+            <a:noFill/>
+          </a:ln>
+        </p:spPr>
+      </p:pic>
+      <p:pic>
+        <p:nvPicPr>
+          <p:cNvPr id="165" name="Google Shape;316;g1f213c8c16b_0_211" descr=""/>
+          <p:cNvPicPr/>
+          <p:nvPr/>
+        </p:nvPicPr>
+        <p:blipFill>
+          <a:blip r:embed="rId5"/>
+          <a:stretch/>
+        </p:blipFill>
+        <p:spPr>
+          <a:xfrm>
+            <a:off x="597600" y="398520"/>
+            <a:ext cx="1086120" cy="377640"/>
+          </a:xfrm>
+          <a:prstGeom prst="rect">
+            <a:avLst/>
+          </a:prstGeom>
+          <a:ln w="0">
+            <a:noFill/>
+          </a:ln>
+        </p:spPr>
+      </p:pic>
+      <p:pic>
+        <p:nvPicPr>
+          <p:cNvPr id="166" name="Google Shape;317;g1f213c8c16b_0_211" descr=""/>
+          <p:cNvPicPr/>
+          <p:nvPr/>
+        </p:nvPicPr>
+        <p:blipFill>
+          <a:blip r:embed="rId6"/>
+          <a:stretch/>
+        </p:blipFill>
+        <p:spPr>
+          <a:xfrm>
+            <a:off x="10002240" y="199800"/>
+            <a:ext cx="1422360" cy="768240"/>
+          </a:xfrm>
+          <a:prstGeom prst="rect">
+            <a:avLst/>
+          </a:prstGeom>
+          <a:ln w="0">
+            <a:noFill/>
+          </a:ln>
+        </p:spPr>
+      </p:pic>
+    </p:spTree>
+  </p:cSld>
+  <mc:AlternateContent>
+    <mc:Choice Requires="p14">
+      <p:transition spd="slow" p14:dur="2000"/>
+    </mc:Choice>
+    <mc:Fallback>
+      <p:transition spd="slow"/>
+    </mc:Fallback>
+  </mc:AlternateContent>
+</p:sld>
+</file>
+
+<file path=ppt/slides/slide11.xml><?xml version="1.0" encoding="utf-8"?>
+<p:sld xmlns:a="http://schemas.openxmlformats.org/drawingml/2006/main" xmlns:p="http://schemas.openxmlformats.org/presentationml/2006/main" xmlns:r="http://schemas.openxmlformats.org/officeDocument/2006/relationships" xmlns:p14="http://schemas.microsoft.com/office/powerpoint/2010/main" xmlns:p15="http://schemas.microsoft.com/office/powerpoint/2012/main" xmlns:mc="http://schemas.openxmlformats.org/markup-compatibility/2006">
+  <p:cSld>
+    <p:spTree>
+      <p:nvGrpSpPr>
+        <p:cNvPr id="1" name=""/>
+        <p:cNvGrpSpPr/>
+        <p:nvPr/>
+      </p:nvGrpSpPr>
+      <p:grpSpPr>
+        <a:xfrm>
+          <a:off x="0" y="0"/>
+          <a:ext cx="0" cy="0"/>
+          <a:chOff x="0" y="0"/>
+          <a:chExt cx="0" cy="0"/>
+        </a:xfrm>
+      </p:grpSpPr>
+      <p:grpSp>
+        <p:nvGrpSpPr>
+          <p:cNvPr id="167" name="Google Shape;323;g1f213c8c16b_0_222"/>
+          <p:cNvGrpSpPr/>
+          <p:nvPr/>
+        </p:nvGrpSpPr>
+        <p:grpSpPr>
+          <a:xfrm>
+            <a:off x="0" y="0"/>
+            <a:ext cx="12190320" cy="6856200"/>
+            <a:chOff x="0" y="0"/>
+            <a:chExt cx="12190320" cy="6856200"/>
+          </a:xfrm>
+        </p:grpSpPr>
+        <p:pic>
+          <p:nvPicPr>
+            <p:cNvPr id="168" name="Google Shape;324;g1f213c8c16b_0_222" descr=""/>
+            <p:cNvPicPr/>
+            <p:nvPr/>
+          </p:nvPicPr>
+          <p:blipFill>
+            <a:blip r:embed="rId1"/>
+            <a:srcRect l="7813" t="0" r="7813" b="7535"/>
+            <a:stretch/>
+          </p:blipFill>
+          <p:spPr>
+            <a:xfrm>
+              <a:off x="0" y="0"/>
+              <a:ext cx="12190320" cy="6856200"/>
+            </a:xfrm>
+            <a:prstGeom prst="rect">
+              <a:avLst/>
+            </a:prstGeom>
+            <a:ln w="0">
+              <a:noFill/>
+            </a:ln>
+          </p:spPr>
+        </p:pic>
+        <p:pic>
+          <p:nvPicPr>
+            <p:cNvPr id="169" name="Google Shape;325;g1f213c8c16b_0_222" descr=""/>
+            <p:cNvPicPr/>
+            <p:nvPr/>
+          </p:nvPicPr>
+          <p:blipFill>
+            <a:blip r:embed="rId2"/>
+            <a:stretch/>
+          </p:blipFill>
+          <p:spPr>
+            <a:xfrm>
+              <a:off x="0" y="0"/>
+              <a:ext cx="12190320" cy="6856200"/>
+            </a:xfrm>
+            <a:prstGeom prst="rect">
+              <a:avLst/>
+            </a:prstGeom>
+            <a:ln w="0">
+              <a:noFill/>
+            </a:ln>
+          </p:spPr>
+        </p:pic>
+      </p:grpSp>
+      <p:pic>
+        <p:nvPicPr>
+          <p:cNvPr id="170" name="Google Shape;326;g1f213c8c16b_0_222" descr=""/>
+          <p:cNvPicPr/>
+          <p:nvPr/>
+        </p:nvPicPr>
+        <p:blipFill>
+          <a:blip r:embed="rId3"/>
+          <a:stretch/>
+        </p:blipFill>
+        <p:spPr>
+          <a:xfrm>
+            <a:off x="2340720" y="1970640"/>
+            <a:ext cx="7509240" cy="2914560"/>
+          </a:xfrm>
+          <a:prstGeom prst="rect">
+            <a:avLst/>
+          </a:prstGeom>
+          <a:ln w="0">
+            <a:noFill/>
+          </a:ln>
+        </p:spPr>
+      </p:pic>
+      <p:pic>
+        <p:nvPicPr>
+          <p:cNvPr id="171" name="Google Shape;327;g1f213c8c16b_0_222" descr=""/>
+          <p:cNvPicPr/>
+          <p:nvPr/>
+        </p:nvPicPr>
+        <p:blipFill>
+          <a:blip r:embed="rId4"/>
+          <a:stretch/>
+        </p:blipFill>
+        <p:spPr>
+          <a:xfrm>
+            <a:off x="4592160" y="324000"/>
+            <a:ext cx="3005640" cy="1439280"/>
+          </a:xfrm>
+          <a:prstGeom prst="rect">
+            <a:avLst/>
+          </a:prstGeom>
+          <a:ln w="0">
+            <a:noFill/>
+          </a:ln>
+        </p:spPr>
+      </p:pic>
+      <p:pic>
+        <p:nvPicPr>
+          <p:cNvPr id="172" name="Google Shape;328;g1f213c8c16b_0_222" descr=""/>
+          <p:cNvPicPr/>
+          <p:nvPr/>
+        </p:nvPicPr>
+        <p:blipFill>
+          <a:blip r:embed="rId5"/>
+          <a:stretch/>
+        </p:blipFill>
+        <p:spPr>
+          <a:xfrm>
+            <a:off x="9712800" y="5933520"/>
+            <a:ext cx="2163240" cy="667800"/>
+          </a:xfrm>
+          <a:prstGeom prst="rect">
+            <a:avLst/>
+          </a:prstGeom>
+          <a:ln w="0">
+            <a:noFill/>
+          </a:ln>
+        </p:spPr>
+      </p:pic>
+      <p:grpSp>
+        <p:nvGrpSpPr>
+          <p:cNvPr id="173" name="Google Shape;329;g1f213c8c16b_0_222"/>
+          <p:cNvGrpSpPr/>
+          <p:nvPr/>
+        </p:nvGrpSpPr>
+        <p:grpSpPr>
+          <a:xfrm>
+            <a:off x="626400" y="254520"/>
+            <a:ext cx="11249640" cy="981360"/>
+            <a:chOff x="626400" y="254520"/>
+            <a:chExt cx="11249640" cy="981360"/>
+          </a:xfrm>
+        </p:grpSpPr>
+        <p:pic>
+          <p:nvPicPr>
+            <p:cNvPr id="174" name="Google Shape;330;g1f213c8c16b_0_222" descr=""/>
+            <p:cNvPicPr/>
+            <p:nvPr/>
+          </p:nvPicPr>
+          <p:blipFill>
+            <a:blip r:embed="rId6"/>
+            <a:stretch/>
+          </p:blipFill>
+          <p:spPr>
+            <a:xfrm>
+              <a:off x="10059840" y="254520"/>
+              <a:ext cx="1816200" cy="981360"/>
+            </a:xfrm>
+            <a:prstGeom prst="rect">
+              <a:avLst/>
+            </a:prstGeom>
+            <a:ln w="0">
+              <a:noFill/>
+            </a:ln>
+          </p:spPr>
+        </p:pic>
+        <p:pic>
+          <p:nvPicPr>
+            <p:cNvPr id="175" name="Google Shape;331;g1f213c8c16b_0_222" descr=""/>
+            <p:cNvPicPr/>
+            <p:nvPr/>
+          </p:nvPicPr>
+          <p:blipFill>
+            <a:blip r:embed="rId7"/>
+            <a:stretch/>
+          </p:blipFill>
+          <p:spPr>
+            <a:xfrm>
+              <a:off x="626400" y="484200"/>
+              <a:ext cx="1504080" cy="522720"/>
+            </a:xfrm>
+            <a:prstGeom prst="rect">
+              <a:avLst/>
+            </a:prstGeom>
+            <a:ln w="0">
+              <a:noFill/>
+            </a:ln>
+          </p:spPr>
+        </p:pic>
+      </p:grpSp>
     </p:spTree>
   </p:cSld>
   <mc:AlternateContent>
@@ -9296,113 +10218,71 @@
           <a:chExt cx="0" cy="0"/>
         </a:xfrm>
       </p:grpSpPr>
+      <p:grpSp>
+        <p:nvGrpSpPr>
+          <p:cNvPr id="130" name="Google Shape;266;g1f213c8c16b_0_ 1"/>
+          <p:cNvGrpSpPr/>
+          <p:nvPr/>
+        </p:nvGrpSpPr>
+        <p:grpSpPr>
+          <a:xfrm>
+            <a:off x="360" y="-17640"/>
+            <a:ext cx="12190320" cy="6856200"/>
+            <a:chOff x="360" y="-17640"/>
+            <a:chExt cx="12190320" cy="6856200"/>
+          </a:xfrm>
+        </p:grpSpPr>
+        <p:pic>
+          <p:nvPicPr>
+            <p:cNvPr id="131" name="Google Shape;267;g1f213c8c16b_0_ 1" descr=""/>
+            <p:cNvPicPr/>
+            <p:nvPr/>
+          </p:nvPicPr>
+          <p:blipFill>
+            <a:blip r:embed="rId1"/>
+            <a:srcRect l="7813" t="0" r="7813" b="7535"/>
+            <a:stretch/>
+          </p:blipFill>
+          <p:spPr>
+            <a:xfrm>
+              <a:off x="360" y="-17640"/>
+              <a:ext cx="12190320" cy="6856200"/>
+            </a:xfrm>
+            <a:prstGeom prst="rect">
+              <a:avLst/>
+            </a:prstGeom>
+            <a:ln w="0">
+              <a:noFill/>
+            </a:ln>
+          </p:spPr>
+        </p:pic>
+        <p:pic>
+          <p:nvPicPr>
+            <p:cNvPr id="132" name="Google Shape;268;g1f213c8c16b_0_ 1" descr=""/>
+            <p:cNvPicPr/>
+            <p:nvPr/>
+          </p:nvPicPr>
+          <p:blipFill>
+            <a:blip r:embed="rId2"/>
+            <a:stretch/>
+          </p:blipFill>
+          <p:spPr>
+            <a:xfrm>
+              <a:off x="360" y="-17640"/>
+              <a:ext cx="12190320" cy="6856200"/>
+            </a:xfrm>
+            <a:prstGeom prst="rect">
+              <a:avLst/>
+            </a:prstGeom>
+            <a:ln w="0">
+              <a:noFill/>
+            </a:ln>
+          </p:spPr>
+        </p:pic>
+      </p:grpSp>
       <p:pic>
         <p:nvPicPr>
-          <p:cNvPr id="130" name="Google Shape;311;g1f213c8c16b_0_211" descr=""/>
-          <p:cNvPicPr/>
-          <p:nvPr/>
-        </p:nvPicPr>
-        <p:blipFill>
-          <a:blip r:embed="rId1"/>
-          <a:stretch/>
-        </p:blipFill>
-        <p:spPr>
-          <a:xfrm>
-            <a:off x="3965040" y="4641120"/>
-            <a:ext cx="4088160" cy="1335600"/>
-          </a:xfrm>
-          <a:prstGeom prst="rect">
-            <a:avLst/>
-          </a:prstGeom>
-          <a:ln w="0">
-            <a:noFill/>
-          </a:ln>
-        </p:spPr>
-      </p:pic>
-      <p:sp>
-        <p:nvSpPr>
-          <p:cNvPr id="131" name="Google Shape;312;g1f213c8c16b_0_211"/>
-          <p:cNvSpPr/>
-          <p:nvPr/>
-        </p:nvSpPr>
-        <p:spPr>
-          <a:xfrm>
-            <a:off x="1228680" y="585000"/>
-            <a:ext cx="9564840" cy="1186920"/>
-          </a:xfrm>
-          <a:prstGeom prst="rect">
-            <a:avLst/>
-          </a:prstGeom>
-          <a:noFill/>
-          <a:ln w="0">
-            <a:noFill/>
-          </a:ln>
-        </p:spPr>
-        <p:style>
-          <a:lnRef idx="0"/>
-          <a:fillRef idx="0"/>
-          <a:effectRef idx="0"/>
-          <a:fontRef idx="minor"/>
-        </p:style>
-        <p:txBody>
-          <a:bodyPr lIns="90000" rIns="90000" tIns="45000" bIns="45000" anchor="t">
-            <a:spAutoFit/>
-          </a:bodyPr>
-          <a:p>
-            <a:pPr algn="ctr">
-              <a:lnSpc>
-                <a:spcPct val="100000"/>
-              </a:lnSpc>
-              <a:tabLst>
-                <a:tab algn="l" pos="0"/>
-              </a:tabLst>
-            </a:pPr>
-            <a:r>
-              <a:rPr b="0" lang="es-CO" sz="7200" spc="-1" strike="noStrike">
-                <a:solidFill>
-                  <a:srgbClr val="001059"/>
-                </a:solidFill>
-                <a:latin typeface="Nunito Sans Black"/>
-                <a:ea typeface="Nunito Sans Black"/>
-              </a:rPr>
-              <a:t>LOGOS:</a:t>
-            </a:r>
-            <a:endParaRPr b="0" lang="es-CO" sz="7200" spc="-1" strike="noStrike">
-              <a:solidFill>
-                <a:srgbClr val="000000"/>
-              </a:solidFill>
-              <a:latin typeface="Arial"/>
-            </a:endParaRPr>
-          </a:p>
-        </p:txBody>
-      </p:sp>
-      <p:pic>
-        <p:nvPicPr>
-          <p:cNvPr id="132" name="Google Shape;313;g1f213c8c16b_0_211" descr=""/>
-          <p:cNvPicPr/>
-          <p:nvPr/>
-        </p:nvPicPr>
-        <p:blipFill>
-          <a:blip r:embed="rId2"/>
-          <a:srcRect l="8004" t="20494" r="6931" b="16482"/>
-          <a:stretch/>
-        </p:blipFill>
-        <p:spPr>
-          <a:xfrm>
-            <a:off x="4869360" y="2808000"/>
-            <a:ext cx="2451240" cy="869760"/>
-          </a:xfrm>
-          <a:prstGeom prst="rect">
-            <a:avLst/>
-          </a:prstGeom>
-          <a:ln w="0">
-            <a:noFill/>
-          </a:ln>
-        </p:spPr>
-      </p:pic>
-      <p:pic>
-        <p:nvPicPr>
-          <p:cNvPr id="133" name="Google Shape;314;g1f213c8c16b_0_211" descr=""/>
+          <p:cNvPr id="133" name="Google Shape;269;g1f213c8c16b_0_ 1" descr=""/>
           <p:cNvPicPr/>
           <p:nvPr/>
         </p:nvPicPr>
@@ -9412,8 +10292,8 @@
         </p:blipFill>
         <p:spPr>
           <a:xfrm>
-            <a:off x="1228680" y="2808000"/>
-            <a:ext cx="1853280" cy="644760"/>
+            <a:off x="4815360" y="165600"/>
+            <a:ext cx="2337480" cy="1118880"/>
           </a:xfrm>
           <a:prstGeom prst="rect">
             <a:avLst/>
@@ -9423,75 +10303,346 @@
           </a:ln>
         </p:spPr>
       </p:pic>
-      <p:pic>
-        <p:nvPicPr>
-          <p:cNvPr id="134" name="Google Shape;315;g1f213c8c16b_0_211" descr=""/>
-          <p:cNvPicPr/>
+      <p:grpSp>
+        <p:nvGrpSpPr>
+          <p:cNvPr id="134" name="Google Shape;287;g1f213c8c16b_0_ 1"/>
+          <p:cNvGrpSpPr/>
           <p:nvPr/>
-        </p:nvPicPr>
-        <p:blipFill>
-          <a:blip r:embed="rId4"/>
-          <a:stretch/>
-        </p:blipFill>
-        <p:spPr>
-          <a:xfrm>
-            <a:off x="8579880" y="2695680"/>
-            <a:ext cx="2025720" cy="1094760"/>
-          </a:xfrm>
-          <a:prstGeom prst="rect">
-            <a:avLst/>
-          </a:prstGeom>
-          <a:ln w="0">
-            <a:noFill/>
-          </a:ln>
-        </p:spPr>
-      </p:pic>
-      <p:pic>
-        <p:nvPicPr>
-          <p:cNvPr id="135" name="Google Shape;316;g1f213c8c16b_0_211" descr=""/>
-          <p:cNvPicPr/>
+        </p:nvGrpSpPr>
+        <p:grpSpPr>
+          <a:xfrm>
+            <a:off x="626400" y="254520"/>
+            <a:ext cx="11249640" cy="981360"/>
+            <a:chOff x="626400" y="254520"/>
+            <a:chExt cx="11249640" cy="981360"/>
+          </a:xfrm>
+        </p:grpSpPr>
+        <p:pic>
+          <p:nvPicPr>
+            <p:cNvPr id="135" name="Google Shape;288;g1f213c8c16b_0_ 1" descr=""/>
+            <p:cNvPicPr/>
+            <p:nvPr/>
+          </p:nvPicPr>
+          <p:blipFill>
+            <a:blip r:embed="rId4"/>
+            <a:stretch/>
+          </p:blipFill>
+          <p:spPr>
+            <a:xfrm>
+              <a:off x="10059840" y="254520"/>
+              <a:ext cx="1816200" cy="981360"/>
+            </a:xfrm>
+            <a:prstGeom prst="rect">
+              <a:avLst/>
+            </a:prstGeom>
+            <a:ln w="0">
+              <a:noFill/>
+            </a:ln>
+          </p:spPr>
+        </p:pic>
+        <p:pic>
+          <p:nvPicPr>
+            <p:cNvPr id="136" name="Google Shape;289;g1f213c8c16b_0_ 1" descr=""/>
+            <p:cNvPicPr/>
+            <p:nvPr/>
+          </p:nvPicPr>
+          <p:blipFill>
+            <a:blip r:embed="rId5"/>
+            <a:stretch/>
+          </p:blipFill>
+          <p:spPr>
+            <a:xfrm>
+              <a:off x="626400" y="484200"/>
+              <a:ext cx="1504080" cy="522720"/>
+            </a:xfrm>
+            <a:prstGeom prst="rect">
+              <a:avLst/>
+            </a:prstGeom>
+            <a:ln w="0">
+              <a:noFill/>
+            </a:ln>
+          </p:spPr>
+        </p:pic>
+      </p:grpSp>
+      <p:sp>
+        <p:nvSpPr>
+          <p:cNvPr id="137" name="Google Shape;253;g1f213c8c16b_0_ 1"/>
+          <p:cNvSpPr/>
           <p:nvPr/>
-        </p:nvPicPr>
-        <p:blipFill>
-          <a:blip r:embed="rId5"/>
-          <a:stretch/>
-        </p:blipFill>
-        <p:spPr>
-          <a:xfrm>
-            <a:off x="597600" y="398520"/>
-            <a:ext cx="1086120" cy="377640"/>
-          </a:xfrm>
-          <a:prstGeom prst="rect">
-            <a:avLst/>
-          </a:prstGeom>
-          <a:ln w="0">
-            <a:noFill/>
-          </a:ln>
-        </p:spPr>
-      </p:pic>
-      <p:pic>
-        <p:nvPicPr>
-          <p:cNvPr id="136" name="Google Shape;317;g1f213c8c16b_0_211" descr=""/>
-          <p:cNvPicPr/>
+        </p:nvSpPr>
+        <p:spPr>
+          <a:xfrm>
+            <a:off x="1440720" y="900000"/>
+            <a:ext cx="9359280" cy="638280"/>
+          </a:xfrm>
+          <a:prstGeom prst="rect">
+            <a:avLst/>
+          </a:prstGeom>
+          <a:noFill/>
+          <a:ln w="0">
+            <a:noFill/>
+          </a:ln>
+        </p:spPr>
+        <p:style>
+          <a:lnRef idx="0"/>
+          <a:fillRef idx="0"/>
+          <a:effectRef idx="0"/>
+          <a:fontRef idx="minor"/>
+        </p:style>
+        <p:txBody>
+          <a:bodyPr lIns="90000" rIns="90000" tIns="45000" bIns="45000" anchor="t">
+            <a:spAutoFit/>
+          </a:bodyPr>
+          <a:p>
+            <a:pPr algn="ctr">
+              <a:lnSpc>
+                <a:spcPct val="100000"/>
+              </a:lnSpc>
+              <a:spcBef>
+                <a:spcPts val="1191"/>
+              </a:spcBef>
+              <a:spcAft>
+                <a:spcPts val="992"/>
+              </a:spcAft>
+              <a:tabLst>
+                <a:tab algn="l" pos="0"/>
+              </a:tabLst>
+            </a:pPr>
+            <a:r>
+              <a:rPr b="0" lang="es-CO" sz="3600" spc="-1" strike="noStrike">
+                <a:solidFill>
+                  <a:schemeClr val="lt1"/>
+                </a:solidFill>
+                <a:latin typeface="Nunito Sans Black"/>
+                <a:ea typeface="Nunito Sans Black"/>
+              </a:rPr>
+              <a:t>Algoritmos de recorrido</a:t>
+            </a:r>
+            <a:endParaRPr b="0" lang="es-CO" sz="3600" spc="-1" strike="noStrike">
+              <a:solidFill>
+                <a:srgbClr val="000000"/>
+              </a:solidFill>
+              <a:latin typeface="Arial"/>
+            </a:endParaRPr>
+          </a:p>
+        </p:txBody>
+      </p:sp>
+      <p:sp>
+        <p:nvSpPr>
+          <p:cNvPr id="138" name=""/>
+          <p:cNvSpPr/>
           <p:nvPr/>
-        </p:nvPicPr>
-        <p:blipFill>
-          <a:blip r:embed="rId6"/>
-          <a:stretch/>
-        </p:blipFill>
-        <p:spPr>
-          <a:xfrm>
-            <a:off x="10002240" y="199800"/>
-            <a:ext cx="1422360" cy="768240"/>
-          </a:xfrm>
-          <a:prstGeom prst="rect">
-            <a:avLst/>
-          </a:prstGeom>
-          <a:ln w="0">
-            <a:noFill/>
-          </a:ln>
-        </p:spPr>
-      </p:pic>
+        </p:nvSpPr>
+        <p:spPr>
+          <a:xfrm>
+            <a:off x="1271880" y="1232280"/>
+            <a:ext cx="3947400" cy="486000"/>
+          </a:xfrm>
+          <a:prstGeom prst="rect">
+            <a:avLst/>
+          </a:prstGeom>
+          <a:noFill/>
+          <a:ln w="0">
+            <a:noFill/>
+          </a:ln>
+        </p:spPr>
+        <p:style>
+          <a:lnRef idx="0"/>
+          <a:fillRef idx="0"/>
+          <a:effectRef idx="0"/>
+          <a:fontRef idx="minor"/>
+        </p:style>
+        <p:txBody>
+          <a:bodyPr wrap="none" lIns="90000" rIns="90000" tIns="45000" bIns="45000" anchor="t">
+            <a:noAutofit/>
+          </a:bodyPr>
+          <a:p>
+            <a:endParaRPr b="0" lang="es-CO" sz="1800" spc="-1" strike="noStrike">
+              <a:solidFill>
+                <a:srgbClr val="000000"/>
+              </a:solidFill>
+              <a:latin typeface="Arial"/>
+            </a:endParaRPr>
+          </a:p>
+        </p:txBody>
+      </p:sp>
+      <p:sp>
+        <p:nvSpPr>
+          <p:cNvPr id="139" name=""/>
+          <p:cNvSpPr txBox="1"/>
+          <p:nvPr/>
+        </p:nvSpPr>
+        <p:spPr>
+          <a:xfrm>
+            <a:off x="223560" y="1283400"/>
+            <a:ext cx="11764800" cy="6996600"/>
+          </a:xfrm>
+          <a:prstGeom prst="rect">
+            <a:avLst/>
+          </a:prstGeom>
+          <a:noFill/>
+          <a:ln w="0">
+            <a:noFill/>
+          </a:ln>
+        </p:spPr>
+        <p:txBody>
+          <a:bodyPr lIns="90000" rIns="90000" tIns="45000" bIns="45000" anchor="t">
+            <a:noAutofit/>
+          </a:bodyPr>
+          <a:p>
+            <a:r>
+              <a:rPr b="1" lang="es-CO" sz="2000" spc="-1" strike="noStrike">
+                <a:solidFill>
+                  <a:srgbClr val="ffffd7"/>
+                </a:solidFill>
+                <a:latin typeface="Arial"/>
+              </a:rPr>
+              <a:t>1. Dijkstra's Algorithm:</a:t>
+            </a:r>
+            <a:endParaRPr b="1" lang="es-CO" sz="2000" spc="-1" strike="noStrike">
+              <a:solidFill>
+                <a:srgbClr val="ffffd7"/>
+              </a:solidFill>
+              <a:latin typeface="Arial"/>
+            </a:endParaRPr>
+          </a:p>
+          <a:p>
+            <a:r>
+              <a:rPr b="0" lang="es-CO" sz="1500" spc="-1" strike="noStrike">
+                <a:solidFill>
+                  <a:srgbClr val="ffffd7"/>
+                </a:solidFill>
+                <a:latin typeface="Arial"/>
+              </a:rPr>
+              <a:t>Propósito: Encontrar el camino más corto desde un nodo origen a todos los demás nodos en un grafo ponderado (donde las aristas tienen un peso o costo asociado). Aplicación: Ideal para aplicaciones como sistemas de navegación, planificación de rutas, y en general cualquier situación donde se necesite determinar el camino de menor costo.</a:t>
+            </a:r>
+            <a:endParaRPr b="0" lang="es-CO" sz="1500" spc="-1" strike="noStrike">
+              <a:solidFill>
+                <a:srgbClr val="ffffd7"/>
+              </a:solidFill>
+              <a:latin typeface="Arial"/>
+            </a:endParaRPr>
+          </a:p>
+          <a:p>
+            <a:r>
+              <a:rPr b="1" lang="es-CO" sz="2000" spc="-1" strike="noStrike">
+                <a:solidFill>
+                  <a:srgbClr val="ffffd7"/>
+                </a:solidFill>
+                <a:latin typeface="Arial"/>
+              </a:rPr>
+              <a:t>2. Bellman-Ford Algorithm:</a:t>
+            </a:r>
+            <a:endParaRPr b="1" lang="es-CO" sz="2000" spc="-1" strike="noStrike">
+              <a:solidFill>
+                <a:srgbClr val="ffffd7"/>
+              </a:solidFill>
+              <a:latin typeface="Arial"/>
+            </a:endParaRPr>
+          </a:p>
+          <a:p>
+            <a:r>
+              <a:rPr b="0" lang="es-CO" sz="1500" spc="-1" strike="noStrike">
+                <a:solidFill>
+                  <a:srgbClr val="ffffd7"/>
+                </a:solidFill>
+                <a:latin typeface="Arial"/>
+              </a:rPr>
+              <a:t>Propósito: Encontrar el camino más corto desde un nodo origen a todos los demás nodos en un grafo ponderado, y puede manejar grafos con aristas de peso negativo. Aplicación: Útil en redes de telecomunicaciones y finanzas, especialmente en situaciones donde los costos o distancias pueden ser negativos.</a:t>
+            </a:r>
+            <a:endParaRPr b="0" lang="es-CO" sz="1500" spc="-1" strike="noStrike">
+              <a:solidFill>
+                <a:srgbClr val="ffffd7"/>
+              </a:solidFill>
+              <a:latin typeface="Arial"/>
+            </a:endParaRPr>
+          </a:p>
+          <a:p>
+            <a:r>
+              <a:rPr b="1" lang="es-CO" sz="2000" spc="-1" strike="noStrike">
+                <a:solidFill>
+                  <a:srgbClr val="ffffd7"/>
+                </a:solidFill>
+                <a:latin typeface="Arial"/>
+              </a:rPr>
+              <a:t>3. Floyd-Warshall Algorithm:</a:t>
+            </a:r>
+            <a:endParaRPr b="1" lang="es-CO" sz="2000" spc="-1" strike="noStrike">
+              <a:solidFill>
+                <a:srgbClr val="ffffd7"/>
+              </a:solidFill>
+              <a:latin typeface="Arial"/>
+            </a:endParaRPr>
+          </a:p>
+          <a:p>
+            <a:r>
+              <a:rPr b="0" lang="es-CO" sz="1500" spc="-1" strike="noStrike">
+                <a:solidFill>
+                  <a:srgbClr val="ffffd7"/>
+                </a:solidFill>
+                <a:latin typeface="Arial"/>
+              </a:rPr>
+              <a:t>Propósito: Encontrar los caminos más cortos entre todos los pares de nodos en un grafo ponderado. Aplicación: Utilizado en análisis de redes y aplicaciones de enrutamiento donde se requiere conocer las distancias más cortas entre todos los pares de nodos.</a:t>
+            </a:r>
+            <a:endParaRPr b="0" lang="es-CO" sz="1500" spc="-1" strike="noStrike">
+              <a:solidFill>
+                <a:srgbClr val="ffffd7"/>
+              </a:solidFill>
+              <a:latin typeface="Arial"/>
+            </a:endParaRPr>
+          </a:p>
+          <a:p>
+            <a:r>
+              <a:rPr b="1" lang="es-CO" sz="2000" spc="-1" strike="noStrike">
+                <a:solidFill>
+                  <a:srgbClr val="ffffd7"/>
+                </a:solidFill>
+                <a:latin typeface="Arial"/>
+              </a:rPr>
+              <a:t>4. A Search Algorithm:*</a:t>
+            </a:r>
+            <a:endParaRPr b="1" lang="es-CO" sz="2000" spc="-1" strike="noStrike">
+              <a:solidFill>
+                <a:srgbClr val="ffffd7"/>
+              </a:solidFill>
+              <a:latin typeface="Arial"/>
+            </a:endParaRPr>
+          </a:p>
+          <a:p>
+            <a:r>
+              <a:rPr b="0" lang="es-CO" sz="1500" spc="-1" strike="noStrike">
+                <a:solidFill>
+                  <a:srgbClr val="ffffd7"/>
+                </a:solidFill>
+                <a:latin typeface="Arial"/>
+              </a:rPr>
+              <a:t>Propósito: Encontrar el camino más corto entre un nodo origen y un nodo destino utilizando una heurística para guiar la búsqueda. Aplicación: Ampliamente utilizado en inteligencia artificial y robótica para la planificación de rutas, como en juegos y sistemas de navegación.</a:t>
+            </a:r>
+            <a:endParaRPr b="0" lang="es-CO" sz="1500" spc="-1" strike="noStrike">
+              <a:solidFill>
+                <a:srgbClr val="ffffd7"/>
+              </a:solidFill>
+              <a:latin typeface="Arial"/>
+            </a:endParaRPr>
+          </a:p>
+          <a:p>
+            <a:endParaRPr b="1" lang="es-CO" sz="1200" spc="-1" strike="noStrike">
+              <a:solidFill>
+                <a:srgbClr val="ffffd7"/>
+              </a:solidFill>
+              <a:latin typeface="Arial"/>
+            </a:endParaRPr>
+          </a:p>
+          <a:p>
+            <a:endParaRPr b="0" lang="es-CO" sz="1000" spc="-1" strike="noStrike">
+              <a:solidFill>
+                <a:srgbClr val="ffffd7"/>
+              </a:solidFill>
+              <a:latin typeface="Arial"/>
+            </a:endParaRPr>
+          </a:p>
+        </p:txBody>
+      </p:sp>
     </p:spTree>
   </p:cSld>
   <mc:AlternateContent>
@@ -9524,21 +10675,21 @@
       </p:grpSpPr>
       <p:grpSp>
         <p:nvGrpSpPr>
-          <p:cNvPr id="137" name="Google Shape;323;g1f213c8c16b_0_222"/>
+          <p:cNvPr id="140" name="Google Shape;266;g1f213c8c16b_0_ 3"/>
           <p:cNvGrpSpPr/>
           <p:nvPr/>
         </p:nvGrpSpPr>
         <p:grpSpPr>
           <a:xfrm>
-            <a:off x="0" y="0"/>
+            <a:off x="360" y="-17640"/>
             <a:ext cx="12190320" cy="6856200"/>
-            <a:chOff x="0" y="0"/>
+            <a:chOff x="360" y="-17640"/>
             <a:chExt cx="12190320" cy="6856200"/>
           </a:xfrm>
         </p:grpSpPr>
         <p:pic>
           <p:nvPicPr>
-            <p:cNvPr id="138" name="Google Shape;324;g1f213c8c16b_0_222" descr=""/>
+            <p:cNvPr id="141" name="Google Shape;267;g1f213c8c16b_0_ 2" descr=""/>
             <p:cNvPicPr/>
             <p:nvPr/>
           </p:nvPicPr>
@@ -9549,7 +10700,7 @@
           </p:blipFill>
           <p:spPr>
             <a:xfrm>
-              <a:off x="0" y="0"/>
+              <a:off x="360" y="-17640"/>
               <a:ext cx="12190320" cy="6856200"/>
             </a:xfrm>
             <a:prstGeom prst="rect">
@@ -9562,7 +10713,7 @@
         </p:pic>
         <p:pic>
           <p:nvPicPr>
-            <p:cNvPr id="139" name="Google Shape;325;g1f213c8c16b_0_222" descr=""/>
+            <p:cNvPr id="142" name="Google Shape;268;g1f213c8c16b_0_ 2" descr=""/>
             <p:cNvPicPr/>
             <p:nvPr/>
           </p:nvPicPr>
@@ -9572,7 +10723,7 @@
           </p:blipFill>
           <p:spPr>
             <a:xfrm>
-              <a:off x="0" y="0"/>
+              <a:off x="360" y="-17640"/>
               <a:ext cx="12190320" cy="6856200"/>
             </a:xfrm>
             <a:prstGeom prst="rect">
@@ -9586,7 +10737,7 @@
       </p:grpSp>
       <p:pic>
         <p:nvPicPr>
-          <p:cNvPr id="140" name="Google Shape;326;g1f213c8c16b_0_222" descr=""/>
+          <p:cNvPr id="143" name="Google Shape;269;g1f213c8c16b_0_ 2" descr=""/>
           <p:cNvPicPr/>
           <p:nvPr/>
         </p:nvPicPr>
@@ -9596,54 +10747,8 @@
         </p:blipFill>
         <p:spPr>
           <a:xfrm>
-            <a:off x="2340720" y="1970640"/>
-            <a:ext cx="7509240" cy="2914560"/>
-          </a:xfrm>
-          <a:prstGeom prst="rect">
-            <a:avLst/>
-          </a:prstGeom>
-          <a:ln w="0">
-            <a:noFill/>
-          </a:ln>
-        </p:spPr>
-      </p:pic>
-      <p:pic>
-        <p:nvPicPr>
-          <p:cNvPr id="141" name="Google Shape;327;g1f213c8c16b_0_222" descr=""/>
-          <p:cNvPicPr/>
-          <p:nvPr/>
-        </p:nvPicPr>
-        <p:blipFill>
-          <a:blip r:embed="rId4"/>
-          <a:stretch/>
-        </p:blipFill>
-        <p:spPr>
-          <a:xfrm>
-            <a:off x="4592160" y="324000"/>
-            <a:ext cx="3005640" cy="1439280"/>
-          </a:xfrm>
-          <a:prstGeom prst="rect">
-            <a:avLst/>
-          </a:prstGeom>
-          <a:ln w="0">
-            <a:noFill/>
-          </a:ln>
-        </p:spPr>
-      </p:pic>
-      <p:pic>
-        <p:nvPicPr>
-          <p:cNvPr id="142" name="Google Shape;328;g1f213c8c16b_0_222" descr=""/>
-          <p:cNvPicPr/>
-          <p:nvPr/>
-        </p:nvPicPr>
-        <p:blipFill>
-          <a:blip r:embed="rId5"/>
-          <a:stretch/>
-        </p:blipFill>
-        <p:spPr>
-          <a:xfrm>
-            <a:off x="9712800" y="5933520"/>
-            <a:ext cx="2163240" cy="667800"/>
+            <a:off x="4815360" y="165600"/>
+            <a:ext cx="2337480" cy="1118880"/>
           </a:xfrm>
           <a:prstGeom prst="rect">
             <a:avLst/>
@@ -9655,7 +10760,7 @@
       </p:pic>
       <p:grpSp>
         <p:nvGrpSpPr>
-          <p:cNvPr id="143" name="Google Shape;329;g1f213c8c16b_0_222"/>
+          <p:cNvPr id="144" name="Google Shape;287;g1f213c8c16b_0_ 2"/>
           <p:cNvGrpSpPr/>
           <p:nvPr/>
         </p:nvGrpSpPr>
@@ -9669,12 +10774,12 @@
         </p:grpSpPr>
         <p:pic>
           <p:nvPicPr>
-            <p:cNvPr id="144" name="Google Shape;330;g1f213c8c16b_0_222" descr=""/>
+            <p:cNvPr id="145" name="Google Shape;288;g1f213c8c16b_0_ 2" descr=""/>
             <p:cNvPicPr/>
             <p:nvPr/>
           </p:nvPicPr>
           <p:blipFill>
-            <a:blip r:embed="rId6"/>
+            <a:blip r:embed="rId4"/>
             <a:stretch/>
           </p:blipFill>
           <p:spPr>
@@ -9692,12 +10797,12 @@
         </p:pic>
         <p:pic>
           <p:nvPicPr>
-            <p:cNvPr id="145" name="Google Shape;331;g1f213c8c16b_0_222" descr=""/>
+            <p:cNvPr id="146" name="Google Shape;289;g1f213c8c16b_0_ 2" descr=""/>
             <p:cNvPicPr/>
             <p:nvPr/>
           </p:nvPicPr>
           <p:blipFill>
-            <a:blip r:embed="rId7"/>
+            <a:blip r:embed="rId5"/>
             <a:stretch/>
           </p:blipFill>
           <p:spPr>
@@ -9714,6 +10819,828 @@
           </p:spPr>
         </p:pic>
       </p:grpSp>
+      <p:sp>
+        <p:nvSpPr>
+          <p:cNvPr id="147" name="Google Shape;253;g1f213c8c16b_0_ 2"/>
+          <p:cNvSpPr/>
+          <p:nvPr/>
+        </p:nvSpPr>
+        <p:spPr>
+          <a:xfrm>
+            <a:off x="1440720" y="900000"/>
+            <a:ext cx="9359280" cy="638280"/>
+          </a:xfrm>
+          <a:prstGeom prst="rect">
+            <a:avLst/>
+          </a:prstGeom>
+          <a:noFill/>
+          <a:ln w="0">
+            <a:noFill/>
+          </a:ln>
+        </p:spPr>
+        <p:style>
+          <a:lnRef idx="0"/>
+          <a:fillRef idx="0"/>
+          <a:effectRef idx="0"/>
+          <a:fontRef idx="minor"/>
+        </p:style>
+        <p:txBody>
+          <a:bodyPr lIns="90000" rIns="90000" tIns="45000" bIns="45000" anchor="t">
+            <a:spAutoFit/>
+          </a:bodyPr>
+          <a:p>
+            <a:pPr algn="ctr">
+              <a:lnSpc>
+                <a:spcPct val="100000"/>
+              </a:lnSpc>
+              <a:spcBef>
+                <a:spcPts val="1191"/>
+              </a:spcBef>
+              <a:spcAft>
+                <a:spcPts val="992"/>
+              </a:spcAft>
+              <a:tabLst>
+                <a:tab algn="l" pos="0"/>
+              </a:tabLst>
+            </a:pPr>
+            <a:r>
+              <a:rPr b="0" lang="es-CO" sz="3600" spc="-1" strike="noStrike">
+                <a:solidFill>
+                  <a:schemeClr val="lt1"/>
+                </a:solidFill>
+                <a:latin typeface="Nunito Sans Black"/>
+                <a:ea typeface="Nunito Sans Black"/>
+              </a:rPr>
+              <a:t>Algoritmos de recorrido</a:t>
+            </a:r>
+            <a:endParaRPr b="0" lang="es-CO" sz="3600" spc="-1" strike="noStrike">
+              <a:solidFill>
+                <a:srgbClr val="000000"/>
+              </a:solidFill>
+              <a:latin typeface="Arial"/>
+            </a:endParaRPr>
+          </a:p>
+        </p:txBody>
+      </p:sp>
+      <p:sp>
+        <p:nvSpPr>
+          <p:cNvPr id="148" name=""/>
+          <p:cNvSpPr/>
+          <p:nvPr/>
+        </p:nvSpPr>
+        <p:spPr>
+          <a:xfrm>
+            <a:off x="1271880" y="1232280"/>
+            <a:ext cx="3947400" cy="486000"/>
+          </a:xfrm>
+          <a:prstGeom prst="rect">
+            <a:avLst/>
+          </a:prstGeom>
+          <a:noFill/>
+          <a:ln w="0">
+            <a:noFill/>
+          </a:ln>
+        </p:spPr>
+        <p:style>
+          <a:lnRef idx="0"/>
+          <a:fillRef idx="0"/>
+          <a:effectRef idx="0"/>
+          <a:fontRef idx="minor"/>
+        </p:style>
+        <p:txBody>
+          <a:bodyPr wrap="none" lIns="90000" rIns="90000" tIns="45000" bIns="45000" anchor="t">
+            <a:noAutofit/>
+          </a:bodyPr>
+          <a:p>
+            <a:endParaRPr b="0" lang="es-CO" sz="1800" spc="-1" strike="noStrike">
+              <a:solidFill>
+                <a:srgbClr val="000000"/>
+              </a:solidFill>
+              <a:latin typeface="Arial"/>
+            </a:endParaRPr>
+          </a:p>
+        </p:txBody>
+      </p:sp>
+      <p:sp>
+        <p:nvSpPr>
+          <p:cNvPr id="149" name=""/>
+          <p:cNvSpPr txBox="1"/>
+          <p:nvPr/>
+        </p:nvSpPr>
+        <p:spPr>
+          <a:xfrm>
+            <a:off x="180000" y="1463400"/>
+            <a:ext cx="11764800" cy="6996600"/>
+          </a:xfrm>
+          <a:prstGeom prst="rect">
+            <a:avLst/>
+          </a:prstGeom>
+          <a:noFill/>
+          <a:ln w="0">
+            <a:noFill/>
+          </a:ln>
+        </p:spPr>
+        <p:txBody>
+          <a:bodyPr lIns="90000" rIns="90000" tIns="45000" bIns="45000" anchor="t">
+            <a:noAutofit/>
+          </a:bodyPr>
+          <a:p>
+            <a:pPr>
+              <a:lnSpc>
+                <a:spcPct val="100000"/>
+              </a:lnSpc>
+              <a:spcBef>
+                <a:spcPts val="1191"/>
+              </a:spcBef>
+              <a:spcAft>
+                <a:spcPts val="992"/>
+              </a:spcAft>
+            </a:pPr>
+            <a:r>
+              <a:rPr b="1" lang="es-CO" sz="1800" spc="-1" strike="noStrike">
+                <a:solidFill>
+                  <a:srgbClr val="ffffd7"/>
+                </a:solidFill>
+                <a:latin typeface="Arial"/>
+              </a:rPr>
+              <a:t>5. Prim's Algorithm:</a:t>
+            </a:r>
+            <a:endParaRPr b="1" lang="es-CO" sz="1800" spc="-1" strike="noStrike">
+              <a:solidFill>
+                <a:srgbClr val="ffffd7"/>
+              </a:solidFill>
+              <a:latin typeface="Arial"/>
+            </a:endParaRPr>
+          </a:p>
+          <a:p>
+            <a:pPr>
+              <a:lnSpc>
+                <a:spcPct val="100000"/>
+              </a:lnSpc>
+              <a:spcBef>
+                <a:spcPts val="1191"/>
+              </a:spcBef>
+              <a:spcAft>
+                <a:spcPts val="992"/>
+              </a:spcAft>
+            </a:pPr>
+            <a:r>
+              <a:rPr b="1" lang="es-CO" sz="1400" spc="-1" strike="noStrike">
+                <a:solidFill>
+                  <a:srgbClr val="ffffd7"/>
+                </a:solidFill>
+                <a:latin typeface="Arial"/>
+              </a:rPr>
+              <a:t>Propósito: Encontrar el Árbol de Expansión Mínima (MST) en un grafo ponderado. Un MST es un subconjunto de las aristas del grafo que conecta todos los nodos sin ciclos y con el menor peso total posible. Aplicación: Útil en diseño de redes, como en la construcción de redes de computadoras o de comunicación.</a:t>
+            </a:r>
+            <a:endParaRPr b="1" lang="es-CO" sz="1400" spc="-1" strike="noStrike">
+              <a:solidFill>
+                <a:srgbClr val="ffffd7"/>
+              </a:solidFill>
+              <a:latin typeface="Arial"/>
+            </a:endParaRPr>
+          </a:p>
+          <a:p>
+            <a:pPr>
+              <a:lnSpc>
+                <a:spcPct val="100000"/>
+              </a:lnSpc>
+              <a:spcBef>
+                <a:spcPts val="1191"/>
+              </a:spcBef>
+              <a:spcAft>
+                <a:spcPts val="992"/>
+              </a:spcAft>
+            </a:pPr>
+            <a:r>
+              <a:rPr b="1" lang="es-CO" sz="1800" spc="-1" strike="noStrike">
+                <a:solidFill>
+                  <a:srgbClr val="ffffd7"/>
+                </a:solidFill>
+                <a:latin typeface="Arial"/>
+              </a:rPr>
+              <a:t>6. Kruskal's Algorithm:</a:t>
+            </a:r>
+            <a:endParaRPr b="1" lang="es-CO" sz="1800" spc="-1" strike="noStrike">
+              <a:solidFill>
+                <a:srgbClr val="ffffd7"/>
+              </a:solidFill>
+              <a:latin typeface="Arial"/>
+            </a:endParaRPr>
+          </a:p>
+          <a:p>
+            <a:pPr>
+              <a:lnSpc>
+                <a:spcPct val="100000"/>
+              </a:lnSpc>
+              <a:spcBef>
+                <a:spcPts val="1191"/>
+              </a:spcBef>
+              <a:spcAft>
+                <a:spcPts val="992"/>
+              </a:spcAft>
+            </a:pPr>
+            <a:r>
+              <a:rPr b="1" lang="es-CO" sz="1400" spc="-1" strike="noStrike">
+                <a:solidFill>
+                  <a:srgbClr val="ffffd7"/>
+                </a:solidFill>
+                <a:latin typeface="Arial"/>
+              </a:rPr>
+              <a:t>Propósito: También se utiliza para encontrar el Árbol de Expansión Mínima en un grafo ponderado. Aplicación: Similar a Prim's, pero más eficiente en ciertos tipos de grafos, especialmente aquellos que son dispersos.</a:t>
+            </a:r>
+            <a:endParaRPr b="1" lang="es-CO" sz="1400" spc="-1" strike="noStrike">
+              <a:solidFill>
+                <a:srgbClr val="ffffd7"/>
+              </a:solidFill>
+              <a:latin typeface="Arial"/>
+            </a:endParaRPr>
+          </a:p>
+          <a:p>
+            <a:pPr>
+              <a:lnSpc>
+                <a:spcPct val="100000"/>
+              </a:lnSpc>
+              <a:spcBef>
+                <a:spcPts val="1191"/>
+              </a:spcBef>
+              <a:spcAft>
+                <a:spcPts val="992"/>
+              </a:spcAft>
+            </a:pPr>
+            <a:r>
+              <a:rPr b="1" lang="es-CO" sz="1800" spc="-1" strike="noStrike">
+                <a:solidFill>
+                  <a:srgbClr val="ffffd7"/>
+                </a:solidFill>
+                <a:latin typeface="Arial"/>
+              </a:rPr>
+              <a:t>7. Johnson's Algorithm:</a:t>
+            </a:r>
+            <a:endParaRPr b="1" lang="es-CO" sz="1800" spc="-1" strike="noStrike">
+              <a:solidFill>
+                <a:srgbClr val="ffffd7"/>
+              </a:solidFill>
+              <a:latin typeface="Arial"/>
+            </a:endParaRPr>
+          </a:p>
+          <a:p>
+            <a:pPr>
+              <a:lnSpc>
+                <a:spcPct val="100000"/>
+              </a:lnSpc>
+              <a:spcBef>
+                <a:spcPts val="1191"/>
+              </a:spcBef>
+              <a:spcAft>
+                <a:spcPts val="992"/>
+              </a:spcAft>
+            </a:pPr>
+            <a:r>
+              <a:rPr b="1" lang="es-CO" sz="1400" spc="-1" strike="noStrike">
+                <a:solidFill>
+                  <a:srgbClr val="ffffd7"/>
+                </a:solidFill>
+                <a:latin typeface="Arial"/>
+              </a:rPr>
+              <a:t>Propósito: Encontrar los caminos más cortos entre todos los pares de nodos en un grafo ponderado que puede contener aristas de peso negativo. Aplicación: Combinación de Bellman-Ford y Dijkstra, útil para grafos grandes y dispersos.</a:t>
+            </a:r>
+            <a:endParaRPr b="1" lang="es-CO" sz="1400" spc="-1" strike="noStrike">
+              <a:solidFill>
+                <a:srgbClr val="ffffd7"/>
+              </a:solidFill>
+              <a:latin typeface="Arial"/>
+            </a:endParaRPr>
+          </a:p>
+          <a:p>
+            <a:pPr>
+              <a:lnSpc>
+                <a:spcPct val="100000"/>
+              </a:lnSpc>
+              <a:spcBef>
+                <a:spcPts val="1191"/>
+              </a:spcBef>
+              <a:spcAft>
+                <a:spcPts val="992"/>
+              </a:spcAft>
+            </a:pPr>
+            <a:r>
+              <a:rPr b="1" lang="es-CO" sz="1800" spc="-1" strike="noStrike">
+                <a:solidFill>
+                  <a:srgbClr val="ffffd7"/>
+                </a:solidFill>
+                <a:latin typeface="Arial"/>
+              </a:rPr>
+              <a:t>8. Topological Sort:</a:t>
+            </a:r>
+            <a:endParaRPr b="1" lang="es-CO" sz="1800" spc="-1" strike="noStrike">
+              <a:solidFill>
+                <a:srgbClr val="ffffd7"/>
+              </a:solidFill>
+              <a:latin typeface="Arial"/>
+            </a:endParaRPr>
+          </a:p>
+          <a:p>
+            <a:pPr>
+              <a:lnSpc>
+                <a:spcPct val="100000"/>
+              </a:lnSpc>
+              <a:spcBef>
+                <a:spcPts val="1191"/>
+              </a:spcBef>
+              <a:spcAft>
+                <a:spcPts val="992"/>
+              </a:spcAft>
+            </a:pPr>
+            <a:r>
+              <a:rPr b="1" lang="es-CO" sz="1400" spc="-1" strike="noStrike">
+                <a:solidFill>
+                  <a:srgbClr val="ffffd7"/>
+                </a:solidFill>
+                <a:latin typeface="Arial"/>
+              </a:rPr>
+              <a:t>Propósito: Ordenar los nodos de un grafo dirigido acíclico (DAG) de tal manera que para cada arista dirigida uvuvuv, el nodo u aparece antes que el nodo v. Aplicación: Utilizado en la planificación de tareas, ordenación de dependencias y compilación de código.</a:t>
+            </a:r>
+            <a:endParaRPr b="1" lang="es-CO" sz="1400" spc="-1" strike="noStrike">
+              <a:solidFill>
+                <a:srgbClr val="ffffd7"/>
+              </a:solidFill>
+              <a:latin typeface="Arial"/>
+            </a:endParaRPr>
+          </a:p>
+        </p:txBody>
+      </p:sp>
+    </p:spTree>
+  </p:cSld>
+  <mc:AlternateContent>
+    <mc:Choice Requires="p14">
+      <p:transition spd="slow" p14:dur="2000"/>
+    </mc:Choice>
+    <mc:Fallback>
+      <p:transition spd="slow"/>
+    </mc:Fallback>
+  </mc:AlternateContent>
+</p:sld>
+</file>
+
+<file path=ppt/slides/slide9.xml><?xml version="1.0" encoding="utf-8"?>
+<p:sld xmlns:a="http://schemas.openxmlformats.org/drawingml/2006/main" xmlns:p="http://schemas.openxmlformats.org/presentationml/2006/main" xmlns:r="http://schemas.openxmlformats.org/officeDocument/2006/relationships" xmlns:p14="http://schemas.microsoft.com/office/powerpoint/2010/main" xmlns:p15="http://schemas.microsoft.com/office/powerpoint/2012/main" xmlns:mc="http://schemas.openxmlformats.org/markup-compatibility/2006">
+  <p:cSld>
+    <p:spTree>
+      <p:nvGrpSpPr>
+        <p:cNvPr id="1" name=""/>
+        <p:cNvGrpSpPr/>
+        <p:nvPr/>
+      </p:nvGrpSpPr>
+      <p:grpSpPr>
+        <a:xfrm>
+          <a:off x="0" y="0"/>
+          <a:ext cx="0" cy="0"/>
+          <a:chOff x="0" y="0"/>
+          <a:chExt cx="0" cy="0"/>
+        </a:xfrm>
+      </p:grpSpPr>
+      <p:grpSp>
+        <p:nvGrpSpPr>
+          <p:cNvPr id="150" name="Google Shape;266;g1f213c8c16b_0_ 6"/>
+          <p:cNvGrpSpPr/>
+          <p:nvPr/>
+        </p:nvGrpSpPr>
+        <p:grpSpPr>
+          <a:xfrm>
+            <a:off x="360" y="-17640"/>
+            <a:ext cx="12190320" cy="6856200"/>
+            <a:chOff x="360" y="-17640"/>
+            <a:chExt cx="12190320" cy="6856200"/>
+          </a:xfrm>
+        </p:grpSpPr>
+        <p:pic>
+          <p:nvPicPr>
+            <p:cNvPr id="151" name="Google Shape;267;g1f213c8c16b_0_ 7" descr=""/>
+            <p:cNvPicPr/>
+            <p:nvPr/>
+          </p:nvPicPr>
+          <p:blipFill>
+            <a:blip r:embed="rId1"/>
+            <a:srcRect l="7813" t="0" r="7813" b="7535"/>
+            <a:stretch/>
+          </p:blipFill>
+          <p:spPr>
+            <a:xfrm>
+              <a:off x="360" y="-17640"/>
+              <a:ext cx="12190320" cy="6856200"/>
+            </a:xfrm>
+            <a:prstGeom prst="rect">
+              <a:avLst/>
+            </a:prstGeom>
+            <a:ln w="0">
+              <a:noFill/>
+            </a:ln>
+          </p:spPr>
+        </p:pic>
+        <p:pic>
+          <p:nvPicPr>
+            <p:cNvPr id="152" name="Google Shape;268;g1f213c8c16b_0_ 7" descr=""/>
+            <p:cNvPicPr/>
+            <p:nvPr/>
+          </p:nvPicPr>
+          <p:blipFill>
+            <a:blip r:embed="rId2"/>
+            <a:stretch/>
+          </p:blipFill>
+          <p:spPr>
+            <a:xfrm>
+              <a:off x="360" y="-17640"/>
+              <a:ext cx="12190320" cy="6856200"/>
+            </a:xfrm>
+            <a:prstGeom prst="rect">
+              <a:avLst/>
+            </a:prstGeom>
+            <a:ln w="0">
+              <a:noFill/>
+            </a:ln>
+          </p:spPr>
+        </p:pic>
+      </p:grpSp>
+      <p:pic>
+        <p:nvPicPr>
+          <p:cNvPr id="153" name="Google Shape;269;g1f213c8c16b_0_ 7" descr=""/>
+          <p:cNvPicPr/>
+          <p:nvPr/>
+        </p:nvPicPr>
+        <p:blipFill>
+          <a:blip r:embed="rId3"/>
+          <a:stretch/>
+        </p:blipFill>
+        <p:spPr>
+          <a:xfrm>
+            <a:off x="4815360" y="165600"/>
+            <a:ext cx="2337480" cy="1118880"/>
+          </a:xfrm>
+          <a:prstGeom prst="rect">
+            <a:avLst/>
+          </a:prstGeom>
+          <a:ln w="0">
+            <a:noFill/>
+          </a:ln>
+        </p:spPr>
+      </p:pic>
+      <p:grpSp>
+        <p:nvGrpSpPr>
+          <p:cNvPr id="154" name="Google Shape;287;g1f213c8c16b_0_ 7"/>
+          <p:cNvGrpSpPr/>
+          <p:nvPr/>
+        </p:nvGrpSpPr>
+        <p:grpSpPr>
+          <a:xfrm>
+            <a:off x="626400" y="254520"/>
+            <a:ext cx="11249640" cy="981360"/>
+            <a:chOff x="626400" y="254520"/>
+            <a:chExt cx="11249640" cy="981360"/>
+          </a:xfrm>
+        </p:grpSpPr>
+        <p:pic>
+          <p:nvPicPr>
+            <p:cNvPr id="155" name="Google Shape;288;g1f213c8c16b_0_ 7" descr=""/>
+            <p:cNvPicPr/>
+            <p:nvPr/>
+          </p:nvPicPr>
+          <p:blipFill>
+            <a:blip r:embed="rId4"/>
+            <a:stretch/>
+          </p:blipFill>
+          <p:spPr>
+            <a:xfrm>
+              <a:off x="10059840" y="254520"/>
+              <a:ext cx="1816200" cy="981360"/>
+            </a:xfrm>
+            <a:prstGeom prst="rect">
+              <a:avLst/>
+            </a:prstGeom>
+            <a:ln w="0">
+              <a:noFill/>
+            </a:ln>
+          </p:spPr>
+        </p:pic>
+        <p:pic>
+          <p:nvPicPr>
+            <p:cNvPr id="156" name="Google Shape;289;g1f213c8c16b_0_ 7" descr=""/>
+            <p:cNvPicPr/>
+            <p:nvPr/>
+          </p:nvPicPr>
+          <p:blipFill>
+            <a:blip r:embed="rId5"/>
+            <a:stretch/>
+          </p:blipFill>
+          <p:spPr>
+            <a:xfrm>
+              <a:off x="626400" y="484200"/>
+              <a:ext cx="1504080" cy="522720"/>
+            </a:xfrm>
+            <a:prstGeom prst="rect">
+              <a:avLst/>
+            </a:prstGeom>
+            <a:ln w="0">
+              <a:noFill/>
+            </a:ln>
+          </p:spPr>
+        </p:pic>
+      </p:grpSp>
+      <p:sp>
+        <p:nvSpPr>
+          <p:cNvPr id="157" name="Google Shape;253;g1f213c8c16b_0_ 7"/>
+          <p:cNvSpPr/>
+          <p:nvPr/>
+        </p:nvSpPr>
+        <p:spPr>
+          <a:xfrm>
+            <a:off x="1440720" y="900000"/>
+            <a:ext cx="9359280" cy="638280"/>
+          </a:xfrm>
+          <a:prstGeom prst="rect">
+            <a:avLst/>
+          </a:prstGeom>
+          <a:noFill/>
+          <a:ln w="0">
+            <a:noFill/>
+          </a:ln>
+        </p:spPr>
+        <p:style>
+          <a:lnRef idx="0"/>
+          <a:fillRef idx="0"/>
+          <a:effectRef idx="0"/>
+          <a:fontRef idx="minor"/>
+        </p:style>
+        <p:txBody>
+          <a:bodyPr lIns="90000" rIns="90000" tIns="45000" bIns="45000" anchor="t">
+            <a:spAutoFit/>
+          </a:bodyPr>
+          <a:p>
+            <a:pPr algn="ctr">
+              <a:lnSpc>
+                <a:spcPct val="100000"/>
+              </a:lnSpc>
+              <a:spcBef>
+                <a:spcPts val="1191"/>
+              </a:spcBef>
+              <a:spcAft>
+                <a:spcPts val="992"/>
+              </a:spcAft>
+              <a:tabLst>
+                <a:tab algn="l" pos="0"/>
+              </a:tabLst>
+            </a:pPr>
+            <a:r>
+              <a:rPr b="0" lang="es-CO" sz="3600" spc="-1" strike="noStrike">
+                <a:solidFill>
+                  <a:schemeClr val="lt1"/>
+                </a:solidFill>
+                <a:latin typeface="Nunito Sans Black"/>
+                <a:ea typeface="Nunito Sans Black"/>
+              </a:rPr>
+              <a:t>Algoritmos de recorrido</a:t>
+            </a:r>
+            <a:endParaRPr b="0" lang="es-CO" sz="3600" spc="-1" strike="noStrike">
+              <a:solidFill>
+                <a:srgbClr val="000000"/>
+              </a:solidFill>
+              <a:latin typeface="Arial"/>
+            </a:endParaRPr>
+          </a:p>
+        </p:txBody>
+      </p:sp>
+      <p:sp>
+        <p:nvSpPr>
+          <p:cNvPr id="158" name=""/>
+          <p:cNvSpPr/>
+          <p:nvPr/>
+        </p:nvSpPr>
+        <p:spPr>
+          <a:xfrm>
+            <a:off x="1271880" y="1232280"/>
+            <a:ext cx="3947400" cy="486000"/>
+          </a:xfrm>
+          <a:prstGeom prst="rect">
+            <a:avLst/>
+          </a:prstGeom>
+          <a:noFill/>
+          <a:ln w="0">
+            <a:noFill/>
+          </a:ln>
+        </p:spPr>
+        <p:style>
+          <a:lnRef idx="0"/>
+          <a:fillRef idx="0"/>
+          <a:effectRef idx="0"/>
+          <a:fontRef idx="minor"/>
+        </p:style>
+        <p:txBody>
+          <a:bodyPr wrap="none" lIns="90000" rIns="90000" tIns="45000" bIns="45000" anchor="t">
+            <a:noAutofit/>
+          </a:bodyPr>
+          <a:p>
+            <a:endParaRPr b="0" lang="es-CO" sz="1800" spc="-1" strike="noStrike">
+              <a:solidFill>
+                <a:srgbClr val="000000"/>
+              </a:solidFill>
+              <a:latin typeface="Arial"/>
+            </a:endParaRPr>
+          </a:p>
+        </p:txBody>
+      </p:sp>
+      <p:sp>
+        <p:nvSpPr>
+          <p:cNvPr id="159" name=""/>
+          <p:cNvSpPr txBox="1"/>
+          <p:nvPr/>
+        </p:nvSpPr>
+        <p:spPr>
+          <a:xfrm>
+            <a:off x="180000" y="1800000"/>
+            <a:ext cx="11764800" cy="6996600"/>
+          </a:xfrm>
+          <a:prstGeom prst="rect">
+            <a:avLst/>
+          </a:prstGeom>
+          <a:noFill/>
+          <a:ln w="0">
+            <a:noFill/>
+          </a:ln>
+        </p:spPr>
+        <p:txBody>
+          <a:bodyPr lIns="90000" rIns="90000" tIns="45000" bIns="45000" anchor="t">
+            <a:noAutofit/>
+          </a:bodyPr>
+          <a:p>
+            <a:pPr>
+              <a:lnSpc>
+                <a:spcPct val="100000"/>
+              </a:lnSpc>
+              <a:spcBef>
+                <a:spcPts val="1191"/>
+              </a:spcBef>
+              <a:spcAft>
+                <a:spcPts val="992"/>
+              </a:spcAft>
+            </a:pPr>
+            <a:r>
+              <a:rPr b="1" lang="es-CO" sz="2000" spc="-1" strike="noStrike">
+                <a:solidFill>
+                  <a:srgbClr val="ffffd7"/>
+                </a:solidFill>
+                <a:latin typeface="Arial"/>
+              </a:rPr>
+              <a:t>9. Tarjan's Algorithm:</a:t>
+            </a:r>
+            <a:endParaRPr b="1" lang="es-CO" sz="2000" spc="-1" strike="noStrike">
+              <a:solidFill>
+                <a:srgbClr val="ffffd7"/>
+              </a:solidFill>
+              <a:latin typeface="Arial"/>
+            </a:endParaRPr>
+          </a:p>
+          <a:p>
+            <a:pPr>
+              <a:lnSpc>
+                <a:spcPct val="100000"/>
+              </a:lnSpc>
+              <a:spcBef>
+                <a:spcPts val="1191"/>
+              </a:spcBef>
+              <a:spcAft>
+                <a:spcPts val="992"/>
+              </a:spcAft>
+            </a:pPr>
+            <a:r>
+              <a:rPr b="1" lang="es-CO" sz="1500" spc="-1" strike="noStrike">
+                <a:solidFill>
+                  <a:srgbClr val="ffffd7"/>
+                </a:solidFill>
+                <a:latin typeface="Arial"/>
+              </a:rPr>
+              <a:t>Propósito: Encontrar las componentes fuertemente conexas (SCCs) en un grafo dirigido.</a:t>
+            </a:r>
+            <a:endParaRPr b="1" lang="es-CO" sz="1500" spc="-1" strike="noStrike">
+              <a:solidFill>
+                <a:srgbClr val="ffffd7"/>
+              </a:solidFill>
+              <a:latin typeface="Arial"/>
+            </a:endParaRPr>
+          </a:p>
+          <a:p>
+            <a:pPr>
+              <a:lnSpc>
+                <a:spcPct val="100000"/>
+              </a:lnSpc>
+              <a:spcBef>
+                <a:spcPts val="1191"/>
+              </a:spcBef>
+              <a:spcAft>
+                <a:spcPts val="992"/>
+              </a:spcAft>
+            </a:pPr>
+            <a:r>
+              <a:rPr b="1" lang="es-CO" sz="1500" spc="-1" strike="noStrike">
+                <a:solidFill>
+                  <a:srgbClr val="ffffd7"/>
+                </a:solidFill>
+                <a:latin typeface="Arial"/>
+              </a:rPr>
+              <a:t>Aplicación: Análisis de dependencias y circuitos en redes de software y hardware.</a:t>
+            </a:r>
+            <a:endParaRPr b="1" lang="es-CO" sz="1500" spc="-1" strike="noStrike">
+              <a:solidFill>
+                <a:srgbClr val="ffffd7"/>
+              </a:solidFill>
+              <a:latin typeface="Arial"/>
+            </a:endParaRPr>
+          </a:p>
+          <a:p>
+            <a:pPr>
+              <a:lnSpc>
+                <a:spcPct val="100000"/>
+              </a:lnSpc>
+              <a:spcBef>
+                <a:spcPts val="1191"/>
+              </a:spcBef>
+              <a:spcAft>
+                <a:spcPts val="992"/>
+              </a:spcAft>
+            </a:pPr>
+            <a:r>
+              <a:rPr b="1" lang="es-CO" sz="2000" spc="-1" strike="noStrike">
+                <a:solidFill>
+                  <a:srgbClr val="ffffd7"/>
+                </a:solidFill>
+                <a:latin typeface="Arial"/>
+              </a:rPr>
+              <a:t>10. Kosaraju's Algorithm:</a:t>
+            </a:r>
+            <a:endParaRPr b="1" lang="es-CO" sz="2000" spc="-1" strike="noStrike">
+              <a:solidFill>
+                <a:srgbClr val="ffffd7"/>
+              </a:solidFill>
+              <a:latin typeface="Arial"/>
+            </a:endParaRPr>
+          </a:p>
+          <a:p>
+            <a:pPr>
+              <a:lnSpc>
+                <a:spcPct val="100000"/>
+              </a:lnSpc>
+              <a:spcBef>
+                <a:spcPts val="1191"/>
+              </a:spcBef>
+              <a:spcAft>
+                <a:spcPts val="992"/>
+              </a:spcAft>
+            </a:pPr>
+            <a:r>
+              <a:rPr b="1" lang="es-CO" sz="1500" spc="-1" strike="noStrike">
+                <a:solidFill>
+                  <a:srgbClr val="ffffd7"/>
+                </a:solidFill>
+                <a:latin typeface="Arial"/>
+              </a:rPr>
+              <a:t>Propósito: Otra técnica para encontrar las componentes fuertemente conexas en un grafo dirigido.</a:t>
+            </a:r>
+            <a:endParaRPr b="1" lang="es-CO" sz="1500" spc="-1" strike="noStrike">
+              <a:solidFill>
+                <a:srgbClr val="ffffd7"/>
+              </a:solidFill>
+              <a:latin typeface="Arial"/>
+            </a:endParaRPr>
+          </a:p>
+          <a:p>
+            <a:pPr>
+              <a:lnSpc>
+                <a:spcPct val="100000"/>
+              </a:lnSpc>
+              <a:spcBef>
+                <a:spcPts val="1191"/>
+              </a:spcBef>
+              <a:spcAft>
+                <a:spcPts val="992"/>
+              </a:spcAft>
+            </a:pPr>
+            <a:r>
+              <a:rPr b="1" lang="es-CO" sz="1500" spc="-1" strike="noStrike">
+                <a:solidFill>
+                  <a:srgbClr val="ffffd7"/>
+                </a:solidFill>
+                <a:latin typeface="Arial"/>
+              </a:rPr>
+              <a:t>Aplicación: Similar a Tarjan's, utilizado en análisis de redes.</a:t>
+            </a:r>
+            <a:endParaRPr b="1" lang="es-CO" sz="1500" spc="-1" strike="noStrike">
+              <a:solidFill>
+                <a:srgbClr val="ffffd7"/>
+              </a:solidFill>
+              <a:latin typeface="Arial"/>
+            </a:endParaRPr>
+          </a:p>
+        </p:txBody>
+      </p:sp>
     </p:spTree>
   </p:cSld>
   <mc:AlternateContent>
